--- a/System Monitoring and Managing (1).pptx
+++ b/System Monitoring and Managing (1).pptx
@@ -1,45 +1,45 @@
 
 <file path=ppt/presentation.xml><?xml version="1.0" encoding="utf-8"?>
-<p:presentation xmlns:a="http://schemas.openxmlformats.org/drawingml/2006/main" xmlns:r="http://schemas.openxmlformats.org/officeDocument/2006/relationships" xmlns:mc="http://schemas.openxmlformats.org/markup-compatibility/2006" xmlns:mv="urn:schemas-microsoft-com:mac:vml" xmlns:p="http://schemas.openxmlformats.org/presentationml/2006/main" xmlns:c="http://schemas.openxmlformats.org/drawingml/2006/chart" xmlns:dgm="http://schemas.openxmlformats.org/drawingml/2006/diagram" xmlns:o="urn:schemas-microsoft-com:office:office" xmlns:v="urn:schemas-microsoft-com:vml" xmlns:pvml="urn:schemas-microsoft-com:office:powerpoint" xmlns:com="http://schemas.openxmlformats.org/drawingml/2006/compatibility" xmlns:p14="http://schemas.microsoft.com/office/powerpoint/2010/main" xmlns:p15="http://schemas.microsoft.com/office/powerpoint/2012/main" xmlns:ahyp="http://schemas.microsoft.com/office/drawing/2018/hyperlinkcolor" autoCompressPictures="0" embedTrueTypeFonts="1" strictFirstAndLastChars="0" saveSubsetFonts="1">
+<p:presentation xmlns:a="http://schemas.openxmlformats.org/drawingml/2006/main" xmlns:r="http://schemas.openxmlformats.org/officeDocument/2006/relationships" xmlns:p="http://schemas.openxmlformats.org/presentationml/2006/main" strictFirstAndLastChars="0" embedTrueTypeFonts="1" saveSubsetFonts="1" autoCompressPictures="0">
   <p:sldMasterIdLst>
-    <p:sldMasterId id="2147483659" r:id="rId4"/>
+    <p:sldMasterId id="2147483659" r:id="rId1"/>
   </p:sldMasterIdLst>
   <p:notesMasterIdLst>
-    <p:notesMasterId r:id="rId5"/>
+    <p:notesMasterId r:id="rId13"/>
   </p:notesMasterIdLst>
   <p:sldIdLst>
-    <p:sldId id="256" r:id="rId6"/>
-    <p:sldId id="257" r:id="rId7"/>
-    <p:sldId id="258" r:id="rId8"/>
-    <p:sldId id="259" r:id="rId9"/>
-    <p:sldId id="260" r:id="rId10"/>
-    <p:sldId id="261" r:id="rId11"/>
-    <p:sldId id="262" r:id="rId12"/>
-    <p:sldId id="263" r:id="rId13"/>
-    <p:sldId id="264" r:id="rId14"/>
-    <p:sldId id="265" r:id="rId15"/>
-    <p:sldId id="266" r:id="rId16"/>
+    <p:sldId id="256" r:id="rId2"/>
+    <p:sldId id="257" r:id="rId3"/>
+    <p:sldId id="258" r:id="rId4"/>
+    <p:sldId id="259" r:id="rId5"/>
+    <p:sldId id="260" r:id="rId6"/>
+    <p:sldId id="261" r:id="rId7"/>
+    <p:sldId id="262" r:id="rId8"/>
+    <p:sldId id="263" r:id="rId9"/>
+    <p:sldId id="264" r:id="rId10"/>
+    <p:sldId id="265" r:id="rId11"/>
+    <p:sldId id="266" r:id="rId12"/>
   </p:sldIdLst>
-  <p:sldSz cy="5143500" cx="9144000"/>
+  <p:sldSz cx="9144000" cy="5143500" type="screen16x9"/>
   <p:notesSz cx="6858000" cy="9144000"/>
   <p:embeddedFontLst>
     <p:embeddedFont>
-      <p:font typeface="Montserrat"/>
-      <p:regular r:id="rId17"/>
-      <p:bold r:id="rId18"/>
-      <p:italic r:id="rId19"/>
-      <p:boldItalic r:id="rId20"/>
+      <p:font typeface="Lato" panose="020F0502020204030203" pitchFamily="34" charset="0"/>
+      <p:regular r:id="rId14"/>
+      <p:bold r:id="rId15"/>
+      <p:italic r:id="rId16"/>
+      <p:boldItalic r:id="rId17"/>
     </p:embeddedFont>
     <p:embeddedFont>
-      <p:font typeface="Lato"/>
-      <p:regular r:id="rId21"/>
-      <p:bold r:id="rId22"/>
-      <p:italic r:id="rId23"/>
-      <p:boldItalic r:id="rId24"/>
+      <p:font typeface="Montserrat" panose="00000500000000000000" pitchFamily="2" charset="0"/>
+      <p:regular r:id="rId18"/>
+      <p:bold r:id="rId19"/>
+      <p:italic r:id="rId20"/>
+      <p:boldItalic r:id="rId21"/>
     </p:embeddedFont>
   </p:embeddedFontLst>
   <p:defaultTextStyle>
-    <a:defPPr lvl="0" marR="0" rtl="0" algn="l">
+    <a:defPPr marR="0" lvl="0" algn="l" rtl="0">
       <a:lnSpc>
         <a:spcPct val="100000"/>
       </a:lnSpc>
@@ -50,7 +50,7 @@
         <a:spcPts val="0"/>
       </a:spcAft>
     </a:defPPr>
-    <a:lvl1pPr lvl="0" marR="0" rtl="0" algn="l">
+    <a:lvl1pPr marR="0" lvl="0" algn="l" rtl="0">
       <a:lnSpc>
         <a:spcPct val="100000"/>
       </a:lnSpc>
@@ -64,7 +64,7 @@
         <a:srgbClr val="000000"/>
       </a:buClr>
       <a:buFont typeface="Arial"/>
-      <a:defRPr b="0" i="0" sz="1400" u="none" cap="none" strike="noStrike">
+      <a:defRPr sz="1400" b="0" i="0" u="none" strike="noStrike" cap="none">
         <a:solidFill>
           <a:srgbClr val="000000"/>
         </a:solidFill>
@@ -74,7 +74,7 @@
         <a:sym typeface="Arial"/>
       </a:defRPr>
     </a:lvl1pPr>
-    <a:lvl2pPr lvl="1" marR="0" rtl="0" algn="l">
+    <a:lvl2pPr marR="0" lvl="1" algn="l" rtl="0">
       <a:lnSpc>
         <a:spcPct val="100000"/>
       </a:lnSpc>
@@ -88,7 +88,7 @@
         <a:srgbClr val="000000"/>
       </a:buClr>
       <a:buFont typeface="Arial"/>
-      <a:defRPr b="0" i="0" sz="1400" u="none" cap="none" strike="noStrike">
+      <a:defRPr sz="1400" b="0" i="0" u="none" strike="noStrike" cap="none">
         <a:solidFill>
           <a:srgbClr val="000000"/>
         </a:solidFill>
@@ -98,7 +98,7 @@
         <a:sym typeface="Arial"/>
       </a:defRPr>
     </a:lvl2pPr>
-    <a:lvl3pPr lvl="2" marR="0" rtl="0" algn="l">
+    <a:lvl3pPr marR="0" lvl="2" algn="l" rtl="0">
       <a:lnSpc>
         <a:spcPct val="100000"/>
       </a:lnSpc>
@@ -112,7 +112,7 @@
         <a:srgbClr val="000000"/>
       </a:buClr>
       <a:buFont typeface="Arial"/>
-      <a:defRPr b="0" i="0" sz="1400" u="none" cap="none" strike="noStrike">
+      <a:defRPr sz="1400" b="0" i="0" u="none" strike="noStrike" cap="none">
         <a:solidFill>
           <a:srgbClr val="000000"/>
         </a:solidFill>
@@ -122,7 +122,7 @@
         <a:sym typeface="Arial"/>
       </a:defRPr>
     </a:lvl3pPr>
-    <a:lvl4pPr lvl="3" marR="0" rtl="0" algn="l">
+    <a:lvl4pPr marR="0" lvl="3" algn="l" rtl="0">
       <a:lnSpc>
         <a:spcPct val="100000"/>
       </a:lnSpc>
@@ -136,7 +136,7 @@
         <a:srgbClr val="000000"/>
       </a:buClr>
       <a:buFont typeface="Arial"/>
-      <a:defRPr b="0" i="0" sz="1400" u="none" cap="none" strike="noStrike">
+      <a:defRPr sz="1400" b="0" i="0" u="none" strike="noStrike" cap="none">
         <a:solidFill>
           <a:srgbClr val="000000"/>
         </a:solidFill>
@@ -146,7 +146,7 @@
         <a:sym typeface="Arial"/>
       </a:defRPr>
     </a:lvl4pPr>
-    <a:lvl5pPr lvl="4" marR="0" rtl="0" algn="l">
+    <a:lvl5pPr marR="0" lvl="4" algn="l" rtl="0">
       <a:lnSpc>
         <a:spcPct val="100000"/>
       </a:lnSpc>
@@ -160,7 +160,7 @@
         <a:srgbClr val="000000"/>
       </a:buClr>
       <a:buFont typeface="Arial"/>
-      <a:defRPr b="0" i="0" sz="1400" u="none" cap="none" strike="noStrike">
+      <a:defRPr sz="1400" b="0" i="0" u="none" strike="noStrike" cap="none">
         <a:solidFill>
           <a:srgbClr val="000000"/>
         </a:solidFill>
@@ -170,7 +170,7 @@
         <a:sym typeface="Arial"/>
       </a:defRPr>
     </a:lvl5pPr>
-    <a:lvl6pPr lvl="5" marR="0" rtl="0" algn="l">
+    <a:lvl6pPr marR="0" lvl="5" algn="l" rtl="0">
       <a:lnSpc>
         <a:spcPct val="100000"/>
       </a:lnSpc>
@@ -184,7 +184,7 @@
         <a:srgbClr val="000000"/>
       </a:buClr>
       <a:buFont typeface="Arial"/>
-      <a:defRPr b="0" i="0" sz="1400" u="none" cap="none" strike="noStrike">
+      <a:defRPr sz="1400" b="0" i="0" u="none" strike="noStrike" cap="none">
         <a:solidFill>
           <a:srgbClr val="000000"/>
         </a:solidFill>
@@ -194,7 +194,7 @@
         <a:sym typeface="Arial"/>
       </a:defRPr>
     </a:lvl6pPr>
-    <a:lvl7pPr lvl="6" marR="0" rtl="0" algn="l">
+    <a:lvl7pPr marR="0" lvl="6" algn="l" rtl="0">
       <a:lnSpc>
         <a:spcPct val="100000"/>
       </a:lnSpc>
@@ -208,7 +208,7 @@
         <a:srgbClr val="000000"/>
       </a:buClr>
       <a:buFont typeface="Arial"/>
-      <a:defRPr b="0" i="0" sz="1400" u="none" cap="none" strike="noStrike">
+      <a:defRPr sz="1400" b="0" i="0" u="none" strike="noStrike" cap="none">
         <a:solidFill>
           <a:srgbClr val="000000"/>
         </a:solidFill>
@@ -218,7 +218,7 @@
         <a:sym typeface="Arial"/>
       </a:defRPr>
     </a:lvl7pPr>
-    <a:lvl8pPr lvl="7" marR="0" rtl="0" algn="l">
+    <a:lvl8pPr marR="0" lvl="7" algn="l" rtl="0">
       <a:lnSpc>
         <a:spcPct val="100000"/>
       </a:lnSpc>
@@ -232,7 +232,7 @@
         <a:srgbClr val="000000"/>
       </a:buClr>
       <a:buFont typeface="Arial"/>
-      <a:defRPr b="0" i="0" sz="1400" u="none" cap="none" strike="noStrike">
+      <a:defRPr sz="1400" b="0" i="0" u="none" strike="noStrike" cap="none">
         <a:solidFill>
           <a:srgbClr val="000000"/>
         </a:solidFill>
@@ -242,7 +242,7 @@
         <a:sym typeface="Arial"/>
       </a:defRPr>
     </a:lvl8pPr>
-    <a:lvl9pPr lvl="8" marR="0" rtl="0" algn="l">
+    <a:lvl9pPr marR="0" lvl="8" algn="l" rtl="0">
       <a:lnSpc>
         <a:spcPct val="100000"/>
       </a:lnSpc>
@@ -256,7 +256,7 @@
         <a:srgbClr val="000000"/>
       </a:buClr>
       <a:buFont typeface="Arial"/>
-      <a:defRPr b="0" i="0" sz="1400" u="none" cap="none" strike="noStrike">
+      <a:defRPr sz="1400" b="0" i="0" u="none" strike="noStrike" cap="none">
         <a:solidFill>
           <a:srgbClr val="000000"/>
         </a:solidFill>
@@ -269,7 +269,7 @@
   </p:defaultTextStyle>
   <p:extLst>
     <p:ext uri="{EFAFB233-063F-42B5-8137-9DF3F51BA10A}">
-      <p15:sldGuideLst>
+      <p15:sldGuideLst xmlns:p15="http://schemas.microsoft.com/office/powerpoint/2012/main">
         <p15:guide id="1" orient="horz" pos="1620">
           <p15:clr>
             <a:srgbClr val="747775"/>
@@ -287,11 +287,16 @@
 </file>
 
 <file path=ppt/notesMasters/notesMaster1.xml><?xml version="1.0" encoding="utf-8"?>
-<p:notesMaster xmlns:a="http://schemas.openxmlformats.org/drawingml/2006/main" xmlns:r="http://schemas.openxmlformats.org/officeDocument/2006/relationships" xmlns:mc="http://schemas.openxmlformats.org/markup-compatibility/2006" xmlns:mv="urn:schemas-microsoft-com:mac:vml" xmlns:p="http://schemas.openxmlformats.org/presentationml/2006/main" xmlns:c="http://schemas.openxmlformats.org/drawingml/2006/chart" xmlns:dgm="http://schemas.openxmlformats.org/drawingml/2006/diagram" xmlns:o="urn:schemas-microsoft-com:office:office" xmlns:v="urn:schemas-microsoft-com:vml" xmlns:pvml="urn:schemas-microsoft-com:office:powerpoint" xmlns:com="http://schemas.openxmlformats.org/drawingml/2006/compatibility" xmlns:p14="http://schemas.microsoft.com/office/powerpoint/2010/main" xmlns:p15="http://schemas.microsoft.com/office/powerpoint/2012/main" xmlns:ahyp="http://schemas.microsoft.com/office/drawing/2018/hyperlinkcolor">
+<p:notesMaster xmlns:a="http://schemas.openxmlformats.org/drawingml/2006/main" xmlns:r="http://schemas.openxmlformats.org/officeDocument/2006/relationships" xmlns:p="http://schemas.openxmlformats.org/presentationml/2006/main">
   <p:cSld>
+    <p:bg>
+      <p:bgRef idx="1001">
+        <a:schemeClr val="bg1"/>
+      </p:bgRef>
+    </p:bg>
     <p:spTree>
       <p:nvGrpSpPr>
-        <p:cNvPr id="2" name="Shape 2"/>
+        <p:cNvPr id="1" name="Shape 2"/>
         <p:cNvGrpSpPr/>
         <p:nvPr/>
       </p:nvGrpSpPr>
@@ -306,9 +311,11 @@
       <p:sp>
         <p:nvSpPr>
           <p:cNvPr id="3" name="Google Shape;3;n"/>
-          <p:cNvSpPr/>
+          <p:cNvSpPr>
+            <a:spLocks noGrp="1" noRot="1" noChangeAspect="1"/>
+          </p:cNvSpPr>
           <p:nvPr>
-            <p:ph idx="2" type="sldImg"/>
+            <p:ph type="sldImg" idx="2"/>
           </p:nvPr>
         </p:nvSpPr>
         <p:spPr>
@@ -317,9 +324,13 @@
             <a:ext cx="6096075" cy="3429000"/>
           </a:xfrm>
           <a:custGeom>
-            <a:rect b="b" l="l" r="r" t="t"/>
+            <a:avLst/>
+            <a:gdLst/>
+            <a:ahLst/>
+            <a:cxnLst/>
+            <a:rect l="l" t="t" r="r" b="b"/>
             <a:pathLst>
-              <a:path extrusionOk="0" h="120000" w="120000">
+              <a:path w="120000" h="120000" extrusionOk="0">
                 <a:moveTo>
                   <a:pt x="0" y="0"/>
                 </a:moveTo>
@@ -337,23 +348,25 @@
             </a:pathLst>
           </a:custGeom>
           <a:noFill/>
-          <a:ln cap="flat" cmpd="sng" w="9525">
+          <a:ln w="9525" cap="flat" cmpd="sng">
             <a:solidFill>
               <a:srgbClr val="000000"/>
             </a:solidFill>
             <a:prstDash val="solid"/>
             <a:round/>
-            <a:headEnd len="sm" w="sm" type="none"/>
-            <a:tailEnd len="sm" w="sm" type="none"/>
+            <a:headEnd type="none" w="sm" len="sm"/>
+            <a:tailEnd type="none" w="sm" len="sm"/>
           </a:ln>
         </p:spPr>
       </p:sp>
       <p:sp>
         <p:nvSpPr>
           <p:cNvPr id="4" name="Google Shape;4;n"/>
-          <p:cNvSpPr txBox="1"/>
+          <p:cNvSpPr txBox="1">
+            <a:spLocks noGrp="1"/>
+          </p:cNvSpPr>
           <p:nvPr>
-            <p:ph idx="1" type="body"/>
+            <p:ph type="body" idx="1"/>
           </p:nvPr>
         </p:nvSpPr>
         <p:spPr>
@@ -370,11 +383,11 @@
           </a:ln>
         </p:spPr>
         <p:txBody>
-          <a:bodyPr anchorCtr="0" anchor="t" bIns="91425" lIns="91425" spcFirstLastPara="1" rIns="91425" wrap="square" tIns="91425">
+          <a:bodyPr spcFirstLastPara="1" wrap="square" lIns="91425" tIns="91425" rIns="91425" bIns="91425" anchor="t" anchorCtr="0">
             <a:noAutofit/>
           </a:bodyPr>
           <a:lstStyle>
-            <a:lvl1pPr indent="-298450" lvl="0" marL="457200">
+            <a:lvl1pPr marL="457200" lvl="0" indent="-298450">
               <a:spcBef>
                 <a:spcPts val="0"/>
               </a:spcBef>
@@ -385,7 +398,7 @@
               <a:buChar char="●"/>
               <a:defRPr sz="1100"/>
             </a:lvl1pPr>
-            <a:lvl2pPr indent="-298450" lvl="1" marL="914400">
+            <a:lvl2pPr marL="914400" lvl="1" indent="-298450">
               <a:spcBef>
                 <a:spcPts val="0"/>
               </a:spcBef>
@@ -396,7 +409,7 @@
               <a:buChar char="○"/>
               <a:defRPr sz="1100"/>
             </a:lvl2pPr>
-            <a:lvl3pPr indent="-298450" lvl="2" marL="1371600">
+            <a:lvl3pPr marL="1371600" lvl="2" indent="-298450">
               <a:spcBef>
                 <a:spcPts val="0"/>
               </a:spcBef>
@@ -407,7 +420,7 @@
               <a:buChar char="■"/>
               <a:defRPr sz="1100"/>
             </a:lvl3pPr>
-            <a:lvl4pPr indent="-298450" lvl="3" marL="1828800">
+            <a:lvl4pPr marL="1828800" lvl="3" indent="-298450">
               <a:spcBef>
                 <a:spcPts val="0"/>
               </a:spcBef>
@@ -418,7 +431,7 @@
               <a:buChar char="●"/>
               <a:defRPr sz="1100"/>
             </a:lvl4pPr>
-            <a:lvl5pPr indent="-298450" lvl="4" marL="2286000">
+            <a:lvl5pPr marL="2286000" lvl="4" indent="-298450">
               <a:spcBef>
                 <a:spcPts val="0"/>
               </a:spcBef>
@@ -429,7 +442,7 @@
               <a:buChar char="○"/>
               <a:defRPr sz="1100"/>
             </a:lvl5pPr>
-            <a:lvl6pPr indent="-298450" lvl="5" marL="2743200">
+            <a:lvl6pPr marL="2743200" lvl="5" indent="-298450">
               <a:spcBef>
                 <a:spcPts val="0"/>
               </a:spcBef>
@@ -440,7 +453,7 @@
               <a:buChar char="■"/>
               <a:defRPr sz="1100"/>
             </a:lvl6pPr>
-            <a:lvl7pPr indent="-298450" lvl="6" marL="3200400">
+            <a:lvl7pPr marL="3200400" lvl="6" indent="-298450">
               <a:spcBef>
                 <a:spcPts val="0"/>
               </a:spcBef>
@@ -451,7 +464,7 @@
               <a:buChar char="●"/>
               <a:defRPr sz="1100"/>
             </a:lvl7pPr>
-            <a:lvl8pPr indent="-298450" lvl="7" marL="3657600">
+            <a:lvl8pPr marL="3657600" lvl="7" indent="-298450">
               <a:spcBef>
                 <a:spcPts val="0"/>
               </a:spcBef>
@@ -462,7 +475,7 @@
               <a:buChar char="○"/>
               <a:defRPr sz="1100"/>
             </a:lvl8pPr>
-            <a:lvl9pPr indent="-298450" lvl="8" marL="4114800">
+            <a:lvl9pPr marL="4114800" lvl="8" indent="-298450">
               <a:spcBef>
                 <a:spcPts val="0"/>
               </a:spcBef>
@@ -474,14 +487,16 @@
               <a:defRPr sz="1100"/>
             </a:lvl9pPr>
           </a:lstStyle>
-          <a:p/>
+          <a:p>
+            <a:endParaRPr/>
+          </a:p>
         </p:txBody>
       </p:sp>
     </p:spTree>
   </p:cSld>
-  <p:clrMap accent1="accent1" accent2="accent2" accent3="accent3" accent4="accent4" accent5="accent5" accent6="accent6" bg1="lt1" bg2="dk2" tx1="dk1" tx2="lt2" folHlink="folHlink" hlink="hlink"/>
+  <p:clrMap bg1="lt1" tx1="dk1" bg2="dk2" tx2="lt2" accent1="accent1" accent2="accent2" accent3="accent3" accent4="accent4" accent5="accent5" accent6="accent6" hlink="hlink" folHlink="folHlink"/>
   <p:notesStyle>
-    <a:defPPr lvl="0" marR="0" rtl="0" algn="l">
+    <a:defPPr marR="0" lvl="0" algn="l" rtl="0">
       <a:lnSpc>
         <a:spcPct val="100000"/>
       </a:lnSpc>
@@ -492,7 +507,7 @@
         <a:spcPts val="0"/>
       </a:spcAft>
     </a:defPPr>
-    <a:lvl1pPr lvl="0" marR="0" rtl="0" algn="l">
+    <a:lvl1pPr marR="0" lvl="0" algn="l" rtl="0">
       <a:lnSpc>
         <a:spcPct val="100000"/>
       </a:lnSpc>
@@ -506,7 +521,7 @@
         <a:srgbClr val="000000"/>
       </a:buClr>
       <a:buFont typeface="Arial"/>
-      <a:defRPr b="0" i="0" sz="1400" u="none" cap="none" strike="noStrike">
+      <a:defRPr sz="1400" b="0" i="0" u="none" strike="noStrike" cap="none">
         <a:solidFill>
           <a:srgbClr val="000000"/>
         </a:solidFill>
@@ -516,7 +531,7 @@
         <a:sym typeface="Arial"/>
       </a:defRPr>
     </a:lvl1pPr>
-    <a:lvl2pPr lvl="1" marR="0" rtl="0" algn="l">
+    <a:lvl2pPr marR="0" lvl="1" algn="l" rtl="0">
       <a:lnSpc>
         <a:spcPct val="100000"/>
       </a:lnSpc>
@@ -530,7 +545,7 @@
         <a:srgbClr val="000000"/>
       </a:buClr>
       <a:buFont typeface="Arial"/>
-      <a:defRPr b="0" i="0" sz="1400" u="none" cap="none" strike="noStrike">
+      <a:defRPr sz="1400" b="0" i="0" u="none" strike="noStrike" cap="none">
         <a:solidFill>
           <a:srgbClr val="000000"/>
         </a:solidFill>
@@ -540,7 +555,7 @@
         <a:sym typeface="Arial"/>
       </a:defRPr>
     </a:lvl2pPr>
-    <a:lvl3pPr lvl="2" marR="0" rtl="0" algn="l">
+    <a:lvl3pPr marR="0" lvl="2" algn="l" rtl="0">
       <a:lnSpc>
         <a:spcPct val="100000"/>
       </a:lnSpc>
@@ -554,7 +569,7 @@
         <a:srgbClr val="000000"/>
       </a:buClr>
       <a:buFont typeface="Arial"/>
-      <a:defRPr b="0" i="0" sz="1400" u="none" cap="none" strike="noStrike">
+      <a:defRPr sz="1400" b="0" i="0" u="none" strike="noStrike" cap="none">
         <a:solidFill>
           <a:srgbClr val="000000"/>
         </a:solidFill>
@@ -564,7 +579,7 @@
         <a:sym typeface="Arial"/>
       </a:defRPr>
     </a:lvl3pPr>
-    <a:lvl4pPr lvl="3" marR="0" rtl="0" algn="l">
+    <a:lvl4pPr marR="0" lvl="3" algn="l" rtl="0">
       <a:lnSpc>
         <a:spcPct val="100000"/>
       </a:lnSpc>
@@ -578,7 +593,7 @@
         <a:srgbClr val="000000"/>
       </a:buClr>
       <a:buFont typeface="Arial"/>
-      <a:defRPr b="0" i="0" sz="1400" u="none" cap="none" strike="noStrike">
+      <a:defRPr sz="1400" b="0" i="0" u="none" strike="noStrike" cap="none">
         <a:solidFill>
           <a:srgbClr val="000000"/>
         </a:solidFill>
@@ -588,7 +603,7 @@
         <a:sym typeface="Arial"/>
       </a:defRPr>
     </a:lvl4pPr>
-    <a:lvl5pPr lvl="4" marR="0" rtl="0" algn="l">
+    <a:lvl5pPr marR="0" lvl="4" algn="l" rtl="0">
       <a:lnSpc>
         <a:spcPct val="100000"/>
       </a:lnSpc>
@@ -602,7 +617,7 @@
         <a:srgbClr val="000000"/>
       </a:buClr>
       <a:buFont typeface="Arial"/>
-      <a:defRPr b="0" i="0" sz="1400" u="none" cap="none" strike="noStrike">
+      <a:defRPr sz="1400" b="0" i="0" u="none" strike="noStrike" cap="none">
         <a:solidFill>
           <a:srgbClr val="000000"/>
         </a:solidFill>
@@ -612,7 +627,7 @@
         <a:sym typeface="Arial"/>
       </a:defRPr>
     </a:lvl5pPr>
-    <a:lvl6pPr lvl="5" marR="0" rtl="0" algn="l">
+    <a:lvl6pPr marR="0" lvl="5" algn="l" rtl="0">
       <a:lnSpc>
         <a:spcPct val="100000"/>
       </a:lnSpc>
@@ -626,7 +641,7 @@
         <a:srgbClr val="000000"/>
       </a:buClr>
       <a:buFont typeface="Arial"/>
-      <a:defRPr b="0" i="0" sz="1400" u="none" cap="none" strike="noStrike">
+      <a:defRPr sz="1400" b="0" i="0" u="none" strike="noStrike" cap="none">
         <a:solidFill>
           <a:srgbClr val="000000"/>
         </a:solidFill>
@@ -636,7 +651,7 @@
         <a:sym typeface="Arial"/>
       </a:defRPr>
     </a:lvl6pPr>
-    <a:lvl7pPr lvl="6" marR="0" rtl="0" algn="l">
+    <a:lvl7pPr marR="0" lvl="6" algn="l" rtl="0">
       <a:lnSpc>
         <a:spcPct val="100000"/>
       </a:lnSpc>
@@ -650,7 +665,7 @@
         <a:srgbClr val="000000"/>
       </a:buClr>
       <a:buFont typeface="Arial"/>
-      <a:defRPr b="0" i="0" sz="1400" u="none" cap="none" strike="noStrike">
+      <a:defRPr sz="1400" b="0" i="0" u="none" strike="noStrike" cap="none">
         <a:solidFill>
           <a:srgbClr val="000000"/>
         </a:solidFill>
@@ -660,7 +675,7 @@
         <a:sym typeface="Arial"/>
       </a:defRPr>
     </a:lvl7pPr>
-    <a:lvl8pPr lvl="7" marR="0" rtl="0" algn="l">
+    <a:lvl8pPr marR="0" lvl="7" algn="l" rtl="0">
       <a:lnSpc>
         <a:spcPct val="100000"/>
       </a:lnSpc>
@@ -674,7 +689,7 @@
         <a:srgbClr val="000000"/>
       </a:buClr>
       <a:buFont typeface="Arial"/>
-      <a:defRPr b="0" i="0" sz="1400" u="none" cap="none" strike="noStrike">
+      <a:defRPr sz="1400" b="0" i="0" u="none" strike="noStrike" cap="none">
         <a:solidFill>
           <a:srgbClr val="000000"/>
         </a:solidFill>
@@ -684,7 +699,7 @@
         <a:sym typeface="Arial"/>
       </a:defRPr>
     </a:lvl8pPr>
-    <a:lvl9pPr lvl="8" marR="0" rtl="0" algn="l">
+    <a:lvl9pPr marR="0" lvl="8" algn="l" rtl="0">
       <a:lnSpc>
         <a:spcPct val="100000"/>
       </a:lnSpc>
@@ -698,7 +713,7 @@
         <a:srgbClr val="000000"/>
       </a:buClr>
       <a:buFont typeface="Arial"/>
-      <a:defRPr b="0" i="0" sz="1400" u="none" cap="none" strike="noStrike">
+      <a:defRPr sz="1400" b="0" i="0" u="none" strike="noStrike" cap="none">
         <a:solidFill>
           <a:srgbClr val="000000"/>
         </a:solidFill>
@@ -713,11 +728,11 @@
 </file>
 
 <file path=ppt/notesSlides/notesSlide1.xml><?xml version="1.0" encoding="utf-8"?>
-<p:notes xmlns:a="http://schemas.openxmlformats.org/drawingml/2006/main" xmlns:r="http://schemas.openxmlformats.org/officeDocument/2006/relationships" xmlns:mc="http://schemas.openxmlformats.org/markup-compatibility/2006" xmlns:mv="urn:schemas-microsoft-com:mac:vml" xmlns:p="http://schemas.openxmlformats.org/presentationml/2006/main" xmlns:c="http://schemas.openxmlformats.org/drawingml/2006/chart" xmlns:dgm="http://schemas.openxmlformats.org/drawingml/2006/diagram" xmlns:o="urn:schemas-microsoft-com:office:office" xmlns:v="urn:schemas-microsoft-com:vml" xmlns:pvml="urn:schemas-microsoft-com:office:powerpoint" xmlns:com="http://schemas.openxmlformats.org/drawingml/2006/compatibility" xmlns:p14="http://schemas.microsoft.com/office/powerpoint/2010/main" xmlns:p15="http://schemas.microsoft.com/office/powerpoint/2012/main" xmlns:ahyp="http://schemas.microsoft.com/office/drawing/2018/hyperlinkcolor" showMasterPhAnim="0" showMasterSp="0">
+<p:notes xmlns:a="http://schemas.openxmlformats.org/drawingml/2006/main" xmlns:r="http://schemas.openxmlformats.org/officeDocument/2006/relationships" xmlns:p="http://schemas.openxmlformats.org/presentationml/2006/main" showMasterSp="0" showMasterPhAnim="0">
   <p:cSld>
     <p:spTree>
       <p:nvGrpSpPr>
-        <p:cNvPr id="130" name="Shape 130"/>
+        <p:cNvPr id="1" name="Shape 130"/>
         <p:cNvGrpSpPr/>
         <p:nvPr/>
       </p:nvGrpSpPr>
@@ -732,20 +747,26 @@
       <p:sp>
         <p:nvSpPr>
           <p:cNvPr id="131" name="Google Shape;131;p:notes"/>
-          <p:cNvSpPr/>
+          <p:cNvSpPr>
+            <a:spLocks noGrp="1" noRot="1" noChangeAspect="1"/>
+          </p:cNvSpPr>
           <p:nvPr>
-            <p:ph idx="2" type="sldImg"/>
+            <p:ph type="sldImg" idx="2"/>
           </p:nvPr>
         </p:nvSpPr>
         <p:spPr>
           <a:xfrm>
-            <a:off x="381300" y="685800"/>
+            <a:off x="381000" y="685800"/>
             <a:ext cx="6096000" cy="3429000"/>
           </a:xfrm>
           <a:custGeom>
-            <a:rect b="b" l="l" r="r" t="t"/>
+            <a:avLst/>
+            <a:gdLst/>
+            <a:ahLst/>
+            <a:cxnLst/>
+            <a:rect l="l" t="t" r="r" b="b"/>
             <a:pathLst>
-              <a:path extrusionOk="0" h="120000" w="120000">
+              <a:path w="120000" h="120000" extrusionOk="0">
                 <a:moveTo>
                   <a:pt x="0" y="0"/>
                 </a:moveTo>
@@ -767,9 +788,11 @@
       <p:sp>
         <p:nvSpPr>
           <p:cNvPr id="132" name="Google Shape;132;p:notes"/>
-          <p:cNvSpPr txBox="1"/>
+          <p:cNvSpPr txBox="1">
+            <a:spLocks noGrp="1"/>
+          </p:cNvSpPr>
           <p:nvPr>
-            <p:ph idx="1" type="body"/>
+            <p:ph type="body" idx="1"/>
           </p:nvPr>
         </p:nvSpPr>
         <p:spPr>
@@ -782,12 +805,12 @@
           </a:prstGeom>
         </p:spPr>
         <p:txBody>
-          <a:bodyPr anchorCtr="0" anchor="t" bIns="91425" lIns="91425" spcFirstLastPara="1" rIns="91425" wrap="square" tIns="91425">
+          <a:bodyPr spcFirstLastPara="1" wrap="square" lIns="91425" tIns="91425" rIns="91425" bIns="91425" anchor="t" anchorCtr="0">
             <a:noAutofit/>
           </a:bodyPr>
           <a:lstStyle/>
           <a:p>
-            <a:pPr indent="0" lvl="0" marL="0" rtl="0" algn="l">
+            <a:pPr marL="0" lvl="0" indent="0" algn="l" rtl="0">
               <a:spcBef>
                 <a:spcPts val="0"/>
               </a:spcBef>
@@ -796,9 +819,6 @@
               </a:spcAft>
               <a:buNone/>
             </a:pPr>
-            <a:r>
-              <a:t/>
-            </a:r>
             <a:endParaRPr/>
           </a:p>
         </p:txBody>
@@ -812,11 +832,11 @@
 </file>
 
 <file path=ppt/notesSlides/notesSlide10.xml><?xml version="1.0" encoding="utf-8"?>
-<p:notes xmlns:a="http://schemas.openxmlformats.org/drawingml/2006/main" xmlns:r="http://schemas.openxmlformats.org/officeDocument/2006/relationships" xmlns:mc="http://schemas.openxmlformats.org/markup-compatibility/2006" xmlns:mv="urn:schemas-microsoft-com:mac:vml" xmlns:p="http://schemas.openxmlformats.org/presentationml/2006/main" xmlns:c="http://schemas.openxmlformats.org/drawingml/2006/chart" xmlns:dgm="http://schemas.openxmlformats.org/drawingml/2006/diagram" xmlns:o="urn:schemas-microsoft-com:office:office" xmlns:v="urn:schemas-microsoft-com:vml" xmlns:pvml="urn:schemas-microsoft-com:office:powerpoint" xmlns:com="http://schemas.openxmlformats.org/drawingml/2006/compatibility" xmlns:p14="http://schemas.microsoft.com/office/powerpoint/2010/main" xmlns:p15="http://schemas.microsoft.com/office/powerpoint/2012/main" xmlns:ahyp="http://schemas.microsoft.com/office/drawing/2018/hyperlinkcolor" showMasterPhAnim="0" showMasterSp="0">
+<p:notes xmlns:a="http://schemas.openxmlformats.org/drawingml/2006/main" xmlns:r="http://schemas.openxmlformats.org/officeDocument/2006/relationships" xmlns:p="http://schemas.openxmlformats.org/presentationml/2006/main" showMasterSp="0" showMasterPhAnim="0">
   <p:cSld>
     <p:spTree>
       <p:nvGrpSpPr>
-        <p:cNvPr id="186" name="Shape 186"/>
+        <p:cNvPr id="1" name="Shape 186"/>
         <p:cNvGrpSpPr/>
         <p:nvPr/>
       </p:nvGrpSpPr>
@@ -831,20 +851,26 @@
       <p:sp>
         <p:nvSpPr>
           <p:cNvPr id="187" name="Google Shape;187;g2d63e352d1d_0_561:notes"/>
-          <p:cNvSpPr/>
+          <p:cNvSpPr>
+            <a:spLocks noGrp="1" noRot="1" noChangeAspect="1"/>
+          </p:cNvSpPr>
           <p:nvPr>
-            <p:ph idx="2" type="sldImg"/>
+            <p:ph type="sldImg" idx="2"/>
           </p:nvPr>
         </p:nvSpPr>
         <p:spPr>
           <a:xfrm>
-            <a:off x="381300" y="685800"/>
+            <a:off x="381000" y="685800"/>
             <a:ext cx="6096000" cy="3429000"/>
           </a:xfrm>
           <a:custGeom>
-            <a:rect b="b" l="l" r="r" t="t"/>
+            <a:avLst/>
+            <a:gdLst/>
+            <a:ahLst/>
+            <a:cxnLst/>
+            <a:rect l="l" t="t" r="r" b="b"/>
             <a:pathLst>
-              <a:path extrusionOk="0" h="120000" w="120000">
+              <a:path w="120000" h="120000" extrusionOk="0">
                 <a:moveTo>
                   <a:pt x="0" y="0"/>
                 </a:moveTo>
@@ -866,9 +892,11 @@
       <p:sp>
         <p:nvSpPr>
           <p:cNvPr id="188" name="Google Shape;188;g2d63e352d1d_0_561:notes"/>
-          <p:cNvSpPr txBox="1"/>
+          <p:cNvSpPr txBox="1">
+            <a:spLocks noGrp="1"/>
+          </p:cNvSpPr>
           <p:nvPr>
-            <p:ph idx="1" type="body"/>
+            <p:ph type="body" idx="1"/>
           </p:nvPr>
         </p:nvSpPr>
         <p:spPr>
@@ -881,12 +909,12 @@
           </a:prstGeom>
         </p:spPr>
         <p:txBody>
-          <a:bodyPr anchorCtr="0" anchor="t" bIns="91425" lIns="91425" spcFirstLastPara="1" rIns="91425" wrap="square" tIns="91425">
+          <a:bodyPr spcFirstLastPara="1" wrap="square" lIns="91425" tIns="91425" rIns="91425" bIns="91425" anchor="t" anchorCtr="0">
             <a:noAutofit/>
           </a:bodyPr>
           <a:lstStyle/>
           <a:p>
-            <a:pPr indent="0" lvl="0" marL="0" rtl="0" algn="l">
+            <a:pPr marL="0" lvl="0" indent="0" algn="l" rtl="0">
               <a:spcBef>
                 <a:spcPts val="0"/>
               </a:spcBef>
@@ -895,9 +923,6 @@
               </a:spcAft>
               <a:buNone/>
             </a:pPr>
-            <a:r>
-              <a:t/>
-            </a:r>
             <a:endParaRPr/>
           </a:p>
         </p:txBody>
@@ -911,11 +936,11 @@
 </file>
 
 <file path=ppt/notesSlides/notesSlide11.xml><?xml version="1.0" encoding="utf-8"?>
-<p:notes xmlns:a="http://schemas.openxmlformats.org/drawingml/2006/main" xmlns:r="http://schemas.openxmlformats.org/officeDocument/2006/relationships" xmlns:mc="http://schemas.openxmlformats.org/markup-compatibility/2006" xmlns:mv="urn:schemas-microsoft-com:mac:vml" xmlns:p="http://schemas.openxmlformats.org/presentationml/2006/main" xmlns:c="http://schemas.openxmlformats.org/drawingml/2006/chart" xmlns:dgm="http://schemas.openxmlformats.org/drawingml/2006/diagram" xmlns:o="urn:schemas-microsoft-com:office:office" xmlns:v="urn:schemas-microsoft-com:vml" xmlns:pvml="urn:schemas-microsoft-com:office:powerpoint" xmlns:com="http://schemas.openxmlformats.org/drawingml/2006/compatibility" xmlns:p14="http://schemas.microsoft.com/office/powerpoint/2010/main" xmlns:p15="http://schemas.microsoft.com/office/powerpoint/2012/main" xmlns:ahyp="http://schemas.microsoft.com/office/drawing/2018/hyperlinkcolor" showMasterPhAnim="0" showMasterSp="0">
+<p:notes xmlns:a="http://schemas.openxmlformats.org/drawingml/2006/main" xmlns:r="http://schemas.openxmlformats.org/officeDocument/2006/relationships" xmlns:p="http://schemas.openxmlformats.org/presentationml/2006/main" showMasterSp="0" showMasterPhAnim="0">
   <p:cSld>
     <p:spTree>
       <p:nvGrpSpPr>
-        <p:cNvPr id="192" name="Shape 192"/>
+        <p:cNvPr id="1" name="Shape 192"/>
         <p:cNvGrpSpPr/>
         <p:nvPr/>
       </p:nvGrpSpPr>
@@ -930,20 +955,26 @@
       <p:sp>
         <p:nvSpPr>
           <p:cNvPr id="193" name="Google Shape;193;g2d63e352d1d_0_576:notes"/>
-          <p:cNvSpPr/>
+          <p:cNvSpPr>
+            <a:spLocks noGrp="1" noRot="1" noChangeAspect="1"/>
+          </p:cNvSpPr>
           <p:nvPr>
-            <p:ph idx="2" type="sldImg"/>
+            <p:ph type="sldImg" idx="2"/>
           </p:nvPr>
         </p:nvSpPr>
         <p:spPr>
           <a:xfrm>
-            <a:off x="381300" y="685800"/>
+            <a:off x="381000" y="685800"/>
             <a:ext cx="6096000" cy="3429000"/>
           </a:xfrm>
           <a:custGeom>
-            <a:rect b="b" l="l" r="r" t="t"/>
+            <a:avLst/>
+            <a:gdLst/>
+            <a:ahLst/>
+            <a:cxnLst/>
+            <a:rect l="l" t="t" r="r" b="b"/>
             <a:pathLst>
-              <a:path extrusionOk="0" h="120000" w="120000">
+              <a:path w="120000" h="120000" extrusionOk="0">
                 <a:moveTo>
                   <a:pt x="0" y="0"/>
                 </a:moveTo>
@@ -965,9 +996,11 @@
       <p:sp>
         <p:nvSpPr>
           <p:cNvPr id="194" name="Google Shape;194;g2d63e352d1d_0_576:notes"/>
-          <p:cNvSpPr txBox="1"/>
+          <p:cNvSpPr txBox="1">
+            <a:spLocks noGrp="1"/>
+          </p:cNvSpPr>
           <p:nvPr>
-            <p:ph idx="1" type="body"/>
+            <p:ph type="body" idx="1"/>
           </p:nvPr>
         </p:nvSpPr>
         <p:spPr>
@@ -980,12 +1013,12 @@
           </a:prstGeom>
         </p:spPr>
         <p:txBody>
-          <a:bodyPr anchorCtr="0" anchor="t" bIns="91425" lIns="91425" spcFirstLastPara="1" rIns="91425" wrap="square" tIns="91425">
+          <a:bodyPr spcFirstLastPara="1" wrap="square" lIns="91425" tIns="91425" rIns="91425" bIns="91425" anchor="t" anchorCtr="0">
             <a:noAutofit/>
           </a:bodyPr>
           <a:lstStyle/>
           <a:p>
-            <a:pPr indent="0" lvl="0" marL="0" rtl="0" algn="l">
+            <a:pPr marL="0" lvl="0" indent="0" algn="l" rtl="0">
               <a:spcBef>
                 <a:spcPts val="0"/>
               </a:spcBef>
@@ -994,9 +1027,6 @@
               </a:spcAft>
               <a:buNone/>
             </a:pPr>
-            <a:r>
-              <a:t/>
-            </a:r>
             <a:endParaRPr/>
           </a:p>
         </p:txBody>
@@ -1010,11 +1040,11 @@
 </file>
 
 <file path=ppt/notesSlides/notesSlide2.xml><?xml version="1.0" encoding="utf-8"?>
-<p:notes xmlns:a="http://schemas.openxmlformats.org/drawingml/2006/main" xmlns:r="http://schemas.openxmlformats.org/officeDocument/2006/relationships" xmlns:mc="http://schemas.openxmlformats.org/markup-compatibility/2006" xmlns:mv="urn:schemas-microsoft-com:mac:vml" xmlns:p="http://schemas.openxmlformats.org/presentationml/2006/main" xmlns:c="http://schemas.openxmlformats.org/drawingml/2006/chart" xmlns:dgm="http://schemas.openxmlformats.org/drawingml/2006/diagram" xmlns:o="urn:schemas-microsoft-com:office:office" xmlns:v="urn:schemas-microsoft-com:vml" xmlns:pvml="urn:schemas-microsoft-com:office:powerpoint" xmlns:com="http://schemas.openxmlformats.org/drawingml/2006/compatibility" xmlns:p14="http://schemas.microsoft.com/office/powerpoint/2010/main" xmlns:p15="http://schemas.microsoft.com/office/powerpoint/2012/main" xmlns:ahyp="http://schemas.microsoft.com/office/drawing/2018/hyperlinkcolor" showMasterPhAnim="0" showMasterSp="0">
+<p:notes xmlns:a="http://schemas.openxmlformats.org/drawingml/2006/main" xmlns:r="http://schemas.openxmlformats.org/officeDocument/2006/relationships" xmlns:p="http://schemas.openxmlformats.org/presentationml/2006/main" showMasterSp="0" showMasterPhAnim="0">
   <p:cSld>
     <p:spTree>
       <p:nvGrpSpPr>
-        <p:cNvPr id="136" name="Shape 136"/>
+        <p:cNvPr id="1" name="Shape 136"/>
         <p:cNvGrpSpPr/>
         <p:nvPr/>
       </p:nvGrpSpPr>
@@ -1029,9 +1059,11 @@
       <p:sp>
         <p:nvSpPr>
           <p:cNvPr id="137" name="Google Shape;137;g2d63e352d1d_0_496:notes"/>
-          <p:cNvSpPr/>
+          <p:cNvSpPr>
+            <a:spLocks noGrp="1" noRot="1" noChangeAspect="1"/>
+          </p:cNvSpPr>
           <p:nvPr>
-            <p:ph idx="2" type="sldImg"/>
+            <p:ph type="sldImg" idx="2"/>
           </p:nvPr>
         </p:nvSpPr>
         <p:spPr>
@@ -1040,9 +1072,13 @@
             <a:ext cx="6096000" cy="3429000"/>
           </a:xfrm>
           <a:custGeom>
-            <a:rect b="b" l="l" r="r" t="t"/>
+            <a:avLst/>
+            <a:gdLst/>
+            <a:ahLst/>
+            <a:cxnLst/>
+            <a:rect l="l" t="t" r="r" b="b"/>
             <a:pathLst>
-              <a:path extrusionOk="0" h="120000" w="120000">
+              <a:path w="120000" h="120000" extrusionOk="0">
                 <a:moveTo>
                   <a:pt x="0" y="0"/>
                 </a:moveTo>
@@ -1064,9 +1100,11 @@
       <p:sp>
         <p:nvSpPr>
           <p:cNvPr id="138" name="Google Shape;138;g2d63e352d1d_0_496:notes"/>
-          <p:cNvSpPr txBox="1"/>
+          <p:cNvSpPr txBox="1">
+            <a:spLocks noGrp="1"/>
+          </p:cNvSpPr>
           <p:nvPr>
-            <p:ph idx="1" type="body"/>
+            <p:ph type="body" idx="1"/>
           </p:nvPr>
         </p:nvSpPr>
         <p:spPr>
@@ -1079,12 +1117,12 @@
           </a:prstGeom>
         </p:spPr>
         <p:txBody>
-          <a:bodyPr anchorCtr="0" anchor="t" bIns="91425" lIns="91425" spcFirstLastPara="1" rIns="91425" wrap="square" tIns="91425">
+          <a:bodyPr spcFirstLastPara="1" wrap="square" lIns="91425" tIns="91425" rIns="91425" bIns="91425" anchor="t" anchorCtr="0">
             <a:noAutofit/>
           </a:bodyPr>
           <a:lstStyle/>
           <a:p>
-            <a:pPr indent="0" lvl="0" marL="0" rtl="0" algn="l">
+            <a:pPr marL="0" lvl="0" indent="0" algn="l" rtl="0">
               <a:spcBef>
                 <a:spcPts val="0"/>
               </a:spcBef>
@@ -1093,9 +1131,6 @@
               </a:spcAft>
               <a:buNone/>
             </a:pPr>
-            <a:r>
-              <a:t/>
-            </a:r>
             <a:endParaRPr/>
           </a:p>
         </p:txBody>
@@ -1109,11 +1144,11 @@
 </file>
 
 <file path=ppt/notesSlides/notesSlide3.xml><?xml version="1.0" encoding="utf-8"?>
-<p:notes xmlns:a="http://schemas.openxmlformats.org/drawingml/2006/main" xmlns:r="http://schemas.openxmlformats.org/officeDocument/2006/relationships" xmlns:mc="http://schemas.openxmlformats.org/markup-compatibility/2006" xmlns:mv="urn:schemas-microsoft-com:mac:vml" xmlns:p="http://schemas.openxmlformats.org/presentationml/2006/main" xmlns:c="http://schemas.openxmlformats.org/drawingml/2006/chart" xmlns:dgm="http://schemas.openxmlformats.org/drawingml/2006/diagram" xmlns:o="urn:schemas-microsoft-com:office:office" xmlns:v="urn:schemas-microsoft-com:vml" xmlns:pvml="urn:schemas-microsoft-com:office:powerpoint" xmlns:com="http://schemas.openxmlformats.org/drawingml/2006/compatibility" xmlns:p14="http://schemas.microsoft.com/office/powerpoint/2010/main" xmlns:p15="http://schemas.microsoft.com/office/powerpoint/2012/main" xmlns:ahyp="http://schemas.microsoft.com/office/drawing/2018/hyperlinkcolor" showMasterPhAnim="0" showMasterSp="0">
+<p:notes xmlns:a="http://schemas.openxmlformats.org/drawingml/2006/main" xmlns:r="http://schemas.openxmlformats.org/officeDocument/2006/relationships" xmlns:p="http://schemas.openxmlformats.org/presentationml/2006/main" showMasterSp="0" showMasterPhAnim="0">
   <p:cSld>
     <p:spTree>
       <p:nvGrpSpPr>
-        <p:cNvPr id="142" name="Shape 142"/>
+        <p:cNvPr id="1" name="Shape 142"/>
         <p:cNvGrpSpPr/>
         <p:nvPr/>
       </p:nvGrpSpPr>
@@ -1128,9 +1163,11 @@
       <p:sp>
         <p:nvSpPr>
           <p:cNvPr id="143" name="Google Shape;143;g2d63e352d1d_0_501:notes"/>
-          <p:cNvSpPr/>
+          <p:cNvSpPr>
+            <a:spLocks noGrp="1" noRot="1" noChangeAspect="1"/>
+          </p:cNvSpPr>
           <p:nvPr>
-            <p:ph idx="2" type="sldImg"/>
+            <p:ph type="sldImg" idx="2"/>
           </p:nvPr>
         </p:nvSpPr>
         <p:spPr>
@@ -1139,9 +1176,13 @@
             <a:ext cx="6096000" cy="3429000"/>
           </a:xfrm>
           <a:custGeom>
-            <a:rect b="b" l="l" r="r" t="t"/>
+            <a:avLst/>
+            <a:gdLst/>
+            <a:ahLst/>
+            <a:cxnLst/>
+            <a:rect l="l" t="t" r="r" b="b"/>
             <a:pathLst>
-              <a:path extrusionOk="0" h="120000" w="120000">
+              <a:path w="120000" h="120000" extrusionOk="0">
                 <a:moveTo>
                   <a:pt x="0" y="0"/>
                 </a:moveTo>
@@ -1163,9 +1204,11 @@
       <p:sp>
         <p:nvSpPr>
           <p:cNvPr id="144" name="Google Shape;144;g2d63e352d1d_0_501:notes"/>
-          <p:cNvSpPr txBox="1"/>
+          <p:cNvSpPr txBox="1">
+            <a:spLocks noGrp="1"/>
+          </p:cNvSpPr>
           <p:nvPr>
-            <p:ph idx="1" type="body"/>
+            <p:ph type="body" idx="1"/>
           </p:nvPr>
         </p:nvSpPr>
         <p:spPr>
@@ -1178,12 +1221,12 @@
           </a:prstGeom>
         </p:spPr>
         <p:txBody>
-          <a:bodyPr anchorCtr="0" anchor="t" bIns="91425" lIns="91425" spcFirstLastPara="1" rIns="91425" wrap="square" tIns="91425">
+          <a:bodyPr spcFirstLastPara="1" wrap="square" lIns="91425" tIns="91425" rIns="91425" bIns="91425" anchor="t" anchorCtr="0">
             <a:noAutofit/>
           </a:bodyPr>
           <a:lstStyle/>
           <a:p>
-            <a:pPr indent="0" lvl="0" marL="0" rtl="0" algn="l">
+            <a:pPr marL="0" lvl="0" indent="0" algn="l" rtl="0">
               <a:spcBef>
                 <a:spcPts val="0"/>
               </a:spcBef>
@@ -1192,9 +1235,6 @@
               </a:spcAft>
               <a:buNone/>
             </a:pPr>
-            <a:r>
-              <a:t/>
-            </a:r>
             <a:endParaRPr/>
           </a:p>
         </p:txBody>
@@ -1208,11 +1248,11 @@
 </file>
 
 <file path=ppt/notesSlides/notesSlide4.xml><?xml version="1.0" encoding="utf-8"?>
-<p:notes xmlns:a="http://schemas.openxmlformats.org/drawingml/2006/main" xmlns:r="http://schemas.openxmlformats.org/officeDocument/2006/relationships" xmlns:mc="http://schemas.openxmlformats.org/markup-compatibility/2006" xmlns:mv="urn:schemas-microsoft-com:mac:vml" xmlns:p="http://schemas.openxmlformats.org/presentationml/2006/main" xmlns:c="http://schemas.openxmlformats.org/drawingml/2006/chart" xmlns:dgm="http://schemas.openxmlformats.org/drawingml/2006/diagram" xmlns:o="urn:schemas-microsoft-com:office:office" xmlns:v="urn:schemas-microsoft-com:vml" xmlns:pvml="urn:schemas-microsoft-com:office:powerpoint" xmlns:com="http://schemas.openxmlformats.org/drawingml/2006/compatibility" xmlns:p14="http://schemas.microsoft.com/office/powerpoint/2010/main" xmlns:p15="http://schemas.microsoft.com/office/powerpoint/2012/main" xmlns:ahyp="http://schemas.microsoft.com/office/drawing/2018/hyperlinkcolor" showMasterPhAnim="0" showMasterSp="0">
+<p:notes xmlns:a="http://schemas.openxmlformats.org/drawingml/2006/main" xmlns:r="http://schemas.openxmlformats.org/officeDocument/2006/relationships" xmlns:p="http://schemas.openxmlformats.org/presentationml/2006/main" showMasterSp="0" showMasterPhAnim="0">
   <p:cSld>
     <p:spTree>
       <p:nvGrpSpPr>
-        <p:cNvPr id="150" name="Shape 150"/>
+        <p:cNvPr id="1" name="Shape 150"/>
         <p:cNvGrpSpPr/>
         <p:nvPr/>
       </p:nvGrpSpPr>
@@ -1227,20 +1267,26 @@
       <p:sp>
         <p:nvSpPr>
           <p:cNvPr id="151" name="Google Shape;151;g2d63e352d1d_0_506:notes"/>
-          <p:cNvSpPr/>
+          <p:cNvSpPr>
+            <a:spLocks noGrp="1" noRot="1" noChangeAspect="1"/>
+          </p:cNvSpPr>
           <p:nvPr>
-            <p:ph idx="2" type="sldImg"/>
+            <p:ph type="sldImg" idx="2"/>
           </p:nvPr>
         </p:nvSpPr>
         <p:spPr>
           <a:xfrm>
-            <a:off x="381300" y="685800"/>
+            <a:off x="381000" y="685800"/>
             <a:ext cx="6096000" cy="3429000"/>
           </a:xfrm>
           <a:custGeom>
-            <a:rect b="b" l="l" r="r" t="t"/>
+            <a:avLst/>
+            <a:gdLst/>
+            <a:ahLst/>
+            <a:cxnLst/>
+            <a:rect l="l" t="t" r="r" b="b"/>
             <a:pathLst>
-              <a:path extrusionOk="0" h="120000" w="120000">
+              <a:path w="120000" h="120000" extrusionOk="0">
                 <a:moveTo>
                   <a:pt x="0" y="0"/>
                 </a:moveTo>
@@ -1262,9 +1308,11 @@
       <p:sp>
         <p:nvSpPr>
           <p:cNvPr id="152" name="Google Shape;152;g2d63e352d1d_0_506:notes"/>
-          <p:cNvSpPr txBox="1"/>
+          <p:cNvSpPr txBox="1">
+            <a:spLocks noGrp="1"/>
+          </p:cNvSpPr>
           <p:nvPr>
-            <p:ph idx="1" type="body"/>
+            <p:ph type="body" idx="1"/>
           </p:nvPr>
         </p:nvSpPr>
         <p:spPr>
@@ -1277,12 +1325,12 @@
           </a:prstGeom>
         </p:spPr>
         <p:txBody>
-          <a:bodyPr anchorCtr="0" anchor="t" bIns="91425" lIns="91425" spcFirstLastPara="1" rIns="91425" wrap="square" tIns="91425">
+          <a:bodyPr spcFirstLastPara="1" wrap="square" lIns="91425" tIns="91425" rIns="91425" bIns="91425" anchor="t" anchorCtr="0">
             <a:noAutofit/>
           </a:bodyPr>
           <a:lstStyle/>
           <a:p>
-            <a:pPr indent="0" lvl="0" marL="0" rtl="0" algn="l">
+            <a:pPr marL="0" lvl="0" indent="0" algn="l" rtl="0">
               <a:spcBef>
                 <a:spcPts val="0"/>
               </a:spcBef>
@@ -1291,9 +1339,6 @@
               </a:spcAft>
               <a:buNone/>
             </a:pPr>
-            <a:r>
-              <a:t/>
-            </a:r>
             <a:endParaRPr/>
           </a:p>
         </p:txBody>
@@ -1307,11 +1352,11 @@
 </file>
 
 <file path=ppt/notesSlides/notesSlide5.xml><?xml version="1.0" encoding="utf-8"?>
-<p:notes xmlns:a="http://schemas.openxmlformats.org/drawingml/2006/main" xmlns:r="http://schemas.openxmlformats.org/officeDocument/2006/relationships" xmlns:mc="http://schemas.openxmlformats.org/markup-compatibility/2006" xmlns:mv="urn:schemas-microsoft-com:mac:vml" xmlns:p="http://schemas.openxmlformats.org/presentationml/2006/main" xmlns:c="http://schemas.openxmlformats.org/drawingml/2006/chart" xmlns:dgm="http://schemas.openxmlformats.org/drawingml/2006/diagram" xmlns:o="urn:schemas-microsoft-com:office:office" xmlns:v="urn:schemas-microsoft-com:vml" xmlns:pvml="urn:schemas-microsoft-com:office:powerpoint" xmlns:com="http://schemas.openxmlformats.org/drawingml/2006/compatibility" xmlns:p14="http://schemas.microsoft.com/office/powerpoint/2010/main" xmlns:p15="http://schemas.microsoft.com/office/powerpoint/2012/main" xmlns:ahyp="http://schemas.microsoft.com/office/drawing/2018/hyperlinkcolor" showMasterPhAnim="0" showMasterSp="0">
+<p:notes xmlns:a="http://schemas.openxmlformats.org/drawingml/2006/main" xmlns:r="http://schemas.openxmlformats.org/officeDocument/2006/relationships" xmlns:p="http://schemas.openxmlformats.org/presentationml/2006/main" showMasterSp="0" showMasterPhAnim="0">
   <p:cSld>
     <p:spTree>
       <p:nvGrpSpPr>
-        <p:cNvPr id="156" name="Shape 156"/>
+        <p:cNvPr id="1" name="Shape 156"/>
         <p:cNvGrpSpPr/>
         <p:nvPr/>
       </p:nvGrpSpPr>
@@ -1326,20 +1371,26 @@
       <p:sp>
         <p:nvSpPr>
           <p:cNvPr id="157" name="Google Shape;157;g2d63e352d1d_0_525:notes"/>
-          <p:cNvSpPr/>
+          <p:cNvSpPr>
+            <a:spLocks noGrp="1" noRot="1" noChangeAspect="1"/>
+          </p:cNvSpPr>
           <p:nvPr>
-            <p:ph idx="2" type="sldImg"/>
+            <p:ph type="sldImg" idx="2"/>
           </p:nvPr>
         </p:nvSpPr>
         <p:spPr>
           <a:xfrm>
-            <a:off x="381300" y="685800"/>
+            <a:off x="381000" y="685800"/>
             <a:ext cx="6096000" cy="3429000"/>
           </a:xfrm>
           <a:custGeom>
-            <a:rect b="b" l="l" r="r" t="t"/>
+            <a:avLst/>
+            <a:gdLst/>
+            <a:ahLst/>
+            <a:cxnLst/>
+            <a:rect l="l" t="t" r="r" b="b"/>
             <a:pathLst>
-              <a:path extrusionOk="0" h="120000" w="120000">
+              <a:path w="120000" h="120000" extrusionOk="0">
                 <a:moveTo>
                   <a:pt x="0" y="0"/>
                 </a:moveTo>
@@ -1361,9 +1412,11 @@
       <p:sp>
         <p:nvSpPr>
           <p:cNvPr id="158" name="Google Shape;158;g2d63e352d1d_0_525:notes"/>
-          <p:cNvSpPr txBox="1"/>
+          <p:cNvSpPr txBox="1">
+            <a:spLocks noGrp="1"/>
+          </p:cNvSpPr>
           <p:nvPr>
-            <p:ph idx="1" type="body"/>
+            <p:ph type="body" idx="1"/>
           </p:nvPr>
         </p:nvSpPr>
         <p:spPr>
@@ -1376,12 +1429,12 @@
           </a:prstGeom>
         </p:spPr>
         <p:txBody>
-          <a:bodyPr anchorCtr="0" anchor="t" bIns="91425" lIns="91425" spcFirstLastPara="1" rIns="91425" wrap="square" tIns="91425">
+          <a:bodyPr spcFirstLastPara="1" wrap="square" lIns="91425" tIns="91425" rIns="91425" bIns="91425" anchor="t" anchorCtr="0">
             <a:noAutofit/>
           </a:bodyPr>
           <a:lstStyle/>
           <a:p>
-            <a:pPr indent="0" lvl="0" marL="0" rtl="0" algn="l">
+            <a:pPr marL="0" lvl="0" indent="0" algn="l" rtl="0">
               <a:spcBef>
                 <a:spcPts val="0"/>
               </a:spcBef>
@@ -1390,9 +1443,6 @@
               </a:spcAft>
               <a:buNone/>
             </a:pPr>
-            <a:r>
-              <a:t/>
-            </a:r>
             <a:endParaRPr/>
           </a:p>
         </p:txBody>
@@ -1406,11 +1456,11 @@
 </file>
 
 <file path=ppt/notesSlides/notesSlide6.xml><?xml version="1.0" encoding="utf-8"?>
-<p:notes xmlns:a="http://schemas.openxmlformats.org/drawingml/2006/main" xmlns:r="http://schemas.openxmlformats.org/officeDocument/2006/relationships" xmlns:mc="http://schemas.openxmlformats.org/markup-compatibility/2006" xmlns:mv="urn:schemas-microsoft-com:mac:vml" xmlns:p="http://schemas.openxmlformats.org/presentationml/2006/main" xmlns:c="http://schemas.openxmlformats.org/drawingml/2006/chart" xmlns:dgm="http://schemas.openxmlformats.org/drawingml/2006/diagram" xmlns:o="urn:schemas-microsoft-com:office:office" xmlns:v="urn:schemas-microsoft-com:vml" xmlns:pvml="urn:schemas-microsoft-com:office:powerpoint" xmlns:com="http://schemas.openxmlformats.org/drawingml/2006/compatibility" xmlns:p14="http://schemas.microsoft.com/office/powerpoint/2010/main" xmlns:p15="http://schemas.microsoft.com/office/powerpoint/2012/main" xmlns:ahyp="http://schemas.microsoft.com/office/drawing/2018/hyperlinkcolor" showMasterPhAnim="0" showMasterSp="0">
+<p:notes xmlns:a="http://schemas.openxmlformats.org/drawingml/2006/main" xmlns:r="http://schemas.openxmlformats.org/officeDocument/2006/relationships" xmlns:p="http://schemas.openxmlformats.org/presentationml/2006/main" showMasterSp="0" showMasterPhAnim="0">
   <p:cSld>
     <p:spTree>
       <p:nvGrpSpPr>
-        <p:cNvPr id="162" name="Shape 162"/>
+        <p:cNvPr id="1" name="Shape 162"/>
         <p:cNvGrpSpPr/>
         <p:nvPr/>
       </p:nvGrpSpPr>
@@ -1425,20 +1475,26 @@
       <p:sp>
         <p:nvSpPr>
           <p:cNvPr id="163" name="Google Shape;163;g2d63e352d1d_0_537:notes"/>
-          <p:cNvSpPr/>
+          <p:cNvSpPr>
+            <a:spLocks noGrp="1" noRot="1" noChangeAspect="1"/>
+          </p:cNvSpPr>
           <p:nvPr>
-            <p:ph idx="2" type="sldImg"/>
+            <p:ph type="sldImg" idx="2"/>
           </p:nvPr>
         </p:nvSpPr>
         <p:spPr>
           <a:xfrm>
-            <a:off x="381300" y="685800"/>
+            <a:off x="381000" y="685800"/>
             <a:ext cx="6096000" cy="3429000"/>
           </a:xfrm>
           <a:custGeom>
-            <a:rect b="b" l="l" r="r" t="t"/>
+            <a:avLst/>
+            <a:gdLst/>
+            <a:ahLst/>
+            <a:cxnLst/>
+            <a:rect l="l" t="t" r="r" b="b"/>
             <a:pathLst>
-              <a:path extrusionOk="0" h="120000" w="120000">
+              <a:path w="120000" h="120000" extrusionOk="0">
                 <a:moveTo>
                   <a:pt x="0" y="0"/>
                 </a:moveTo>
@@ -1460,9 +1516,11 @@
       <p:sp>
         <p:nvSpPr>
           <p:cNvPr id="164" name="Google Shape;164;g2d63e352d1d_0_537:notes"/>
-          <p:cNvSpPr txBox="1"/>
+          <p:cNvSpPr txBox="1">
+            <a:spLocks noGrp="1"/>
+          </p:cNvSpPr>
           <p:nvPr>
-            <p:ph idx="1" type="body"/>
+            <p:ph type="body" idx="1"/>
           </p:nvPr>
         </p:nvSpPr>
         <p:spPr>
@@ -1475,12 +1533,12 @@
           </a:prstGeom>
         </p:spPr>
         <p:txBody>
-          <a:bodyPr anchorCtr="0" anchor="t" bIns="91425" lIns="91425" spcFirstLastPara="1" rIns="91425" wrap="square" tIns="91425">
+          <a:bodyPr spcFirstLastPara="1" wrap="square" lIns="91425" tIns="91425" rIns="91425" bIns="91425" anchor="t" anchorCtr="0">
             <a:noAutofit/>
           </a:bodyPr>
           <a:lstStyle/>
           <a:p>
-            <a:pPr indent="0" lvl="0" marL="0" rtl="0" algn="l">
+            <a:pPr marL="0" lvl="0" indent="0" algn="l" rtl="0">
               <a:spcBef>
                 <a:spcPts val="0"/>
               </a:spcBef>
@@ -1489,9 +1547,6 @@
               </a:spcAft>
               <a:buNone/>
             </a:pPr>
-            <a:r>
-              <a:t/>
-            </a:r>
             <a:endParaRPr/>
           </a:p>
         </p:txBody>
@@ -1505,11 +1560,11 @@
 </file>
 
 <file path=ppt/notesSlides/notesSlide7.xml><?xml version="1.0" encoding="utf-8"?>
-<p:notes xmlns:a="http://schemas.openxmlformats.org/drawingml/2006/main" xmlns:r="http://schemas.openxmlformats.org/officeDocument/2006/relationships" xmlns:mc="http://schemas.openxmlformats.org/markup-compatibility/2006" xmlns:mv="urn:schemas-microsoft-com:mac:vml" xmlns:p="http://schemas.openxmlformats.org/presentationml/2006/main" xmlns:c="http://schemas.openxmlformats.org/drawingml/2006/chart" xmlns:dgm="http://schemas.openxmlformats.org/drawingml/2006/diagram" xmlns:o="urn:schemas-microsoft-com:office:office" xmlns:v="urn:schemas-microsoft-com:vml" xmlns:pvml="urn:schemas-microsoft-com:office:powerpoint" xmlns:com="http://schemas.openxmlformats.org/drawingml/2006/compatibility" xmlns:p14="http://schemas.microsoft.com/office/powerpoint/2010/main" xmlns:p15="http://schemas.microsoft.com/office/powerpoint/2012/main" xmlns:ahyp="http://schemas.microsoft.com/office/drawing/2018/hyperlinkcolor" showMasterPhAnim="0" showMasterSp="0">
+<p:notes xmlns:a="http://schemas.openxmlformats.org/drawingml/2006/main" xmlns:r="http://schemas.openxmlformats.org/officeDocument/2006/relationships" xmlns:p="http://schemas.openxmlformats.org/presentationml/2006/main" showMasterSp="0" showMasterPhAnim="0">
   <p:cSld>
     <p:spTree>
       <p:nvGrpSpPr>
-        <p:cNvPr id="168" name="Shape 168"/>
+        <p:cNvPr id="1" name="Shape 168"/>
         <p:cNvGrpSpPr/>
         <p:nvPr/>
       </p:nvGrpSpPr>
@@ -1524,20 +1579,26 @@
       <p:sp>
         <p:nvSpPr>
           <p:cNvPr id="169" name="Google Shape;169;g2d63e352d1d_0_543:notes"/>
-          <p:cNvSpPr/>
+          <p:cNvSpPr>
+            <a:spLocks noGrp="1" noRot="1" noChangeAspect="1"/>
+          </p:cNvSpPr>
           <p:nvPr>
-            <p:ph idx="2" type="sldImg"/>
+            <p:ph type="sldImg" idx="2"/>
           </p:nvPr>
         </p:nvSpPr>
         <p:spPr>
           <a:xfrm>
-            <a:off x="381300" y="685800"/>
+            <a:off x="381000" y="685800"/>
             <a:ext cx="6096000" cy="3429000"/>
           </a:xfrm>
           <a:custGeom>
-            <a:rect b="b" l="l" r="r" t="t"/>
+            <a:avLst/>
+            <a:gdLst/>
+            <a:ahLst/>
+            <a:cxnLst/>
+            <a:rect l="l" t="t" r="r" b="b"/>
             <a:pathLst>
-              <a:path extrusionOk="0" h="120000" w="120000">
+              <a:path w="120000" h="120000" extrusionOk="0">
                 <a:moveTo>
                   <a:pt x="0" y="0"/>
                 </a:moveTo>
@@ -1559,9 +1620,11 @@
       <p:sp>
         <p:nvSpPr>
           <p:cNvPr id="170" name="Google Shape;170;g2d63e352d1d_0_543:notes"/>
-          <p:cNvSpPr txBox="1"/>
+          <p:cNvSpPr txBox="1">
+            <a:spLocks noGrp="1"/>
+          </p:cNvSpPr>
           <p:nvPr>
-            <p:ph idx="1" type="body"/>
+            <p:ph type="body" idx="1"/>
           </p:nvPr>
         </p:nvSpPr>
         <p:spPr>
@@ -1574,12 +1637,12 @@
           </a:prstGeom>
         </p:spPr>
         <p:txBody>
-          <a:bodyPr anchorCtr="0" anchor="t" bIns="91425" lIns="91425" spcFirstLastPara="1" rIns="91425" wrap="square" tIns="91425">
+          <a:bodyPr spcFirstLastPara="1" wrap="square" lIns="91425" tIns="91425" rIns="91425" bIns="91425" anchor="t" anchorCtr="0">
             <a:noAutofit/>
           </a:bodyPr>
           <a:lstStyle/>
           <a:p>
-            <a:pPr indent="0" lvl="0" marL="0" rtl="0" algn="l">
+            <a:pPr marL="0" lvl="0" indent="0" algn="l" rtl="0">
               <a:spcBef>
                 <a:spcPts val="0"/>
               </a:spcBef>
@@ -1588,9 +1651,6 @@
               </a:spcAft>
               <a:buNone/>
             </a:pPr>
-            <a:r>
-              <a:t/>
-            </a:r>
             <a:endParaRPr/>
           </a:p>
         </p:txBody>
@@ -1604,11 +1664,11 @@
 </file>
 
 <file path=ppt/notesSlides/notesSlide8.xml><?xml version="1.0" encoding="utf-8"?>
-<p:notes xmlns:a="http://schemas.openxmlformats.org/drawingml/2006/main" xmlns:r="http://schemas.openxmlformats.org/officeDocument/2006/relationships" xmlns:mc="http://schemas.openxmlformats.org/markup-compatibility/2006" xmlns:mv="urn:schemas-microsoft-com:mac:vml" xmlns:p="http://schemas.openxmlformats.org/presentationml/2006/main" xmlns:c="http://schemas.openxmlformats.org/drawingml/2006/chart" xmlns:dgm="http://schemas.openxmlformats.org/drawingml/2006/diagram" xmlns:o="urn:schemas-microsoft-com:office:office" xmlns:v="urn:schemas-microsoft-com:vml" xmlns:pvml="urn:schemas-microsoft-com:office:powerpoint" xmlns:com="http://schemas.openxmlformats.org/drawingml/2006/compatibility" xmlns:p14="http://schemas.microsoft.com/office/powerpoint/2010/main" xmlns:p15="http://schemas.microsoft.com/office/powerpoint/2012/main" xmlns:ahyp="http://schemas.microsoft.com/office/drawing/2018/hyperlinkcolor" showMasterPhAnim="0" showMasterSp="0">
+<p:notes xmlns:a="http://schemas.openxmlformats.org/drawingml/2006/main" xmlns:r="http://schemas.openxmlformats.org/officeDocument/2006/relationships" xmlns:p="http://schemas.openxmlformats.org/presentationml/2006/main" showMasterSp="0" showMasterPhAnim="0">
   <p:cSld>
     <p:spTree>
       <p:nvGrpSpPr>
-        <p:cNvPr id="174" name="Shape 174"/>
+        <p:cNvPr id="1" name="Shape 174"/>
         <p:cNvGrpSpPr/>
         <p:nvPr/>
       </p:nvGrpSpPr>
@@ -1623,20 +1683,26 @@
       <p:sp>
         <p:nvSpPr>
           <p:cNvPr id="175" name="Google Shape;175;g2d63e352d1d_0_548:notes"/>
-          <p:cNvSpPr/>
+          <p:cNvSpPr>
+            <a:spLocks noGrp="1" noRot="1" noChangeAspect="1"/>
+          </p:cNvSpPr>
           <p:nvPr>
-            <p:ph idx="2" type="sldImg"/>
+            <p:ph type="sldImg" idx="2"/>
           </p:nvPr>
         </p:nvSpPr>
         <p:spPr>
           <a:xfrm>
-            <a:off x="381300" y="685800"/>
+            <a:off x="381000" y="685800"/>
             <a:ext cx="6096000" cy="3429000"/>
           </a:xfrm>
           <a:custGeom>
-            <a:rect b="b" l="l" r="r" t="t"/>
+            <a:avLst/>
+            <a:gdLst/>
+            <a:ahLst/>
+            <a:cxnLst/>
+            <a:rect l="l" t="t" r="r" b="b"/>
             <a:pathLst>
-              <a:path extrusionOk="0" h="120000" w="120000">
+              <a:path w="120000" h="120000" extrusionOk="0">
                 <a:moveTo>
                   <a:pt x="0" y="0"/>
                 </a:moveTo>
@@ -1658,9 +1724,11 @@
       <p:sp>
         <p:nvSpPr>
           <p:cNvPr id="176" name="Google Shape;176;g2d63e352d1d_0_548:notes"/>
-          <p:cNvSpPr txBox="1"/>
+          <p:cNvSpPr txBox="1">
+            <a:spLocks noGrp="1"/>
+          </p:cNvSpPr>
           <p:nvPr>
-            <p:ph idx="1" type="body"/>
+            <p:ph type="body" idx="1"/>
           </p:nvPr>
         </p:nvSpPr>
         <p:spPr>
@@ -1673,12 +1741,12 @@
           </a:prstGeom>
         </p:spPr>
         <p:txBody>
-          <a:bodyPr anchorCtr="0" anchor="t" bIns="91425" lIns="91425" spcFirstLastPara="1" rIns="91425" wrap="square" tIns="91425">
+          <a:bodyPr spcFirstLastPara="1" wrap="square" lIns="91425" tIns="91425" rIns="91425" bIns="91425" anchor="t" anchorCtr="0">
             <a:noAutofit/>
           </a:bodyPr>
           <a:lstStyle/>
           <a:p>
-            <a:pPr indent="0" lvl="0" marL="0" rtl="0" algn="l">
+            <a:pPr marL="0" lvl="0" indent="0" algn="l" rtl="0">
               <a:spcBef>
                 <a:spcPts val="0"/>
               </a:spcBef>
@@ -1687,9 +1755,6 @@
               </a:spcAft>
               <a:buNone/>
             </a:pPr>
-            <a:r>
-              <a:t/>
-            </a:r>
             <a:endParaRPr/>
           </a:p>
         </p:txBody>
@@ -1703,11 +1768,11 @@
 </file>
 
 <file path=ppt/notesSlides/notesSlide9.xml><?xml version="1.0" encoding="utf-8"?>
-<p:notes xmlns:a="http://schemas.openxmlformats.org/drawingml/2006/main" xmlns:r="http://schemas.openxmlformats.org/officeDocument/2006/relationships" xmlns:mc="http://schemas.openxmlformats.org/markup-compatibility/2006" xmlns:mv="urn:schemas-microsoft-com:mac:vml" xmlns:p="http://schemas.openxmlformats.org/presentationml/2006/main" xmlns:c="http://schemas.openxmlformats.org/drawingml/2006/chart" xmlns:dgm="http://schemas.openxmlformats.org/drawingml/2006/diagram" xmlns:o="urn:schemas-microsoft-com:office:office" xmlns:v="urn:schemas-microsoft-com:vml" xmlns:pvml="urn:schemas-microsoft-com:office:powerpoint" xmlns:com="http://schemas.openxmlformats.org/drawingml/2006/compatibility" xmlns:p14="http://schemas.microsoft.com/office/powerpoint/2010/main" xmlns:p15="http://schemas.microsoft.com/office/powerpoint/2012/main" xmlns:ahyp="http://schemas.microsoft.com/office/drawing/2018/hyperlinkcolor" showMasterPhAnim="0" showMasterSp="0">
+<p:notes xmlns:a="http://schemas.openxmlformats.org/drawingml/2006/main" xmlns:r="http://schemas.openxmlformats.org/officeDocument/2006/relationships" xmlns:p="http://schemas.openxmlformats.org/presentationml/2006/main" showMasterSp="0" showMasterPhAnim="0">
   <p:cSld>
     <p:spTree>
       <p:nvGrpSpPr>
-        <p:cNvPr id="180" name="Shape 180"/>
+        <p:cNvPr id="1" name="Shape 180"/>
         <p:cNvGrpSpPr/>
         <p:nvPr/>
       </p:nvGrpSpPr>
@@ -1722,20 +1787,26 @@
       <p:sp>
         <p:nvSpPr>
           <p:cNvPr id="181" name="Google Shape;181;g2d63e352d1d_0_553:notes"/>
-          <p:cNvSpPr/>
+          <p:cNvSpPr>
+            <a:spLocks noGrp="1" noRot="1" noChangeAspect="1"/>
+          </p:cNvSpPr>
           <p:nvPr>
-            <p:ph idx="2" type="sldImg"/>
+            <p:ph type="sldImg" idx="2"/>
           </p:nvPr>
         </p:nvSpPr>
         <p:spPr>
           <a:xfrm>
-            <a:off x="381300" y="685800"/>
+            <a:off x="381000" y="685800"/>
             <a:ext cx="6096000" cy="3429000"/>
           </a:xfrm>
           <a:custGeom>
-            <a:rect b="b" l="l" r="r" t="t"/>
+            <a:avLst/>
+            <a:gdLst/>
+            <a:ahLst/>
+            <a:cxnLst/>
+            <a:rect l="l" t="t" r="r" b="b"/>
             <a:pathLst>
-              <a:path extrusionOk="0" h="120000" w="120000">
+              <a:path w="120000" h="120000" extrusionOk="0">
                 <a:moveTo>
                   <a:pt x="0" y="0"/>
                 </a:moveTo>
@@ -1757,9 +1828,11 @@
       <p:sp>
         <p:nvSpPr>
           <p:cNvPr id="182" name="Google Shape;182;g2d63e352d1d_0_553:notes"/>
-          <p:cNvSpPr txBox="1"/>
+          <p:cNvSpPr txBox="1">
+            <a:spLocks noGrp="1"/>
+          </p:cNvSpPr>
           <p:nvPr>
-            <p:ph idx="1" type="body"/>
+            <p:ph type="body" idx="1"/>
           </p:nvPr>
         </p:nvSpPr>
         <p:spPr>
@@ -1772,12 +1845,12 @@
           </a:prstGeom>
         </p:spPr>
         <p:txBody>
-          <a:bodyPr anchorCtr="0" anchor="t" bIns="91425" lIns="91425" spcFirstLastPara="1" rIns="91425" wrap="square" tIns="91425">
+          <a:bodyPr spcFirstLastPara="1" wrap="square" lIns="91425" tIns="91425" rIns="91425" bIns="91425" anchor="t" anchorCtr="0">
             <a:noAutofit/>
           </a:bodyPr>
           <a:lstStyle/>
           <a:p>
-            <a:pPr indent="0" lvl="0" marL="0" rtl="0" algn="l">
+            <a:pPr marL="0" lvl="0" indent="0" algn="l" rtl="0">
               <a:spcBef>
                 <a:spcPts val="0"/>
               </a:spcBef>
@@ -1786,9 +1859,6 @@
               </a:spcAft>
               <a:buNone/>
             </a:pPr>
-            <a:r>
-              <a:t/>
-            </a:r>
             <a:endParaRPr/>
           </a:p>
         </p:txBody>
@@ -1802,11 +1872,11 @@
 </file>
 
 <file path=ppt/slideLayouts/slideLayout1.xml><?xml version="1.0" encoding="utf-8"?>
-<p:sldLayout xmlns:a="http://schemas.openxmlformats.org/drawingml/2006/main" xmlns:r="http://schemas.openxmlformats.org/officeDocument/2006/relationships" xmlns:mc="http://schemas.openxmlformats.org/markup-compatibility/2006" xmlns:mv="urn:schemas-microsoft-com:mac:vml" xmlns:p="http://schemas.openxmlformats.org/presentationml/2006/main" xmlns:c="http://schemas.openxmlformats.org/drawingml/2006/chart" xmlns:dgm="http://schemas.openxmlformats.org/drawingml/2006/diagram" xmlns:o="urn:schemas-microsoft-com:office:office" xmlns:v="urn:schemas-microsoft-com:vml" xmlns:pvml="urn:schemas-microsoft-com:office:powerpoint" xmlns:com="http://schemas.openxmlformats.org/drawingml/2006/compatibility" xmlns:p14="http://schemas.microsoft.com/office/powerpoint/2010/main" xmlns:p15="http://schemas.microsoft.com/office/powerpoint/2012/main" xmlns:ahyp="http://schemas.microsoft.com/office/drawing/2018/hyperlinkcolor" matchingName="Title slide" type="title">
+<p:sldLayout xmlns:a="http://schemas.openxmlformats.org/drawingml/2006/main" xmlns:r="http://schemas.openxmlformats.org/officeDocument/2006/relationships" xmlns:p="http://schemas.openxmlformats.org/presentationml/2006/main" matchingName="Title slide" type="title">
   <p:cSld name="TITLE">
     <p:spTree>
       <p:nvGrpSpPr>
-        <p:cNvPr id="9" name="Shape 9"/>
+        <p:cNvPr id="1" name="Shape 9"/>
         <p:cNvGrpSpPr/>
         <p:nvPr/>
       </p:nvGrpSpPr>
@@ -1831,7 +1901,7 @@
           </a:xfrm>
           <a:prstGeom prst="diagStripe">
             <a:avLst>
-              <a:gd fmla="val 0" name="adj"/>
+              <a:gd name="adj" fmla="val 0"/>
             </a:avLst>
           </a:prstGeom>
           <a:solidFill>
@@ -1844,12 +1914,12 @@
           </a:ln>
         </p:spPr>
         <p:txBody>
-          <a:bodyPr anchorCtr="0" anchor="ctr" bIns="91425" lIns="91425" spcFirstLastPara="1" rIns="91425" wrap="square" tIns="91425">
+          <a:bodyPr spcFirstLastPara="1" wrap="square" lIns="91425" tIns="91425" rIns="91425" bIns="91425" anchor="ctr" anchorCtr="0">
             <a:noAutofit/>
           </a:bodyPr>
           <a:lstStyle/>
           <a:p>
-            <a:pPr indent="0" lvl="0" marL="0" rtl="0" algn="l">
+            <a:pPr marL="0" lvl="0" indent="0" algn="l" rtl="0">
               <a:spcBef>
                 <a:spcPts val="0"/>
               </a:spcBef>
@@ -1858,9 +1928,6 @@
               </a:spcAft>
               <a:buNone/>
             </a:pPr>
-            <a:r>
-              <a:t/>
-            </a:r>
             <a:endParaRPr/>
           </a:p>
         </p:txBody>
@@ -1892,7 +1959,7 @@
             </a:xfrm>
             <a:prstGeom prst="diagStripe">
               <a:avLst>
-                <a:gd fmla="val 50000" name="adj"/>
+                <a:gd name="adj" fmla="val 50000"/>
               </a:avLst>
             </a:prstGeom>
             <a:solidFill>
@@ -1905,12 +1972,12 @@
             </a:ln>
           </p:spPr>
           <p:txBody>
-            <a:bodyPr anchorCtr="0" anchor="ctr" bIns="91425" lIns="91425" spcFirstLastPara="1" rIns="91425" wrap="square" tIns="91425">
+            <a:bodyPr spcFirstLastPara="1" wrap="square" lIns="91425" tIns="91425" rIns="91425" bIns="91425" anchor="ctr" anchorCtr="0">
               <a:noAutofit/>
             </a:bodyPr>
             <a:lstStyle/>
             <a:p>
-              <a:pPr indent="0" lvl="0" marL="0" rtl="0" algn="l">
+              <a:pPr marL="0" lvl="0" indent="0" algn="l" rtl="0">
                 <a:spcBef>
                   <a:spcPts val="0"/>
                 </a:spcBef>
@@ -1919,9 +1986,6 @@
                 </a:spcAft>
                 <a:buNone/>
               </a:pPr>
-              <a:r>
-                <a:t/>
-              </a:r>
               <a:endParaRPr/>
             </a:p>
           </p:txBody>
@@ -1939,7 +2003,7 @@
             </a:xfrm>
             <a:prstGeom prst="diagStripe">
               <a:avLst>
-                <a:gd fmla="val 58774" name="adj"/>
+                <a:gd name="adj" fmla="val 58774"/>
               </a:avLst>
             </a:prstGeom>
             <a:solidFill>
@@ -1952,12 +2016,12 @@
             </a:ln>
           </p:spPr>
           <p:txBody>
-            <a:bodyPr anchorCtr="0" anchor="ctr" bIns="91425" lIns="91425" spcFirstLastPara="1" rIns="91425" wrap="square" tIns="91425">
+            <a:bodyPr spcFirstLastPara="1" wrap="square" lIns="91425" tIns="91425" rIns="91425" bIns="91425" anchor="ctr" anchorCtr="0">
               <a:noAutofit/>
             </a:bodyPr>
             <a:lstStyle/>
             <a:p>
-              <a:pPr indent="0" lvl="0" marL="0" rtl="0" algn="l">
+              <a:pPr marL="0" lvl="0" indent="0" algn="l" rtl="0">
                 <a:spcBef>
                   <a:spcPts val="0"/>
                 </a:spcBef>
@@ -1966,9 +2030,6 @@
                 </a:spcAft>
                 <a:buNone/>
               </a:pPr>
-              <a:r>
-                <a:t/>
-              </a:r>
               <a:endParaRPr/>
             </a:p>
           </p:txBody>
@@ -1986,7 +2047,7 @@
             </a:xfrm>
             <a:prstGeom prst="diagStripe">
               <a:avLst>
-                <a:gd fmla="val 50000" name="adj"/>
+                <a:gd name="adj" fmla="val 50000"/>
               </a:avLst>
             </a:prstGeom>
             <a:solidFill>
@@ -1997,12 +2058,12 @@
             </a:ln>
           </p:spPr>
           <p:txBody>
-            <a:bodyPr anchorCtr="0" anchor="ctr" bIns="91425" lIns="91425" spcFirstLastPara="1" rIns="91425" wrap="square" tIns="91425">
+            <a:bodyPr spcFirstLastPara="1" wrap="square" lIns="91425" tIns="91425" rIns="91425" bIns="91425" anchor="ctr" anchorCtr="0">
               <a:noAutofit/>
             </a:bodyPr>
             <a:lstStyle/>
             <a:p>
-              <a:pPr indent="0" lvl="0" marL="0" rtl="0" algn="l">
+              <a:pPr marL="0" lvl="0" indent="0" algn="l" rtl="0">
                 <a:spcBef>
                   <a:spcPts val="0"/>
                 </a:spcBef>
@@ -2011,9 +2072,6 @@
                 </a:spcAft>
                 <a:buNone/>
               </a:pPr>
-              <a:r>
-                <a:t/>
-              </a:r>
               <a:endParaRPr/>
             </a:p>
           </p:txBody>
@@ -2031,7 +2089,7 @@
             </a:xfrm>
             <a:prstGeom prst="diagStripe">
               <a:avLst>
-                <a:gd fmla="val 50000" name="adj"/>
+                <a:gd name="adj" fmla="val 50000"/>
               </a:avLst>
             </a:prstGeom>
             <a:solidFill>
@@ -2042,12 +2100,12 @@
             </a:ln>
           </p:spPr>
           <p:txBody>
-            <a:bodyPr anchorCtr="0" anchor="ctr" bIns="91425" lIns="91425" spcFirstLastPara="1" rIns="91425" wrap="square" tIns="91425">
+            <a:bodyPr spcFirstLastPara="1" wrap="square" lIns="91425" tIns="91425" rIns="91425" bIns="91425" anchor="ctr" anchorCtr="0">
               <a:noAutofit/>
             </a:bodyPr>
             <a:lstStyle/>
             <a:p>
-              <a:pPr indent="0" lvl="0" marL="0" rtl="0" algn="l">
+              <a:pPr marL="0" lvl="0" indent="0" algn="l" rtl="0">
                 <a:spcBef>
                   <a:spcPts val="0"/>
                 </a:spcBef>
@@ -2056,9 +2114,6 @@
                 </a:spcAft>
                 <a:buNone/>
               </a:pPr>
-              <a:r>
-                <a:t/>
-              </a:r>
               <a:endParaRPr/>
             </a:p>
           </p:txBody>
@@ -2067,7 +2122,9 @@
       <p:sp>
         <p:nvSpPr>
           <p:cNvPr id="16" name="Google Shape;16;p2"/>
-          <p:cNvSpPr txBox="1"/>
+          <p:cNvSpPr txBox="1">
+            <a:spLocks noGrp="1"/>
+          </p:cNvSpPr>
           <p:nvPr>
             <p:ph type="ctrTitle"/>
           </p:nvPr>
@@ -2082,7 +2139,7 @@
           </a:prstGeom>
         </p:spPr>
         <p:txBody>
-          <a:bodyPr anchorCtr="0" anchor="t" bIns="91425" lIns="91425" spcFirstLastPara="1" rIns="91425" wrap="square" tIns="91425">
+          <a:bodyPr spcFirstLastPara="1" wrap="square" lIns="91425" tIns="91425" rIns="91425" bIns="91425" anchor="t" anchorCtr="0">
             <a:normAutofit/>
           </a:bodyPr>
           <a:lstStyle>
@@ -2186,15 +2243,19 @@
               <a:defRPr sz="4000"/>
             </a:lvl9pPr>
           </a:lstStyle>
-          <a:p/>
+          <a:p>
+            <a:endParaRPr/>
+          </a:p>
         </p:txBody>
       </p:sp>
       <p:sp>
         <p:nvSpPr>
           <p:cNvPr id="17" name="Google Shape;17;p2"/>
-          <p:cNvSpPr txBox="1"/>
+          <p:cNvSpPr txBox="1">
+            <a:spLocks noGrp="1"/>
+          </p:cNvSpPr>
           <p:nvPr>
-            <p:ph idx="1" type="subTitle"/>
+            <p:ph type="subTitle" idx="1"/>
           </p:nvPr>
         </p:nvSpPr>
         <p:spPr>
@@ -2207,7 +2268,7 @@
           </a:prstGeom>
         </p:spPr>
         <p:txBody>
-          <a:bodyPr anchorCtr="0" anchor="t" bIns="91425" lIns="91425" spcFirstLastPara="1" rIns="91425" wrap="square" tIns="91425">
+          <a:bodyPr spcFirstLastPara="1" wrap="square" lIns="91425" tIns="91425" rIns="91425" bIns="91425" anchor="t" anchorCtr="0">
             <a:normAutofit/>
           </a:bodyPr>
           <a:lstStyle>
@@ -2338,15 +2399,19 @@
               <a:defRPr sz="1300"/>
             </a:lvl9pPr>
           </a:lstStyle>
-          <a:p/>
+          <a:p>
+            <a:endParaRPr/>
+          </a:p>
         </p:txBody>
       </p:sp>
       <p:sp>
         <p:nvSpPr>
           <p:cNvPr id="18" name="Google Shape;18;p2"/>
-          <p:cNvSpPr txBox="1"/>
+          <p:cNvSpPr txBox="1">
+            <a:spLocks noGrp="1"/>
+          </p:cNvSpPr>
           <p:nvPr>
-            <p:ph idx="12" type="sldNum"/>
+            <p:ph type="sldNum" idx="12"/>
           </p:nvPr>
         </p:nvSpPr>
         <p:spPr>
@@ -2359,7 +2424,7 @@
           </a:prstGeom>
         </p:spPr>
         <p:txBody>
-          <a:bodyPr anchorCtr="0" anchor="ctr" bIns="91425" lIns="91425" spcFirstLastPara="1" rIns="91425" wrap="square" tIns="91425">
+          <a:bodyPr spcFirstLastPara="1" wrap="square" lIns="91425" tIns="91425" rIns="91425" bIns="91425" anchor="ctr" anchorCtr="0">
             <a:normAutofit/>
           </a:bodyPr>
           <a:lstStyle>
@@ -2401,7 +2466,7 @@
             </a:lvl9pPr>
           </a:lstStyle>
           <a:p>
-            <a:pPr indent="0" lvl="0" marL="0" rtl="0" algn="r">
+            <a:pPr marL="0" lvl="0" indent="0" algn="r" rtl="0">
               <a:spcBef>
                 <a:spcPts val="0"/>
               </a:spcBef>
@@ -2427,11 +2492,11 @@
 </file>
 
 <file path=ppt/slideLayouts/slideLayout10.xml><?xml version="1.0" encoding="utf-8"?>
-<p:sldLayout xmlns:a="http://schemas.openxmlformats.org/drawingml/2006/main" xmlns:r="http://schemas.openxmlformats.org/officeDocument/2006/relationships" xmlns:mc="http://schemas.openxmlformats.org/markup-compatibility/2006" xmlns:mv="urn:schemas-microsoft-com:mac:vml" xmlns:p="http://schemas.openxmlformats.org/presentationml/2006/main" xmlns:c="http://schemas.openxmlformats.org/drawingml/2006/chart" xmlns:dgm="http://schemas.openxmlformats.org/drawingml/2006/diagram" xmlns:o="urn:schemas-microsoft-com:office:office" xmlns:v="urn:schemas-microsoft-com:vml" xmlns:pvml="urn:schemas-microsoft-com:office:powerpoint" xmlns:com="http://schemas.openxmlformats.org/drawingml/2006/compatibility" xmlns:p14="http://schemas.microsoft.com/office/powerpoint/2010/main" xmlns:p15="http://schemas.microsoft.com/office/powerpoint/2012/main" xmlns:ahyp="http://schemas.microsoft.com/office/drawing/2018/hyperlinkcolor" matchingName="Big number">
+<p:sldLayout xmlns:a="http://schemas.openxmlformats.org/drawingml/2006/main" xmlns:r="http://schemas.openxmlformats.org/officeDocument/2006/relationships" xmlns:p="http://schemas.openxmlformats.org/presentationml/2006/main" matchingName="Big number">
   <p:cSld name="BIG_NUMBER">
     <p:spTree>
       <p:nvGrpSpPr>
-        <p:cNvPr id="105" name="Shape 105"/>
+        <p:cNvPr id="1" name="Shape 105"/>
         <p:cNvGrpSpPr/>
         <p:nvPr/>
       </p:nvGrpSpPr>
@@ -2470,7 +2535,7 @@
             </a:xfrm>
             <a:prstGeom prst="diagStripe">
               <a:avLst>
-                <a:gd fmla="val 49469" name="adj"/>
+                <a:gd name="adj" fmla="val 49469"/>
               </a:avLst>
             </a:prstGeom>
             <a:solidFill>
@@ -2483,12 +2548,12 @@
             </a:ln>
           </p:spPr>
           <p:txBody>
-            <a:bodyPr anchorCtr="0" anchor="ctr" bIns="91425" lIns="91425" spcFirstLastPara="1" rIns="91425" wrap="square" tIns="91425">
+            <a:bodyPr spcFirstLastPara="1" wrap="square" lIns="91425" tIns="91425" rIns="91425" bIns="91425" anchor="ctr" anchorCtr="0">
               <a:noAutofit/>
             </a:bodyPr>
             <a:lstStyle/>
             <a:p>
-              <a:pPr indent="0" lvl="0" marL="0" rtl="0" algn="l">
+              <a:pPr marL="0" lvl="0" indent="0" algn="l" rtl="0">
                 <a:spcBef>
                   <a:spcPts val="0"/>
                 </a:spcBef>
@@ -2497,9 +2562,6 @@
                 </a:spcAft>
                 <a:buNone/>
               </a:pPr>
-              <a:r>
-                <a:t/>
-              </a:r>
               <a:endParaRPr/>
             </a:p>
           </p:txBody>
@@ -2517,7 +2579,7 @@
             </a:xfrm>
             <a:prstGeom prst="diagStripe">
               <a:avLst>
-                <a:gd fmla="val 0" name="adj"/>
+                <a:gd name="adj" fmla="val 0"/>
               </a:avLst>
             </a:prstGeom>
             <a:solidFill>
@@ -2530,12 +2592,12 @@
             </a:ln>
           </p:spPr>
           <p:txBody>
-            <a:bodyPr anchorCtr="0" anchor="ctr" bIns="91425" lIns="91425" spcFirstLastPara="1" rIns="91425" wrap="square" tIns="91425">
+            <a:bodyPr spcFirstLastPara="1" wrap="square" lIns="91425" tIns="91425" rIns="91425" bIns="91425" anchor="ctr" anchorCtr="0">
               <a:noAutofit/>
             </a:bodyPr>
             <a:lstStyle/>
             <a:p>
-              <a:pPr indent="0" lvl="0" marL="0" rtl="0" algn="l">
+              <a:pPr marL="0" lvl="0" indent="0" algn="l" rtl="0">
                 <a:spcBef>
                   <a:spcPts val="0"/>
                 </a:spcBef>
@@ -2544,9 +2606,6 @@
                 </a:spcAft>
                 <a:buNone/>
               </a:pPr>
-              <a:r>
-                <a:t/>
-              </a:r>
               <a:endParaRPr/>
             </a:p>
           </p:txBody>
@@ -2564,7 +2623,7 @@
             </a:xfrm>
             <a:prstGeom prst="diagStripe">
               <a:avLst>
-                <a:gd fmla="val 50000" name="adj"/>
+                <a:gd name="adj" fmla="val 50000"/>
               </a:avLst>
             </a:prstGeom>
             <a:solidFill>
@@ -2577,12 +2636,12 @@
             </a:ln>
           </p:spPr>
           <p:txBody>
-            <a:bodyPr anchorCtr="0" anchor="ctr" bIns="91425" lIns="91425" spcFirstLastPara="1" rIns="91425" wrap="square" tIns="91425">
+            <a:bodyPr spcFirstLastPara="1" wrap="square" lIns="91425" tIns="91425" rIns="91425" bIns="91425" anchor="ctr" anchorCtr="0">
               <a:noAutofit/>
             </a:bodyPr>
             <a:lstStyle/>
             <a:p>
-              <a:pPr indent="0" lvl="0" marL="0" rtl="0" algn="l">
+              <a:pPr marL="0" lvl="0" indent="0" algn="l" rtl="0">
                 <a:spcBef>
                   <a:spcPts val="0"/>
                 </a:spcBef>
@@ -2591,9 +2650,6 @@
                 </a:spcAft>
                 <a:buNone/>
               </a:pPr>
-              <a:r>
-                <a:t/>
-              </a:r>
               <a:endParaRPr/>
             </a:p>
           </p:txBody>
@@ -2611,7 +2667,7 @@
             </a:xfrm>
             <a:prstGeom prst="diagStripe">
               <a:avLst>
-                <a:gd fmla="val 50000" name="adj"/>
+                <a:gd name="adj" fmla="val 50000"/>
               </a:avLst>
             </a:prstGeom>
             <a:solidFill>
@@ -2624,12 +2680,12 @@
             </a:ln>
           </p:spPr>
           <p:txBody>
-            <a:bodyPr anchorCtr="0" anchor="ctr" bIns="91425" lIns="91425" spcFirstLastPara="1" rIns="91425" wrap="square" tIns="91425">
+            <a:bodyPr spcFirstLastPara="1" wrap="square" lIns="91425" tIns="91425" rIns="91425" bIns="91425" anchor="ctr" anchorCtr="0">
               <a:noAutofit/>
             </a:bodyPr>
             <a:lstStyle/>
             <a:p>
-              <a:pPr indent="0" lvl="0" marL="0" rtl="0" algn="l">
+              <a:pPr marL="0" lvl="0" indent="0" algn="l" rtl="0">
                 <a:spcBef>
                   <a:spcPts val="0"/>
                 </a:spcBef>
@@ -2638,9 +2694,6 @@
                 </a:spcAft>
                 <a:buNone/>
               </a:pPr>
-              <a:r>
-                <a:t/>
-              </a:r>
               <a:endParaRPr/>
             </a:p>
           </p:txBody>
@@ -2658,7 +2711,7 @@
             </a:xfrm>
             <a:prstGeom prst="diagStripe">
               <a:avLst>
-                <a:gd fmla="val 50000" name="adj"/>
+                <a:gd name="adj" fmla="val 50000"/>
               </a:avLst>
             </a:prstGeom>
             <a:solidFill>
@@ -2671,12 +2724,12 @@
             </a:ln>
           </p:spPr>
           <p:txBody>
-            <a:bodyPr anchorCtr="0" anchor="ctr" bIns="91425" lIns="91425" spcFirstLastPara="1" rIns="91425" wrap="square" tIns="91425">
+            <a:bodyPr spcFirstLastPara="1" wrap="square" lIns="91425" tIns="91425" rIns="91425" bIns="91425" anchor="ctr" anchorCtr="0">
               <a:noAutofit/>
             </a:bodyPr>
             <a:lstStyle/>
             <a:p>
-              <a:pPr indent="0" lvl="0" marL="0" rtl="0" algn="l">
+              <a:pPr marL="0" lvl="0" indent="0" algn="l" rtl="0">
                 <a:spcBef>
                   <a:spcPts val="0"/>
                 </a:spcBef>
@@ -2685,9 +2738,6 @@
                 </a:spcAft>
                 <a:buNone/>
               </a:pPr>
-              <a:r>
-                <a:t/>
-              </a:r>
               <a:endParaRPr/>
             </a:p>
           </p:txBody>
@@ -2705,7 +2755,7 @@
             </a:xfrm>
             <a:prstGeom prst="diagStripe">
               <a:avLst>
-                <a:gd fmla="val 50000" name="adj"/>
+                <a:gd name="adj" fmla="val 50000"/>
               </a:avLst>
             </a:prstGeom>
             <a:solidFill>
@@ -2718,12 +2768,12 @@
             </a:ln>
           </p:spPr>
           <p:txBody>
-            <a:bodyPr anchorCtr="0" anchor="ctr" bIns="91425" lIns="91425" spcFirstLastPara="1" rIns="91425" wrap="square" tIns="91425">
+            <a:bodyPr spcFirstLastPara="1" wrap="square" lIns="91425" tIns="91425" rIns="91425" bIns="91425" anchor="ctr" anchorCtr="0">
               <a:noAutofit/>
             </a:bodyPr>
             <a:lstStyle/>
             <a:p>
-              <a:pPr indent="0" lvl="0" marL="0" rtl="0" algn="l">
+              <a:pPr marL="0" lvl="0" indent="0" algn="l" rtl="0">
                 <a:spcBef>
                   <a:spcPts val="0"/>
                 </a:spcBef>
@@ -2732,9 +2782,6 @@
                 </a:spcAft>
                 <a:buNone/>
               </a:pPr>
-              <a:r>
-                <a:t/>
-              </a:r>
               <a:endParaRPr/>
             </a:p>
           </p:txBody>
@@ -2752,7 +2799,7 @@
             </a:xfrm>
             <a:prstGeom prst="diagStripe">
               <a:avLst>
-                <a:gd fmla="val 50000" name="adj"/>
+                <a:gd name="adj" fmla="val 50000"/>
               </a:avLst>
             </a:prstGeom>
             <a:solidFill>
@@ -2765,12 +2812,12 @@
             </a:ln>
           </p:spPr>
           <p:txBody>
-            <a:bodyPr anchorCtr="0" anchor="ctr" bIns="91425" lIns="91425" spcFirstLastPara="1" rIns="91425" wrap="square" tIns="91425">
+            <a:bodyPr spcFirstLastPara="1" wrap="square" lIns="91425" tIns="91425" rIns="91425" bIns="91425" anchor="ctr" anchorCtr="0">
               <a:noAutofit/>
             </a:bodyPr>
             <a:lstStyle/>
             <a:p>
-              <a:pPr indent="0" lvl="0" marL="0" rtl="0" algn="l">
+              <a:pPr marL="0" lvl="0" indent="0" algn="l" rtl="0">
                 <a:spcBef>
                   <a:spcPts val="0"/>
                 </a:spcBef>
@@ -2779,9 +2826,6 @@
                 </a:spcAft>
                 <a:buNone/>
               </a:pPr>
-              <a:r>
-                <a:t/>
-              </a:r>
               <a:endParaRPr/>
             </a:p>
           </p:txBody>
@@ -2799,7 +2843,7 @@
             </a:xfrm>
             <a:prstGeom prst="diagStripe">
               <a:avLst>
-                <a:gd fmla="val 50000" name="adj"/>
+                <a:gd name="adj" fmla="val 50000"/>
               </a:avLst>
             </a:prstGeom>
             <a:solidFill>
@@ -2810,12 +2854,12 @@
             </a:ln>
           </p:spPr>
           <p:txBody>
-            <a:bodyPr anchorCtr="0" anchor="ctr" bIns="91425" lIns="91425" spcFirstLastPara="1" rIns="91425" wrap="square" tIns="91425">
+            <a:bodyPr spcFirstLastPara="1" wrap="square" lIns="91425" tIns="91425" rIns="91425" bIns="91425" anchor="ctr" anchorCtr="0">
               <a:noAutofit/>
             </a:bodyPr>
             <a:lstStyle/>
             <a:p>
-              <a:pPr indent="0" lvl="0" marL="0" rtl="0" algn="l">
+              <a:pPr marL="0" lvl="0" indent="0" algn="l" rtl="0">
                 <a:spcBef>
                   <a:spcPts val="0"/>
                 </a:spcBef>
@@ -2824,9 +2868,6 @@
                 </a:spcAft>
                 <a:buNone/>
               </a:pPr>
-              <a:r>
-                <a:t/>
-              </a:r>
               <a:endParaRPr/>
             </a:p>
           </p:txBody>
@@ -2844,7 +2885,7 @@
             </a:xfrm>
             <a:prstGeom prst="diagStripe">
               <a:avLst>
-                <a:gd fmla="val 50000" name="adj"/>
+                <a:gd name="adj" fmla="val 50000"/>
               </a:avLst>
             </a:prstGeom>
             <a:solidFill>
@@ -2857,12 +2898,12 @@
             </a:ln>
           </p:spPr>
           <p:txBody>
-            <a:bodyPr anchorCtr="0" anchor="ctr" bIns="91425" lIns="91425" spcFirstLastPara="1" rIns="91425" wrap="square" tIns="91425">
+            <a:bodyPr spcFirstLastPara="1" wrap="square" lIns="91425" tIns="91425" rIns="91425" bIns="91425" anchor="ctr" anchorCtr="0">
               <a:noAutofit/>
             </a:bodyPr>
             <a:lstStyle/>
             <a:p>
-              <a:pPr indent="0" lvl="0" marL="0" rtl="0" algn="l">
+              <a:pPr marL="0" lvl="0" indent="0" algn="l" rtl="0">
                 <a:spcBef>
                   <a:spcPts val="0"/>
                 </a:spcBef>
@@ -2871,9 +2912,6 @@
                 </a:spcAft>
                 <a:buNone/>
               </a:pPr>
-              <a:r>
-                <a:t/>
-              </a:r>
               <a:endParaRPr/>
             </a:p>
           </p:txBody>
@@ -2891,7 +2929,7 @@
             </a:xfrm>
             <a:prstGeom prst="diagStripe">
               <a:avLst>
-                <a:gd fmla="val 50000" name="adj"/>
+                <a:gd name="adj" fmla="val 50000"/>
               </a:avLst>
             </a:prstGeom>
             <a:solidFill>
@@ -2904,12 +2942,12 @@
             </a:ln>
           </p:spPr>
           <p:txBody>
-            <a:bodyPr anchorCtr="0" anchor="ctr" bIns="91425" lIns="91425" spcFirstLastPara="1" rIns="91425" wrap="square" tIns="91425">
+            <a:bodyPr spcFirstLastPara="1" wrap="square" lIns="91425" tIns="91425" rIns="91425" bIns="91425" anchor="ctr" anchorCtr="0">
               <a:noAutofit/>
             </a:bodyPr>
             <a:lstStyle/>
             <a:p>
-              <a:pPr indent="0" lvl="0" marL="0" rtl="0" algn="l">
+              <a:pPr marL="0" lvl="0" indent="0" algn="l" rtl="0">
                 <a:spcBef>
                   <a:spcPts val="0"/>
                 </a:spcBef>
@@ -2918,9 +2956,6 @@
                 </a:spcAft>
                 <a:buNone/>
               </a:pPr>
-              <a:r>
-                <a:t/>
-              </a:r>
               <a:endParaRPr/>
             </a:p>
           </p:txBody>
@@ -2938,7 +2973,7 @@
             </a:xfrm>
             <a:prstGeom prst="diagStripe">
               <a:avLst>
-                <a:gd fmla="val 50000" name="adj"/>
+                <a:gd name="adj" fmla="val 50000"/>
               </a:avLst>
             </a:prstGeom>
             <a:solidFill>
@@ -2951,12 +2986,12 @@
             </a:ln>
           </p:spPr>
           <p:txBody>
-            <a:bodyPr anchorCtr="0" anchor="ctr" bIns="91425" lIns="91425" spcFirstLastPara="1" rIns="91425" wrap="square" tIns="91425">
+            <a:bodyPr spcFirstLastPara="1" wrap="square" lIns="91425" tIns="91425" rIns="91425" bIns="91425" anchor="ctr" anchorCtr="0">
               <a:noAutofit/>
             </a:bodyPr>
             <a:lstStyle/>
             <a:p>
-              <a:pPr indent="0" lvl="0" marL="0" rtl="0" algn="l">
+              <a:pPr marL="0" lvl="0" indent="0" algn="l" rtl="0">
                 <a:spcBef>
                   <a:spcPts val="0"/>
                 </a:spcBef>
@@ -2965,9 +3000,6 @@
                 </a:spcAft>
                 <a:buNone/>
               </a:pPr>
-              <a:r>
-                <a:t/>
-              </a:r>
               <a:endParaRPr/>
             </a:p>
           </p:txBody>
@@ -2985,7 +3017,7 @@
             </a:xfrm>
             <a:prstGeom prst="diagStripe">
               <a:avLst>
-                <a:gd fmla="val 50000" name="adj"/>
+                <a:gd name="adj" fmla="val 50000"/>
               </a:avLst>
             </a:prstGeom>
             <a:solidFill>
@@ -2998,12 +3030,12 @@
             </a:ln>
           </p:spPr>
           <p:txBody>
-            <a:bodyPr anchorCtr="0" anchor="ctr" bIns="91425" lIns="91425" spcFirstLastPara="1" rIns="91425" wrap="square" tIns="91425">
+            <a:bodyPr spcFirstLastPara="1" wrap="square" lIns="91425" tIns="91425" rIns="91425" bIns="91425" anchor="ctr" anchorCtr="0">
               <a:noAutofit/>
             </a:bodyPr>
             <a:lstStyle/>
             <a:p>
-              <a:pPr indent="0" lvl="0" marL="0" rtl="0" algn="l">
+              <a:pPr marL="0" lvl="0" indent="0" algn="l" rtl="0">
                 <a:spcBef>
                   <a:spcPts val="0"/>
                 </a:spcBef>
@@ -3012,9 +3044,6 @@
                 </a:spcAft>
                 <a:buNone/>
               </a:pPr>
-              <a:r>
-                <a:t/>
-              </a:r>
               <a:endParaRPr/>
             </a:p>
           </p:txBody>
@@ -3032,7 +3061,7 @@
             </a:xfrm>
             <a:prstGeom prst="diagStripe">
               <a:avLst>
-                <a:gd fmla="val 50000" name="adj"/>
+                <a:gd name="adj" fmla="val 50000"/>
               </a:avLst>
             </a:prstGeom>
             <a:solidFill>
@@ -3045,12 +3074,12 @@
             </a:ln>
           </p:spPr>
           <p:txBody>
-            <a:bodyPr anchorCtr="0" anchor="ctr" bIns="91425" lIns="91425" spcFirstLastPara="1" rIns="91425" wrap="square" tIns="91425">
+            <a:bodyPr spcFirstLastPara="1" wrap="square" lIns="91425" tIns="91425" rIns="91425" bIns="91425" anchor="ctr" anchorCtr="0">
               <a:noAutofit/>
             </a:bodyPr>
             <a:lstStyle/>
             <a:p>
-              <a:pPr indent="0" lvl="0" marL="0" rtl="0" algn="l">
+              <a:pPr marL="0" lvl="0" indent="0" algn="l" rtl="0">
                 <a:spcBef>
                   <a:spcPts val="0"/>
                 </a:spcBef>
@@ -3059,9 +3088,6 @@
                 </a:spcAft>
                 <a:buNone/>
               </a:pPr>
-              <a:r>
-                <a:t/>
-              </a:r>
               <a:endParaRPr/>
             </a:p>
           </p:txBody>
@@ -3079,7 +3105,7 @@
             </a:xfrm>
             <a:prstGeom prst="diagStripe">
               <a:avLst>
-                <a:gd fmla="val 50000" name="adj"/>
+                <a:gd name="adj" fmla="val 50000"/>
               </a:avLst>
             </a:prstGeom>
             <a:solidFill>
@@ -3090,12 +3116,12 @@
             </a:ln>
           </p:spPr>
           <p:txBody>
-            <a:bodyPr anchorCtr="0" anchor="ctr" bIns="91425" lIns="91425" spcFirstLastPara="1" rIns="91425" wrap="square" tIns="91425">
+            <a:bodyPr spcFirstLastPara="1" wrap="square" lIns="91425" tIns="91425" rIns="91425" bIns="91425" anchor="ctr" anchorCtr="0">
               <a:noAutofit/>
             </a:bodyPr>
             <a:lstStyle/>
             <a:p>
-              <a:pPr indent="0" lvl="0" marL="0" rtl="0" algn="l">
+              <a:pPr marL="0" lvl="0" indent="0" algn="l" rtl="0">
                 <a:spcBef>
                   <a:spcPts val="0"/>
                 </a:spcBef>
@@ -3104,9 +3130,6 @@
                 </a:spcAft>
                 <a:buNone/>
               </a:pPr>
-              <a:r>
-                <a:t/>
-              </a:r>
               <a:endParaRPr/>
             </a:p>
           </p:txBody>
@@ -3124,7 +3147,7 @@
             </a:xfrm>
             <a:prstGeom prst="diagStripe">
               <a:avLst>
-                <a:gd fmla="val 50000" name="adj"/>
+                <a:gd name="adj" fmla="val 50000"/>
               </a:avLst>
             </a:prstGeom>
             <a:solidFill>
@@ -3137,12 +3160,12 @@
             </a:ln>
           </p:spPr>
           <p:txBody>
-            <a:bodyPr anchorCtr="0" anchor="ctr" bIns="91425" lIns="91425" spcFirstLastPara="1" rIns="91425" wrap="square" tIns="91425">
+            <a:bodyPr spcFirstLastPara="1" wrap="square" lIns="91425" tIns="91425" rIns="91425" bIns="91425" anchor="ctr" anchorCtr="0">
               <a:noAutofit/>
             </a:bodyPr>
             <a:lstStyle/>
             <a:p>
-              <a:pPr indent="0" lvl="0" marL="0" rtl="0" algn="l">
+              <a:pPr marL="0" lvl="0" indent="0" algn="l" rtl="0">
                 <a:spcBef>
                   <a:spcPts val="0"/>
                 </a:spcBef>
@@ -3151,9 +3174,6 @@
                 </a:spcAft>
                 <a:buNone/>
               </a:pPr>
-              <a:r>
-                <a:t/>
-              </a:r>
               <a:endParaRPr/>
             </a:p>
           </p:txBody>
@@ -3171,7 +3191,7 @@
             </a:xfrm>
             <a:prstGeom prst="diagStripe">
               <a:avLst>
-                <a:gd fmla="val 50000" name="adj"/>
+                <a:gd name="adj" fmla="val 50000"/>
               </a:avLst>
             </a:prstGeom>
             <a:solidFill>
@@ -3184,12 +3204,12 @@
             </a:ln>
           </p:spPr>
           <p:txBody>
-            <a:bodyPr anchorCtr="0" anchor="ctr" bIns="91425" lIns="91425" spcFirstLastPara="1" rIns="91425" wrap="square" tIns="91425">
+            <a:bodyPr spcFirstLastPara="1" wrap="square" lIns="91425" tIns="91425" rIns="91425" bIns="91425" anchor="ctr" anchorCtr="0">
               <a:noAutofit/>
             </a:bodyPr>
             <a:lstStyle/>
             <a:p>
-              <a:pPr indent="0" lvl="0" marL="0" rtl="0" algn="l">
+              <a:pPr marL="0" lvl="0" indent="0" algn="l" rtl="0">
                 <a:spcBef>
                   <a:spcPts val="0"/>
                 </a:spcBef>
@@ -3198,9 +3218,6 @@
                 </a:spcAft>
                 <a:buNone/>
               </a:pPr>
-              <a:r>
-                <a:t/>
-              </a:r>
               <a:endParaRPr/>
             </a:p>
           </p:txBody>
@@ -3218,7 +3235,7 @@
             </a:xfrm>
             <a:prstGeom prst="diagStripe">
               <a:avLst>
-                <a:gd fmla="val 50000" name="adj"/>
+                <a:gd name="adj" fmla="val 50000"/>
               </a:avLst>
             </a:prstGeom>
             <a:solidFill>
@@ -3231,12 +3248,12 @@
             </a:ln>
           </p:spPr>
           <p:txBody>
-            <a:bodyPr anchorCtr="0" anchor="ctr" bIns="91425" lIns="91425" spcFirstLastPara="1" rIns="91425" wrap="square" tIns="91425">
+            <a:bodyPr spcFirstLastPara="1" wrap="square" lIns="91425" tIns="91425" rIns="91425" bIns="91425" anchor="ctr" anchorCtr="0">
               <a:noAutofit/>
             </a:bodyPr>
             <a:lstStyle/>
             <a:p>
-              <a:pPr indent="0" lvl="0" marL="0" rtl="0" algn="l">
+              <a:pPr marL="0" lvl="0" indent="0" algn="l" rtl="0">
                 <a:spcBef>
                   <a:spcPts val="0"/>
                 </a:spcBef>
@@ -3245,9 +3262,6 @@
                 </a:spcAft>
                 <a:buNone/>
               </a:pPr>
-              <a:r>
-                <a:t/>
-              </a:r>
               <a:endParaRPr/>
             </a:p>
           </p:txBody>
@@ -3265,7 +3279,7 @@
             </a:xfrm>
             <a:prstGeom prst="diagStripe">
               <a:avLst>
-                <a:gd fmla="val 50000" name="adj"/>
+                <a:gd name="adj" fmla="val 50000"/>
               </a:avLst>
             </a:prstGeom>
             <a:solidFill>
@@ -3278,12 +3292,12 @@
             </a:ln>
           </p:spPr>
           <p:txBody>
-            <a:bodyPr anchorCtr="0" anchor="ctr" bIns="91425" lIns="91425" spcFirstLastPara="1" rIns="91425" wrap="square" tIns="91425">
+            <a:bodyPr spcFirstLastPara="1" wrap="square" lIns="91425" tIns="91425" rIns="91425" bIns="91425" anchor="ctr" anchorCtr="0">
               <a:noAutofit/>
             </a:bodyPr>
             <a:lstStyle/>
             <a:p>
-              <a:pPr indent="0" lvl="0" marL="0" rtl="0" algn="l">
+              <a:pPr marL="0" lvl="0" indent="0" algn="l" rtl="0">
                 <a:spcBef>
                   <a:spcPts val="0"/>
                 </a:spcBef>
@@ -3292,9 +3306,6 @@
                 </a:spcAft>
                 <a:buNone/>
               </a:pPr>
-              <a:r>
-                <a:t/>
-              </a:r>
               <a:endParaRPr/>
             </a:p>
           </p:txBody>
@@ -3303,9 +3314,11 @@
       <p:sp>
         <p:nvSpPr>
           <p:cNvPr id="125" name="Google Shape;125;p11"/>
-          <p:cNvSpPr txBox="1"/>
+          <p:cNvSpPr txBox="1">
+            <a:spLocks noGrp="1"/>
+          </p:cNvSpPr>
           <p:nvPr>
-            <p:ph hasCustomPrompt="1" type="title"/>
+            <p:ph type="title" hasCustomPrompt="1"/>
           </p:nvPr>
         </p:nvSpPr>
         <p:spPr>
@@ -3318,7 +3331,7 @@
           </a:prstGeom>
         </p:spPr>
         <p:txBody>
-          <a:bodyPr anchorCtr="0" anchor="t" bIns="91425" lIns="91425" spcFirstLastPara="1" rIns="91425" wrap="square" tIns="91425">
+          <a:bodyPr spcFirstLastPara="1" wrap="square" lIns="91425" tIns="91425" rIns="91425" bIns="91425" anchor="t" anchorCtr="0">
             <a:normAutofit/>
           </a:bodyPr>
           <a:lstStyle>
@@ -3432,9 +3445,11 @@
       <p:sp>
         <p:nvSpPr>
           <p:cNvPr id="126" name="Google Shape;126;p11"/>
-          <p:cNvSpPr txBox="1"/>
+          <p:cNvSpPr txBox="1">
+            <a:spLocks noGrp="1"/>
+          </p:cNvSpPr>
           <p:nvPr>
-            <p:ph idx="1" type="body"/>
+            <p:ph type="body" idx="1"/>
           </p:nvPr>
         </p:nvSpPr>
         <p:spPr>
@@ -3447,11 +3462,11 @@
           </a:prstGeom>
         </p:spPr>
         <p:txBody>
-          <a:bodyPr anchorCtr="0" anchor="t" bIns="91425" lIns="91425" spcFirstLastPara="1" rIns="91425" wrap="square" tIns="91425">
+          <a:bodyPr spcFirstLastPara="1" wrap="square" lIns="91425" tIns="91425" rIns="91425" bIns="91425" anchor="t" anchorCtr="0">
             <a:normAutofit/>
           </a:bodyPr>
           <a:lstStyle>
-            <a:lvl1pPr indent="-311150" lvl="0" marL="457200">
+            <a:lvl1pPr marL="457200" lvl="0" indent="-311150">
               <a:spcBef>
                 <a:spcPts val="0"/>
               </a:spcBef>
@@ -3462,7 +3477,7 @@
               <a:buChar char="●"/>
               <a:defRPr/>
             </a:lvl1pPr>
-            <a:lvl2pPr indent="-298450" lvl="1" marL="914400">
+            <a:lvl2pPr marL="914400" lvl="1" indent="-298450">
               <a:spcBef>
                 <a:spcPts val="0"/>
               </a:spcBef>
@@ -3473,7 +3488,7 @@
               <a:buChar char="○"/>
               <a:defRPr/>
             </a:lvl2pPr>
-            <a:lvl3pPr indent="-298450" lvl="2" marL="1371600">
+            <a:lvl3pPr marL="1371600" lvl="2" indent="-298450">
               <a:spcBef>
                 <a:spcPts val="0"/>
               </a:spcBef>
@@ -3484,7 +3499,7 @@
               <a:buChar char="■"/>
               <a:defRPr/>
             </a:lvl3pPr>
-            <a:lvl4pPr indent="-298450" lvl="3" marL="1828800">
+            <a:lvl4pPr marL="1828800" lvl="3" indent="-298450">
               <a:spcBef>
                 <a:spcPts val="0"/>
               </a:spcBef>
@@ -3495,7 +3510,7 @@
               <a:buChar char="●"/>
               <a:defRPr/>
             </a:lvl4pPr>
-            <a:lvl5pPr indent="-298450" lvl="4" marL="2286000">
+            <a:lvl5pPr marL="2286000" lvl="4" indent="-298450">
               <a:spcBef>
                 <a:spcPts val="0"/>
               </a:spcBef>
@@ -3506,7 +3521,7 @@
               <a:buChar char="○"/>
               <a:defRPr/>
             </a:lvl5pPr>
-            <a:lvl6pPr indent="-298450" lvl="5" marL="2743200">
+            <a:lvl6pPr marL="2743200" lvl="5" indent="-298450">
               <a:spcBef>
                 <a:spcPts val="0"/>
               </a:spcBef>
@@ -3517,7 +3532,7 @@
               <a:buChar char="■"/>
               <a:defRPr/>
             </a:lvl6pPr>
-            <a:lvl7pPr indent="-298450" lvl="6" marL="3200400">
+            <a:lvl7pPr marL="3200400" lvl="6" indent="-298450">
               <a:spcBef>
                 <a:spcPts val="0"/>
               </a:spcBef>
@@ -3528,7 +3543,7 @@
               <a:buChar char="●"/>
               <a:defRPr/>
             </a:lvl7pPr>
-            <a:lvl8pPr indent="-298450" lvl="7" marL="3657600">
+            <a:lvl8pPr marL="3657600" lvl="7" indent="-298450">
               <a:spcBef>
                 <a:spcPts val="0"/>
               </a:spcBef>
@@ -3539,7 +3554,7 @@
               <a:buChar char="○"/>
               <a:defRPr/>
             </a:lvl8pPr>
-            <a:lvl9pPr indent="-298450" lvl="8" marL="4114800">
+            <a:lvl9pPr marL="4114800" lvl="8" indent="-298450">
               <a:spcBef>
                 <a:spcPts val="0"/>
               </a:spcBef>
@@ -3551,15 +3566,19 @@
               <a:defRPr/>
             </a:lvl9pPr>
           </a:lstStyle>
-          <a:p/>
+          <a:p>
+            <a:endParaRPr/>
+          </a:p>
         </p:txBody>
       </p:sp>
       <p:sp>
         <p:nvSpPr>
           <p:cNvPr id="127" name="Google Shape;127;p11"/>
-          <p:cNvSpPr txBox="1"/>
+          <p:cNvSpPr txBox="1">
+            <a:spLocks noGrp="1"/>
+          </p:cNvSpPr>
           <p:nvPr>
-            <p:ph idx="12" type="sldNum"/>
+            <p:ph type="sldNum" idx="12"/>
           </p:nvPr>
         </p:nvSpPr>
         <p:spPr>
@@ -3572,7 +3591,7 @@
           </a:prstGeom>
         </p:spPr>
         <p:txBody>
-          <a:bodyPr anchorCtr="0" anchor="ctr" bIns="91425" lIns="91425" spcFirstLastPara="1" rIns="91425" wrap="square" tIns="91425">
+          <a:bodyPr spcFirstLastPara="1" wrap="square" lIns="91425" tIns="91425" rIns="91425" bIns="91425" anchor="ctr" anchorCtr="0">
             <a:normAutofit/>
           </a:bodyPr>
           <a:lstStyle>
@@ -3614,7 +3633,7 @@
             </a:lvl9pPr>
           </a:lstStyle>
           <a:p>
-            <a:pPr indent="0" lvl="0" marL="0" rtl="0" algn="r">
+            <a:pPr marL="0" lvl="0" indent="0" algn="r" rtl="0">
               <a:spcBef>
                 <a:spcPts val="0"/>
               </a:spcBef>
@@ -3640,11 +3659,11 @@
 </file>
 
 <file path=ppt/slideLayouts/slideLayout11.xml><?xml version="1.0" encoding="utf-8"?>
-<p:sldLayout xmlns:a="http://schemas.openxmlformats.org/drawingml/2006/main" xmlns:r="http://schemas.openxmlformats.org/officeDocument/2006/relationships" xmlns:mc="http://schemas.openxmlformats.org/markup-compatibility/2006" xmlns:mv="urn:schemas-microsoft-com:mac:vml" xmlns:p="http://schemas.openxmlformats.org/presentationml/2006/main" xmlns:c="http://schemas.openxmlformats.org/drawingml/2006/chart" xmlns:dgm="http://schemas.openxmlformats.org/drawingml/2006/diagram" xmlns:o="urn:schemas-microsoft-com:office:office" xmlns:v="urn:schemas-microsoft-com:vml" xmlns:pvml="urn:schemas-microsoft-com:office:powerpoint" xmlns:com="http://schemas.openxmlformats.org/drawingml/2006/compatibility" xmlns:p14="http://schemas.microsoft.com/office/powerpoint/2010/main" xmlns:p15="http://schemas.microsoft.com/office/powerpoint/2012/main" xmlns:ahyp="http://schemas.microsoft.com/office/drawing/2018/hyperlinkcolor" matchingName="Blank" type="blank">
+<p:sldLayout xmlns:a="http://schemas.openxmlformats.org/drawingml/2006/main" xmlns:r="http://schemas.openxmlformats.org/officeDocument/2006/relationships" xmlns:p="http://schemas.openxmlformats.org/presentationml/2006/main" matchingName="Blank" type="blank">
   <p:cSld name="BLANK">
     <p:spTree>
       <p:nvGrpSpPr>
-        <p:cNvPr id="128" name="Shape 128"/>
+        <p:cNvPr id="1" name="Shape 128"/>
         <p:cNvGrpSpPr/>
         <p:nvPr/>
       </p:nvGrpSpPr>
@@ -3659,9 +3678,11 @@
       <p:sp>
         <p:nvSpPr>
           <p:cNvPr id="129" name="Google Shape;129;p12"/>
-          <p:cNvSpPr txBox="1"/>
+          <p:cNvSpPr txBox="1">
+            <a:spLocks noGrp="1"/>
+          </p:cNvSpPr>
           <p:nvPr>
-            <p:ph idx="12" type="sldNum"/>
+            <p:ph type="sldNum" idx="12"/>
           </p:nvPr>
         </p:nvSpPr>
         <p:spPr>
@@ -3674,7 +3695,7 @@
           </a:prstGeom>
         </p:spPr>
         <p:txBody>
-          <a:bodyPr anchorCtr="0" anchor="ctr" bIns="91425" lIns="91425" spcFirstLastPara="1" rIns="91425" wrap="square" tIns="91425">
+          <a:bodyPr spcFirstLastPara="1" wrap="square" lIns="91425" tIns="91425" rIns="91425" bIns="91425" anchor="ctr" anchorCtr="0">
             <a:normAutofit/>
           </a:bodyPr>
           <a:lstStyle>
@@ -3716,7 +3737,7 @@
             </a:lvl9pPr>
           </a:lstStyle>
           <a:p>
-            <a:pPr indent="0" lvl="0" marL="0" rtl="0" algn="r">
+            <a:pPr marL="0" lvl="0" indent="0" algn="r" rtl="0">
               <a:spcBef>
                 <a:spcPts val="0"/>
               </a:spcBef>
@@ -3742,11 +3763,11 @@
 </file>
 
 <file path=ppt/slideLayouts/slideLayout2.xml><?xml version="1.0" encoding="utf-8"?>
-<p:sldLayout xmlns:a="http://schemas.openxmlformats.org/drawingml/2006/main" xmlns:r="http://schemas.openxmlformats.org/officeDocument/2006/relationships" xmlns:mc="http://schemas.openxmlformats.org/markup-compatibility/2006" xmlns:mv="urn:schemas-microsoft-com:mac:vml" xmlns:p="http://schemas.openxmlformats.org/presentationml/2006/main" xmlns:c="http://schemas.openxmlformats.org/drawingml/2006/chart" xmlns:dgm="http://schemas.openxmlformats.org/drawingml/2006/diagram" xmlns:o="urn:schemas-microsoft-com:office:office" xmlns:v="urn:schemas-microsoft-com:vml" xmlns:pvml="urn:schemas-microsoft-com:office:powerpoint" xmlns:com="http://schemas.openxmlformats.org/drawingml/2006/compatibility" xmlns:p14="http://schemas.microsoft.com/office/powerpoint/2010/main" xmlns:p15="http://schemas.microsoft.com/office/powerpoint/2012/main" xmlns:ahyp="http://schemas.microsoft.com/office/drawing/2018/hyperlinkcolor" matchingName="Section header" type="secHead">
+<p:sldLayout xmlns:a="http://schemas.openxmlformats.org/drawingml/2006/main" xmlns:r="http://schemas.openxmlformats.org/officeDocument/2006/relationships" xmlns:p="http://schemas.openxmlformats.org/presentationml/2006/main" matchingName="Section header" type="secHead">
   <p:cSld name="SECTION_HEADER">
     <p:spTree>
       <p:nvGrpSpPr>
-        <p:cNvPr id="19" name="Shape 19"/>
+        <p:cNvPr id="1" name="Shape 19"/>
         <p:cNvGrpSpPr/>
         <p:nvPr/>
       </p:nvGrpSpPr>
@@ -3785,7 +3806,7 @@
             </a:xfrm>
             <a:prstGeom prst="diagStripe">
               <a:avLst>
-                <a:gd fmla="val 49469" name="adj"/>
+                <a:gd name="adj" fmla="val 49469"/>
               </a:avLst>
             </a:prstGeom>
             <a:solidFill>
@@ -3798,12 +3819,12 @@
             </a:ln>
           </p:spPr>
           <p:txBody>
-            <a:bodyPr anchorCtr="0" anchor="ctr" bIns="91425" lIns="91425" spcFirstLastPara="1" rIns="91425" wrap="square" tIns="91425">
+            <a:bodyPr spcFirstLastPara="1" wrap="square" lIns="91425" tIns="91425" rIns="91425" bIns="91425" anchor="ctr" anchorCtr="0">
               <a:noAutofit/>
             </a:bodyPr>
             <a:lstStyle/>
             <a:p>
-              <a:pPr indent="0" lvl="0" marL="0" rtl="0" algn="l">
+              <a:pPr marL="0" lvl="0" indent="0" algn="l" rtl="0">
                 <a:spcBef>
                   <a:spcPts val="0"/>
                 </a:spcBef>
@@ -3812,9 +3833,6 @@
                 </a:spcAft>
                 <a:buNone/>
               </a:pPr>
-              <a:r>
-                <a:t/>
-              </a:r>
               <a:endParaRPr/>
             </a:p>
           </p:txBody>
@@ -3832,7 +3850,7 @@
             </a:xfrm>
             <a:prstGeom prst="diagStripe">
               <a:avLst>
-                <a:gd fmla="val 0" name="adj"/>
+                <a:gd name="adj" fmla="val 0"/>
               </a:avLst>
             </a:prstGeom>
             <a:solidFill>
@@ -3845,12 +3863,12 @@
             </a:ln>
           </p:spPr>
           <p:txBody>
-            <a:bodyPr anchorCtr="0" anchor="ctr" bIns="91425" lIns="91425" spcFirstLastPara="1" rIns="91425" wrap="square" tIns="91425">
+            <a:bodyPr spcFirstLastPara="1" wrap="square" lIns="91425" tIns="91425" rIns="91425" bIns="91425" anchor="ctr" anchorCtr="0">
               <a:noAutofit/>
             </a:bodyPr>
             <a:lstStyle/>
             <a:p>
-              <a:pPr indent="0" lvl="0" marL="0" rtl="0" algn="l">
+              <a:pPr marL="0" lvl="0" indent="0" algn="l" rtl="0">
                 <a:spcBef>
                   <a:spcPts val="0"/>
                 </a:spcBef>
@@ -3859,9 +3877,6 @@
                 </a:spcAft>
                 <a:buNone/>
               </a:pPr>
-              <a:r>
-                <a:t/>
-              </a:r>
               <a:endParaRPr/>
             </a:p>
           </p:txBody>
@@ -3879,7 +3894,7 @@
             </a:xfrm>
             <a:prstGeom prst="diagStripe">
               <a:avLst>
-                <a:gd fmla="val 50000" name="adj"/>
+                <a:gd name="adj" fmla="val 50000"/>
               </a:avLst>
             </a:prstGeom>
             <a:solidFill>
@@ -3892,12 +3907,12 @@
             </a:ln>
           </p:spPr>
           <p:txBody>
-            <a:bodyPr anchorCtr="0" anchor="ctr" bIns="91425" lIns="91425" spcFirstLastPara="1" rIns="91425" wrap="square" tIns="91425">
+            <a:bodyPr spcFirstLastPara="1" wrap="square" lIns="91425" tIns="91425" rIns="91425" bIns="91425" anchor="ctr" anchorCtr="0">
               <a:noAutofit/>
             </a:bodyPr>
             <a:lstStyle/>
             <a:p>
-              <a:pPr indent="0" lvl="0" marL="0" rtl="0" algn="l">
+              <a:pPr marL="0" lvl="0" indent="0" algn="l" rtl="0">
                 <a:spcBef>
                   <a:spcPts val="0"/>
                 </a:spcBef>
@@ -3906,9 +3921,6 @@
                 </a:spcAft>
                 <a:buNone/>
               </a:pPr>
-              <a:r>
-                <a:t/>
-              </a:r>
               <a:endParaRPr/>
             </a:p>
           </p:txBody>
@@ -3926,7 +3938,7 @@
             </a:xfrm>
             <a:prstGeom prst="diagStripe">
               <a:avLst>
-                <a:gd fmla="val 50000" name="adj"/>
+                <a:gd name="adj" fmla="val 50000"/>
               </a:avLst>
             </a:prstGeom>
             <a:solidFill>
@@ -3939,12 +3951,12 @@
             </a:ln>
           </p:spPr>
           <p:txBody>
-            <a:bodyPr anchorCtr="0" anchor="ctr" bIns="91425" lIns="91425" spcFirstLastPara="1" rIns="91425" wrap="square" tIns="91425">
+            <a:bodyPr spcFirstLastPara="1" wrap="square" lIns="91425" tIns="91425" rIns="91425" bIns="91425" anchor="ctr" anchorCtr="0">
               <a:noAutofit/>
             </a:bodyPr>
             <a:lstStyle/>
             <a:p>
-              <a:pPr indent="0" lvl="0" marL="0" rtl="0" algn="l">
+              <a:pPr marL="0" lvl="0" indent="0" algn="l" rtl="0">
                 <a:spcBef>
                   <a:spcPts val="0"/>
                 </a:spcBef>
@@ -3953,9 +3965,6 @@
                 </a:spcAft>
                 <a:buNone/>
               </a:pPr>
-              <a:r>
-                <a:t/>
-              </a:r>
               <a:endParaRPr/>
             </a:p>
           </p:txBody>
@@ -3973,7 +3982,7 @@
             </a:xfrm>
             <a:prstGeom prst="diagStripe">
               <a:avLst>
-                <a:gd fmla="val 50000" name="adj"/>
+                <a:gd name="adj" fmla="val 50000"/>
               </a:avLst>
             </a:prstGeom>
             <a:solidFill>
@@ -3986,12 +3995,12 @@
             </a:ln>
           </p:spPr>
           <p:txBody>
-            <a:bodyPr anchorCtr="0" anchor="ctr" bIns="91425" lIns="91425" spcFirstLastPara="1" rIns="91425" wrap="square" tIns="91425">
+            <a:bodyPr spcFirstLastPara="1" wrap="square" lIns="91425" tIns="91425" rIns="91425" bIns="91425" anchor="ctr" anchorCtr="0">
               <a:noAutofit/>
             </a:bodyPr>
             <a:lstStyle/>
             <a:p>
-              <a:pPr indent="0" lvl="0" marL="0" rtl="0" algn="l">
+              <a:pPr marL="0" lvl="0" indent="0" algn="l" rtl="0">
                 <a:spcBef>
                   <a:spcPts val="0"/>
                 </a:spcBef>
@@ -4000,9 +4009,6 @@
                 </a:spcAft>
                 <a:buNone/>
               </a:pPr>
-              <a:r>
-                <a:t/>
-              </a:r>
               <a:endParaRPr/>
             </a:p>
           </p:txBody>
@@ -4020,7 +4026,7 @@
             </a:xfrm>
             <a:prstGeom prst="diagStripe">
               <a:avLst>
-                <a:gd fmla="val 50000" name="adj"/>
+                <a:gd name="adj" fmla="val 50000"/>
               </a:avLst>
             </a:prstGeom>
             <a:solidFill>
@@ -4033,12 +4039,12 @@
             </a:ln>
           </p:spPr>
           <p:txBody>
-            <a:bodyPr anchorCtr="0" anchor="ctr" bIns="91425" lIns="91425" spcFirstLastPara="1" rIns="91425" wrap="square" tIns="91425">
+            <a:bodyPr spcFirstLastPara="1" wrap="square" lIns="91425" tIns="91425" rIns="91425" bIns="91425" anchor="ctr" anchorCtr="0">
               <a:noAutofit/>
             </a:bodyPr>
             <a:lstStyle/>
             <a:p>
-              <a:pPr indent="0" lvl="0" marL="0" rtl="0" algn="l">
+              <a:pPr marL="0" lvl="0" indent="0" algn="l" rtl="0">
                 <a:spcBef>
                   <a:spcPts val="0"/>
                 </a:spcBef>
@@ -4047,9 +4053,6 @@
                 </a:spcAft>
                 <a:buNone/>
               </a:pPr>
-              <a:r>
-                <a:t/>
-              </a:r>
               <a:endParaRPr/>
             </a:p>
           </p:txBody>
@@ -4067,7 +4070,7 @@
             </a:xfrm>
             <a:prstGeom prst="diagStripe">
               <a:avLst>
-                <a:gd fmla="val 50000" name="adj"/>
+                <a:gd name="adj" fmla="val 50000"/>
               </a:avLst>
             </a:prstGeom>
             <a:solidFill>
@@ -4080,12 +4083,12 @@
             </a:ln>
           </p:spPr>
           <p:txBody>
-            <a:bodyPr anchorCtr="0" anchor="ctr" bIns="91425" lIns="91425" spcFirstLastPara="1" rIns="91425" wrap="square" tIns="91425">
+            <a:bodyPr spcFirstLastPara="1" wrap="square" lIns="91425" tIns="91425" rIns="91425" bIns="91425" anchor="ctr" anchorCtr="0">
               <a:noAutofit/>
             </a:bodyPr>
             <a:lstStyle/>
             <a:p>
-              <a:pPr indent="0" lvl="0" marL="0" rtl="0" algn="l">
+              <a:pPr marL="0" lvl="0" indent="0" algn="l" rtl="0">
                 <a:spcBef>
                   <a:spcPts val="0"/>
                 </a:spcBef>
@@ -4094,9 +4097,6 @@
                 </a:spcAft>
                 <a:buNone/>
               </a:pPr>
-              <a:r>
-                <a:t/>
-              </a:r>
               <a:endParaRPr/>
             </a:p>
           </p:txBody>
@@ -4114,7 +4114,7 @@
             </a:xfrm>
             <a:prstGeom prst="diagStripe">
               <a:avLst>
-                <a:gd fmla="val 50000" name="adj"/>
+                <a:gd name="adj" fmla="val 50000"/>
               </a:avLst>
             </a:prstGeom>
             <a:solidFill>
@@ -4125,12 +4125,12 @@
             </a:ln>
           </p:spPr>
           <p:txBody>
-            <a:bodyPr anchorCtr="0" anchor="ctr" bIns="91425" lIns="91425" spcFirstLastPara="1" rIns="91425" wrap="square" tIns="91425">
+            <a:bodyPr spcFirstLastPara="1" wrap="square" lIns="91425" tIns="91425" rIns="91425" bIns="91425" anchor="ctr" anchorCtr="0">
               <a:noAutofit/>
             </a:bodyPr>
             <a:lstStyle/>
             <a:p>
-              <a:pPr indent="0" lvl="0" marL="0" rtl="0" algn="l">
+              <a:pPr marL="0" lvl="0" indent="0" algn="l" rtl="0">
                 <a:spcBef>
                   <a:spcPts val="0"/>
                 </a:spcBef>
@@ -4139,9 +4139,6 @@
                 </a:spcAft>
                 <a:buNone/>
               </a:pPr>
-              <a:r>
-                <a:t/>
-              </a:r>
               <a:endParaRPr/>
             </a:p>
           </p:txBody>
@@ -4159,7 +4156,7 @@
             </a:xfrm>
             <a:prstGeom prst="diagStripe">
               <a:avLst>
-                <a:gd fmla="val 50000" name="adj"/>
+                <a:gd name="adj" fmla="val 50000"/>
               </a:avLst>
             </a:prstGeom>
             <a:solidFill>
@@ -4172,12 +4169,12 @@
             </a:ln>
           </p:spPr>
           <p:txBody>
-            <a:bodyPr anchorCtr="0" anchor="ctr" bIns="91425" lIns="91425" spcFirstLastPara="1" rIns="91425" wrap="square" tIns="91425">
+            <a:bodyPr spcFirstLastPara="1" wrap="square" lIns="91425" tIns="91425" rIns="91425" bIns="91425" anchor="ctr" anchorCtr="0">
               <a:noAutofit/>
             </a:bodyPr>
             <a:lstStyle/>
             <a:p>
-              <a:pPr indent="0" lvl="0" marL="0" rtl="0" algn="l">
+              <a:pPr marL="0" lvl="0" indent="0" algn="l" rtl="0">
                 <a:spcBef>
                   <a:spcPts val="0"/>
                 </a:spcBef>
@@ -4186,9 +4183,6 @@
                 </a:spcAft>
                 <a:buNone/>
               </a:pPr>
-              <a:r>
-                <a:t/>
-              </a:r>
               <a:endParaRPr/>
             </a:p>
           </p:txBody>
@@ -4206,7 +4200,7 @@
             </a:xfrm>
             <a:prstGeom prst="diagStripe">
               <a:avLst>
-                <a:gd fmla="val 50000" name="adj"/>
+                <a:gd name="adj" fmla="val 50000"/>
               </a:avLst>
             </a:prstGeom>
             <a:solidFill>
@@ -4219,12 +4213,12 @@
             </a:ln>
           </p:spPr>
           <p:txBody>
-            <a:bodyPr anchorCtr="0" anchor="ctr" bIns="91425" lIns="91425" spcFirstLastPara="1" rIns="91425" wrap="square" tIns="91425">
+            <a:bodyPr spcFirstLastPara="1" wrap="square" lIns="91425" tIns="91425" rIns="91425" bIns="91425" anchor="ctr" anchorCtr="0">
               <a:noAutofit/>
             </a:bodyPr>
             <a:lstStyle/>
             <a:p>
-              <a:pPr indent="0" lvl="0" marL="0" rtl="0" algn="l">
+              <a:pPr marL="0" lvl="0" indent="0" algn="l" rtl="0">
                 <a:spcBef>
                   <a:spcPts val="0"/>
                 </a:spcBef>
@@ -4233,9 +4227,6 @@
                 </a:spcAft>
                 <a:buNone/>
               </a:pPr>
-              <a:r>
-                <a:t/>
-              </a:r>
               <a:endParaRPr/>
             </a:p>
           </p:txBody>
@@ -4253,7 +4244,7 @@
             </a:xfrm>
             <a:prstGeom prst="diagStripe">
               <a:avLst>
-                <a:gd fmla="val 50000" name="adj"/>
+                <a:gd name="adj" fmla="val 50000"/>
               </a:avLst>
             </a:prstGeom>
             <a:solidFill>
@@ -4266,12 +4257,12 @@
             </a:ln>
           </p:spPr>
           <p:txBody>
-            <a:bodyPr anchorCtr="0" anchor="ctr" bIns="91425" lIns="91425" spcFirstLastPara="1" rIns="91425" wrap="square" tIns="91425">
+            <a:bodyPr spcFirstLastPara="1" wrap="square" lIns="91425" tIns="91425" rIns="91425" bIns="91425" anchor="ctr" anchorCtr="0">
               <a:noAutofit/>
             </a:bodyPr>
             <a:lstStyle/>
             <a:p>
-              <a:pPr indent="0" lvl="0" marL="0" rtl="0" algn="l">
+              <a:pPr marL="0" lvl="0" indent="0" algn="l" rtl="0">
                 <a:spcBef>
                   <a:spcPts val="0"/>
                 </a:spcBef>
@@ -4280,9 +4271,6 @@
                 </a:spcAft>
                 <a:buNone/>
               </a:pPr>
-              <a:r>
-                <a:t/>
-              </a:r>
               <a:endParaRPr/>
             </a:p>
           </p:txBody>
@@ -4300,7 +4288,7 @@
             </a:xfrm>
             <a:prstGeom prst="diagStripe">
               <a:avLst>
-                <a:gd fmla="val 50000" name="adj"/>
+                <a:gd name="adj" fmla="val 50000"/>
               </a:avLst>
             </a:prstGeom>
             <a:solidFill>
@@ -4313,12 +4301,12 @@
             </a:ln>
           </p:spPr>
           <p:txBody>
-            <a:bodyPr anchorCtr="0" anchor="ctr" bIns="91425" lIns="91425" spcFirstLastPara="1" rIns="91425" wrap="square" tIns="91425">
+            <a:bodyPr spcFirstLastPara="1" wrap="square" lIns="91425" tIns="91425" rIns="91425" bIns="91425" anchor="ctr" anchorCtr="0">
               <a:noAutofit/>
             </a:bodyPr>
             <a:lstStyle/>
             <a:p>
-              <a:pPr indent="0" lvl="0" marL="0" rtl="0" algn="l">
+              <a:pPr marL="0" lvl="0" indent="0" algn="l" rtl="0">
                 <a:spcBef>
                   <a:spcPts val="0"/>
                 </a:spcBef>
@@ -4327,9 +4315,6 @@
                 </a:spcAft>
                 <a:buNone/>
               </a:pPr>
-              <a:r>
-                <a:t/>
-              </a:r>
               <a:endParaRPr/>
             </a:p>
           </p:txBody>
@@ -4347,7 +4332,7 @@
             </a:xfrm>
             <a:prstGeom prst="diagStripe">
               <a:avLst>
-                <a:gd fmla="val 50000" name="adj"/>
+                <a:gd name="adj" fmla="val 50000"/>
               </a:avLst>
             </a:prstGeom>
             <a:solidFill>
@@ -4360,12 +4345,12 @@
             </a:ln>
           </p:spPr>
           <p:txBody>
-            <a:bodyPr anchorCtr="0" anchor="ctr" bIns="91425" lIns="91425" spcFirstLastPara="1" rIns="91425" wrap="square" tIns="91425">
+            <a:bodyPr spcFirstLastPara="1" wrap="square" lIns="91425" tIns="91425" rIns="91425" bIns="91425" anchor="ctr" anchorCtr="0">
               <a:noAutofit/>
             </a:bodyPr>
             <a:lstStyle/>
             <a:p>
-              <a:pPr indent="0" lvl="0" marL="0" rtl="0" algn="l">
+              <a:pPr marL="0" lvl="0" indent="0" algn="l" rtl="0">
                 <a:spcBef>
                   <a:spcPts val="0"/>
                 </a:spcBef>
@@ -4374,9 +4359,6 @@
                 </a:spcAft>
                 <a:buNone/>
               </a:pPr>
-              <a:r>
-                <a:t/>
-              </a:r>
               <a:endParaRPr/>
             </a:p>
           </p:txBody>
@@ -4394,7 +4376,7 @@
             </a:xfrm>
             <a:prstGeom prst="diagStripe">
               <a:avLst>
-                <a:gd fmla="val 50000" name="adj"/>
+                <a:gd name="adj" fmla="val 50000"/>
               </a:avLst>
             </a:prstGeom>
             <a:solidFill>
@@ -4405,12 +4387,12 @@
             </a:ln>
           </p:spPr>
           <p:txBody>
-            <a:bodyPr anchorCtr="0" anchor="ctr" bIns="91425" lIns="91425" spcFirstLastPara="1" rIns="91425" wrap="square" tIns="91425">
+            <a:bodyPr spcFirstLastPara="1" wrap="square" lIns="91425" tIns="91425" rIns="91425" bIns="91425" anchor="ctr" anchorCtr="0">
               <a:noAutofit/>
             </a:bodyPr>
             <a:lstStyle/>
             <a:p>
-              <a:pPr indent="0" lvl="0" marL="0" rtl="0" algn="l">
+              <a:pPr marL="0" lvl="0" indent="0" algn="l" rtl="0">
                 <a:spcBef>
                   <a:spcPts val="0"/>
                 </a:spcBef>
@@ -4419,9 +4401,6 @@
                 </a:spcAft>
                 <a:buNone/>
               </a:pPr>
-              <a:r>
-                <a:t/>
-              </a:r>
               <a:endParaRPr/>
             </a:p>
           </p:txBody>
@@ -4439,7 +4418,7 @@
             </a:xfrm>
             <a:prstGeom prst="diagStripe">
               <a:avLst>
-                <a:gd fmla="val 50000" name="adj"/>
+                <a:gd name="adj" fmla="val 50000"/>
               </a:avLst>
             </a:prstGeom>
             <a:solidFill>
@@ -4452,12 +4431,12 @@
             </a:ln>
           </p:spPr>
           <p:txBody>
-            <a:bodyPr anchorCtr="0" anchor="ctr" bIns="91425" lIns="91425" spcFirstLastPara="1" rIns="91425" wrap="square" tIns="91425">
+            <a:bodyPr spcFirstLastPara="1" wrap="square" lIns="91425" tIns="91425" rIns="91425" bIns="91425" anchor="ctr" anchorCtr="0">
               <a:noAutofit/>
             </a:bodyPr>
             <a:lstStyle/>
             <a:p>
-              <a:pPr indent="0" lvl="0" marL="0" rtl="0" algn="l">
+              <a:pPr marL="0" lvl="0" indent="0" algn="l" rtl="0">
                 <a:spcBef>
                   <a:spcPts val="0"/>
                 </a:spcBef>
@@ -4466,9 +4445,6 @@
                 </a:spcAft>
                 <a:buNone/>
               </a:pPr>
-              <a:r>
-                <a:t/>
-              </a:r>
               <a:endParaRPr/>
             </a:p>
           </p:txBody>
@@ -4486,7 +4462,7 @@
             </a:xfrm>
             <a:prstGeom prst="diagStripe">
               <a:avLst>
-                <a:gd fmla="val 50000" name="adj"/>
+                <a:gd name="adj" fmla="val 50000"/>
               </a:avLst>
             </a:prstGeom>
             <a:solidFill>
@@ -4499,12 +4475,12 @@
             </a:ln>
           </p:spPr>
           <p:txBody>
-            <a:bodyPr anchorCtr="0" anchor="ctr" bIns="91425" lIns="91425" spcFirstLastPara="1" rIns="91425" wrap="square" tIns="91425">
+            <a:bodyPr spcFirstLastPara="1" wrap="square" lIns="91425" tIns="91425" rIns="91425" bIns="91425" anchor="ctr" anchorCtr="0">
               <a:noAutofit/>
             </a:bodyPr>
             <a:lstStyle/>
             <a:p>
-              <a:pPr indent="0" lvl="0" marL="0" rtl="0" algn="l">
+              <a:pPr marL="0" lvl="0" indent="0" algn="l" rtl="0">
                 <a:spcBef>
                   <a:spcPts val="0"/>
                 </a:spcBef>
@@ -4513,9 +4489,6 @@
                 </a:spcAft>
                 <a:buNone/>
               </a:pPr>
-              <a:r>
-                <a:t/>
-              </a:r>
               <a:endParaRPr/>
             </a:p>
           </p:txBody>
@@ -4533,7 +4506,7 @@
             </a:xfrm>
             <a:prstGeom prst="diagStripe">
               <a:avLst>
-                <a:gd fmla="val 50000" name="adj"/>
+                <a:gd name="adj" fmla="val 50000"/>
               </a:avLst>
             </a:prstGeom>
             <a:solidFill>
@@ -4546,12 +4519,12 @@
             </a:ln>
           </p:spPr>
           <p:txBody>
-            <a:bodyPr anchorCtr="0" anchor="ctr" bIns="91425" lIns="91425" spcFirstLastPara="1" rIns="91425" wrap="square" tIns="91425">
+            <a:bodyPr spcFirstLastPara="1" wrap="square" lIns="91425" tIns="91425" rIns="91425" bIns="91425" anchor="ctr" anchorCtr="0">
               <a:noAutofit/>
             </a:bodyPr>
             <a:lstStyle/>
             <a:p>
-              <a:pPr indent="0" lvl="0" marL="0" rtl="0" algn="l">
+              <a:pPr marL="0" lvl="0" indent="0" algn="l" rtl="0">
                 <a:spcBef>
                   <a:spcPts val="0"/>
                 </a:spcBef>
@@ -4560,9 +4533,6 @@
                 </a:spcAft>
                 <a:buNone/>
               </a:pPr>
-              <a:r>
-                <a:t/>
-              </a:r>
               <a:endParaRPr/>
             </a:p>
           </p:txBody>
@@ -4580,7 +4550,7 @@
             </a:xfrm>
             <a:prstGeom prst="diagStripe">
               <a:avLst>
-                <a:gd fmla="val 50000" name="adj"/>
+                <a:gd name="adj" fmla="val 50000"/>
               </a:avLst>
             </a:prstGeom>
             <a:solidFill>
@@ -4593,12 +4563,12 @@
             </a:ln>
           </p:spPr>
           <p:txBody>
-            <a:bodyPr anchorCtr="0" anchor="ctr" bIns="91425" lIns="91425" spcFirstLastPara="1" rIns="91425" wrap="square" tIns="91425">
+            <a:bodyPr spcFirstLastPara="1" wrap="square" lIns="91425" tIns="91425" rIns="91425" bIns="91425" anchor="ctr" anchorCtr="0">
               <a:noAutofit/>
             </a:bodyPr>
             <a:lstStyle/>
             <a:p>
-              <a:pPr indent="0" lvl="0" marL="0" rtl="0" algn="l">
+              <a:pPr marL="0" lvl="0" indent="0" algn="l" rtl="0">
                 <a:spcBef>
                   <a:spcPts val="0"/>
                 </a:spcBef>
@@ -4607,9 +4577,6 @@
                 </a:spcAft>
                 <a:buNone/>
               </a:pPr>
-              <a:r>
-                <a:t/>
-              </a:r>
               <a:endParaRPr/>
             </a:p>
           </p:txBody>
@@ -4618,7 +4585,9 @@
       <p:sp>
         <p:nvSpPr>
           <p:cNvPr id="39" name="Google Shape;39;p3"/>
-          <p:cNvSpPr txBox="1"/>
+          <p:cNvSpPr txBox="1">
+            <a:spLocks noGrp="1"/>
+          </p:cNvSpPr>
           <p:nvPr>
             <p:ph type="title"/>
           </p:nvPr>
@@ -4633,7 +4602,7 @@
           </a:prstGeom>
         </p:spPr>
         <p:txBody>
-          <a:bodyPr anchorCtr="0" anchor="ctr" bIns="91425" lIns="91425" spcFirstLastPara="1" rIns="91425" wrap="square" tIns="91425">
+          <a:bodyPr spcFirstLastPara="1" wrap="square" lIns="91425" tIns="91425" rIns="91425" bIns="91425" anchor="ctr" anchorCtr="0">
             <a:normAutofit/>
           </a:bodyPr>
           <a:lstStyle>
@@ -4737,15 +4706,19 @@
               <a:defRPr/>
             </a:lvl9pPr>
           </a:lstStyle>
-          <a:p/>
+          <a:p>
+            <a:endParaRPr/>
+          </a:p>
         </p:txBody>
       </p:sp>
       <p:sp>
         <p:nvSpPr>
           <p:cNvPr id="40" name="Google Shape;40;p3"/>
-          <p:cNvSpPr txBox="1"/>
+          <p:cNvSpPr txBox="1">
+            <a:spLocks noGrp="1"/>
+          </p:cNvSpPr>
           <p:nvPr>
-            <p:ph idx="12" type="sldNum"/>
+            <p:ph type="sldNum" idx="12"/>
           </p:nvPr>
         </p:nvSpPr>
         <p:spPr>
@@ -4758,7 +4731,7 @@
           </a:prstGeom>
         </p:spPr>
         <p:txBody>
-          <a:bodyPr anchorCtr="0" anchor="ctr" bIns="91425" lIns="91425" spcFirstLastPara="1" rIns="91425" wrap="square" tIns="91425">
+          <a:bodyPr spcFirstLastPara="1" wrap="square" lIns="91425" tIns="91425" rIns="91425" bIns="91425" anchor="ctr" anchorCtr="0">
             <a:normAutofit/>
           </a:bodyPr>
           <a:lstStyle>
@@ -4800,7 +4773,7 @@
             </a:lvl9pPr>
           </a:lstStyle>
           <a:p>
-            <a:pPr indent="0" lvl="0" marL="0" rtl="0" algn="r">
+            <a:pPr marL="0" lvl="0" indent="0" algn="r" rtl="0">
               <a:spcBef>
                 <a:spcPts val="0"/>
               </a:spcBef>
@@ -4826,11 +4799,11 @@
 </file>
 
 <file path=ppt/slideLayouts/slideLayout3.xml><?xml version="1.0" encoding="utf-8"?>
-<p:sldLayout xmlns:a="http://schemas.openxmlformats.org/drawingml/2006/main" xmlns:r="http://schemas.openxmlformats.org/officeDocument/2006/relationships" xmlns:mc="http://schemas.openxmlformats.org/markup-compatibility/2006" xmlns:mv="urn:schemas-microsoft-com:mac:vml" xmlns:p="http://schemas.openxmlformats.org/presentationml/2006/main" xmlns:c="http://schemas.openxmlformats.org/drawingml/2006/chart" xmlns:dgm="http://schemas.openxmlformats.org/drawingml/2006/diagram" xmlns:o="urn:schemas-microsoft-com:office:office" xmlns:v="urn:schemas-microsoft-com:vml" xmlns:pvml="urn:schemas-microsoft-com:office:powerpoint" xmlns:com="http://schemas.openxmlformats.org/drawingml/2006/compatibility" xmlns:p14="http://schemas.microsoft.com/office/powerpoint/2010/main" xmlns:p15="http://schemas.microsoft.com/office/powerpoint/2012/main" xmlns:ahyp="http://schemas.microsoft.com/office/drawing/2018/hyperlinkcolor" matchingName="Title and body" type="tx">
+<p:sldLayout xmlns:a="http://schemas.openxmlformats.org/drawingml/2006/main" xmlns:r="http://schemas.openxmlformats.org/officeDocument/2006/relationships" xmlns:p="http://schemas.openxmlformats.org/presentationml/2006/main" matchingName="Title and body" type="tx">
   <p:cSld name="TITLE_AND_BODY">
     <p:spTree>
       <p:nvGrpSpPr>
-        <p:cNvPr id="41" name="Shape 41"/>
+        <p:cNvPr id="1" name="Shape 41"/>
         <p:cNvGrpSpPr/>
         <p:nvPr/>
       </p:nvGrpSpPr>
@@ -4869,7 +4842,7 @@
             </a:xfrm>
             <a:prstGeom prst="diagStripe">
               <a:avLst>
-                <a:gd fmla="val 50000" name="adj"/>
+                <a:gd name="adj" fmla="val 50000"/>
               </a:avLst>
             </a:prstGeom>
             <a:solidFill>
@@ -4880,12 +4853,12 @@
             </a:ln>
           </p:spPr>
           <p:txBody>
-            <a:bodyPr anchorCtr="0" anchor="ctr" bIns="91425" lIns="91425" spcFirstLastPara="1" rIns="91425" wrap="square" tIns="91425">
+            <a:bodyPr spcFirstLastPara="1" wrap="square" lIns="91425" tIns="91425" rIns="91425" bIns="91425" anchor="ctr" anchorCtr="0">
               <a:noAutofit/>
             </a:bodyPr>
             <a:lstStyle/>
             <a:p>
-              <a:pPr indent="0" lvl="0" marL="0" rtl="0" algn="l">
+              <a:pPr marL="0" lvl="0" indent="0" algn="l" rtl="0">
                 <a:spcBef>
                   <a:spcPts val="0"/>
                 </a:spcBef>
@@ -4894,9 +4867,6 @@
                 </a:spcAft>
                 <a:buNone/>
               </a:pPr>
-              <a:r>
-                <a:t/>
-              </a:r>
               <a:endParaRPr/>
             </a:p>
           </p:txBody>
@@ -4914,7 +4884,7 @@
             </a:xfrm>
             <a:prstGeom prst="diagStripe">
               <a:avLst>
-                <a:gd fmla="val 50000" name="adj"/>
+                <a:gd name="adj" fmla="val 50000"/>
               </a:avLst>
             </a:prstGeom>
             <a:solidFill>
@@ -4925,12 +4895,12 @@
             </a:ln>
           </p:spPr>
           <p:txBody>
-            <a:bodyPr anchorCtr="0" anchor="ctr" bIns="91425" lIns="91425" spcFirstLastPara="1" rIns="91425" wrap="square" tIns="91425">
+            <a:bodyPr spcFirstLastPara="1" wrap="square" lIns="91425" tIns="91425" rIns="91425" bIns="91425" anchor="ctr" anchorCtr="0">
               <a:noAutofit/>
             </a:bodyPr>
             <a:lstStyle/>
             <a:p>
-              <a:pPr indent="0" lvl="0" marL="0" rtl="0" algn="l">
+              <a:pPr marL="0" lvl="0" indent="0" algn="l" rtl="0">
                 <a:spcBef>
                   <a:spcPts val="0"/>
                 </a:spcBef>
@@ -4939,9 +4909,6 @@
                 </a:spcAft>
                 <a:buNone/>
               </a:pPr>
-              <a:r>
-                <a:t/>
-              </a:r>
               <a:endParaRPr/>
             </a:p>
           </p:txBody>
@@ -4950,7 +4917,9 @@
       <p:sp>
         <p:nvSpPr>
           <p:cNvPr id="45" name="Google Shape;45;p4"/>
-          <p:cNvSpPr txBox="1"/>
+          <p:cNvSpPr txBox="1">
+            <a:spLocks noGrp="1"/>
+          </p:cNvSpPr>
           <p:nvPr>
             <p:ph type="title"/>
           </p:nvPr>
@@ -4965,7 +4934,7 @@
           </a:prstGeom>
         </p:spPr>
         <p:txBody>
-          <a:bodyPr anchorCtr="0" anchor="t" bIns="91425" lIns="91425" spcFirstLastPara="1" rIns="91425" wrap="square" tIns="91425">
+          <a:bodyPr spcFirstLastPara="1" wrap="square" lIns="91425" tIns="91425" rIns="91425" bIns="91425" anchor="t" anchorCtr="0">
             <a:normAutofit/>
           </a:bodyPr>
           <a:lstStyle>
@@ -5069,15 +5038,19 @@
               <a:defRPr sz="2400"/>
             </a:lvl9pPr>
           </a:lstStyle>
-          <a:p/>
+          <a:p>
+            <a:endParaRPr/>
+          </a:p>
         </p:txBody>
       </p:sp>
       <p:sp>
         <p:nvSpPr>
           <p:cNvPr id="46" name="Google Shape;46;p4"/>
-          <p:cNvSpPr txBox="1"/>
+          <p:cNvSpPr txBox="1">
+            <a:spLocks noGrp="1"/>
+          </p:cNvSpPr>
           <p:nvPr>
-            <p:ph idx="1" type="body"/>
+            <p:ph type="body" idx="1"/>
           </p:nvPr>
         </p:nvSpPr>
         <p:spPr>
@@ -5090,11 +5063,11 @@
           </a:prstGeom>
         </p:spPr>
         <p:txBody>
-          <a:bodyPr anchorCtr="0" anchor="t" bIns="91425" lIns="91425" spcFirstLastPara="1" rIns="91425" wrap="square" tIns="91425">
+          <a:bodyPr spcFirstLastPara="1" wrap="square" lIns="91425" tIns="91425" rIns="91425" bIns="91425" anchor="t" anchorCtr="0">
             <a:normAutofit/>
           </a:bodyPr>
           <a:lstStyle>
-            <a:lvl1pPr indent="-311150" lvl="0" marL="457200">
+            <a:lvl1pPr marL="457200" lvl="0" indent="-311150">
               <a:spcBef>
                 <a:spcPts val="0"/>
               </a:spcBef>
@@ -5105,7 +5078,7 @@
               <a:buChar char="●"/>
               <a:defRPr/>
             </a:lvl1pPr>
-            <a:lvl2pPr indent="-298450" lvl="1" marL="914400">
+            <a:lvl2pPr marL="914400" lvl="1" indent="-298450">
               <a:spcBef>
                 <a:spcPts val="0"/>
               </a:spcBef>
@@ -5116,7 +5089,7 @@
               <a:buChar char="○"/>
               <a:defRPr/>
             </a:lvl2pPr>
-            <a:lvl3pPr indent="-298450" lvl="2" marL="1371600">
+            <a:lvl3pPr marL="1371600" lvl="2" indent="-298450">
               <a:spcBef>
                 <a:spcPts val="0"/>
               </a:spcBef>
@@ -5127,7 +5100,7 @@
               <a:buChar char="■"/>
               <a:defRPr/>
             </a:lvl3pPr>
-            <a:lvl4pPr indent="-298450" lvl="3" marL="1828800">
+            <a:lvl4pPr marL="1828800" lvl="3" indent="-298450">
               <a:spcBef>
                 <a:spcPts val="0"/>
               </a:spcBef>
@@ -5138,7 +5111,7 @@
               <a:buChar char="●"/>
               <a:defRPr/>
             </a:lvl4pPr>
-            <a:lvl5pPr indent="-298450" lvl="4" marL="2286000">
+            <a:lvl5pPr marL="2286000" lvl="4" indent="-298450">
               <a:spcBef>
                 <a:spcPts val="0"/>
               </a:spcBef>
@@ -5149,7 +5122,7 @@
               <a:buChar char="○"/>
               <a:defRPr/>
             </a:lvl5pPr>
-            <a:lvl6pPr indent="-298450" lvl="5" marL="2743200">
+            <a:lvl6pPr marL="2743200" lvl="5" indent="-298450">
               <a:spcBef>
                 <a:spcPts val="0"/>
               </a:spcBef>
@@ -5160,7 +5133,7 @@
               <a:buChar char="■"/>
               <a:defRPr/>
             </a:lvl6pPr>
-            <a:lvl7pPr indent="-298450" lvl="6" marL="3200400">
+            <a:lvl7pPr marL="3200400" lvl="6" indent="-298450">
               <a:spcBef>
                 <a:spcPts val="0"/>
               </a:spcBef>
@@ -5171,7 +5144,7 @@
               <a:buChar char="●"/>
               <a:defRPr/>
             </a:lvl7pPr>
-            <a:lvl8pPr indent="-298450" lvl="7" marL="3657600">
+            <a:lvl8pPr marL="3657600" lvl="7" indent="-298450">
               <a:spcBef>
                 <a:spcPts val="0"/>
               </a:spcBef>
@@ -5182,7 +5155,7 @@
               <a:buChar char="○"/>
               <a:defRPr/>
             </a:lvl8pPr>
-            <a:lvl9pPr indent="-298450" lvl="8" marL="4114800">
+            <a:lvl9pPr marL="4114800" lvl="8" indent="-298450">
               <a:spcBef>
                 <a:spcPts val="0"/>
               </a:spcBef>
@@ -5194,15 +5167,19 @@
               <a:defRPr/>
             </a:lvl9pPr>
           </a:lstStyle>
-          <a:p/>
+          <a:p>
+            <a:endParaRPr/>
+          </a:p>
         </p:txBody>
       </p:sp>
       <p:sp>
         <p:nvSpPr>
           <p:cNvPr id="47" name="Google Shape;47;p4"/>
-          <p:cNvSpPr txBox="1"/>
+          <p:cNvSpPr txBox="1">
+            <a:spLocks noGrp="1"/>
+          </p:cNvSpPr>
           <p:nvPr>
-            <p:ph idx="12" type="sldNum"/>
+            <p:ph type="sldNum" idx="12"/>
           </p:nvPr>
         </p:nvSpPr>
         <p:spPr>
@@ -5215,7 +5192,7 @@
           </a:prstGeom>
         </p:spPr>
         <p:txBody>
-          <a:bodyPr anchorCtr="0" anchor="ctr" bIns="91425" lIns="91425" spcFirstLastPara="1" rIns="91425" wrap="square" tIns="91425">
+          <a:bodyPr spcFirstLastPara="1" wrap="square" lIns="91425" tIns="91425" rIns="91425" bIns="91425" anchor="ctr" anchorCtr="0">
             <a:normAutofit/>
           </a:bodyPr>
           <a:lstStyle>
@@ -5257,7 +5234,7 @@
             </a:lvl9pPr>
           </a:lstStyle>
           <a:p>
-            <a:pPr indent="0" lvl="0" marL="0" rtl="0" algn="r">
+            <a:pPr marL="0" lvl="0" indent="0" algn="r" rtl="0">
               <a:spcBef>
                 <a:spcPts val="0"/>
               </a:spcBef>
@@ -5283,11 +5260,11 @@
 </file>
 
 <file path=ppt/slideLayouts/slideLayout4.xml><?xml version="1.0" encoding="utf-8"?>
-<p:sldLayout xmlns:a="http://schemas.openxmlformats.org/drawingml/2006/main" xmlns:r="http://schemas.openxmlformats.org/officeDocument/2006/relationships" xmlns:mc="http://schemas.openxmlformats.org/markup-compatibility/2006" xmlns:mv="urn:schemas-microsoft-com:mac:vml" xmlns:p="http://schemas.openxmlformats.org/presentationml/2006/main" xmlns:c="http://schemas.openxmlformats.org/drawingml/2006/chart" xmlns:dgm="http://schemas.openxmlformats.org/drawingml/2006/diagram" xmlns:o="urn:schemas-microsoft-com:office:office" xmlns:v="urn:schemas-microsoft-com:vml" xmlns:pvml="urn:schemas-microsoft-com:office:powerpoint" xmlns:com="http://schemas.openxmlformats.org/drawingml/2006/compatibility" xmlns:p14="http://schemas.microsoft.com/office/powerpoint/2010/main" xmlns:p15="http://schemas.microsoft.com/office/powerpoint/2012/main" xmlns:ahyp="http://schemas.microsoft.com/office/drawing/2018/hyperlinkcolor" matchingName="Title and two columns" type="twoColTx">
+<p:sldLayout xmlns:a="http://schemas.openxmlformats.org/drawingml/2006/main" xmlns:r="http://schemas.openxmlformats.org/officeDocument/2006/relationships" xmlns:p="http://schemas.openxmlformats.org/presentationml/2006/main" matchingName="Title and two columns" type="twoColTx">
   <p:cSld name="TITLE_AND_TWO_COLUMNS">
     <p:spTree>
       <p:nvGrpSpPr>
-        <p:cNvPr id="48" name="Shape 48"/>
+        <p:cNvPr id="1" name="Shape 48"/>
         <p:cNvGrpSpPr/>
         <p:nvPr/>
       </p:nvGrpSpPr>
@@ -5326,7 +5303,7 @@
             </a:xfrm>
             <a:prstGeom prst="diagStripe">
               <a:avLst>
-                <a:gd fmla="val 50000" name="adj"/>
+                <a:gd name="adj" fmla="val 50000"/>
               </a:avLst>
             </a:prstGeom>
             <a:solidFill>
@@ -5337,12 +5314,12 @@
             </a:ln>
           </p:spPr>
           <p:txBody>
-            <a:bodyPr anchorCtr="0" anchor="ctr" bIns="91425" lIns="91425" spcFirstLastPara="1" rIns="91425" wrap="square" tIns="91425">
+            <a:bodyPr spcFirstLastPara="1" wrap="square" lIns="91425" tIns="91425" rIns="91425" bIns="91425" anchor="ctr" anchorCtr="0">
               <a:noAutofit/>
             </a:bodyPr>
             <a:lstStyle/>
             <a:p>
-              <a:pPr indent="0" lvl="0" marL="0" rtl="0" algn="l">
+              <a:pPr marL="0" lvl="0" indent="0" algn="l" rtl="0">
                 <a:spcBef>
                   <a:spcPts val="0"/>
                 </a:spcBef>
@@ -5351,9 +5328,6 @@
                 </a:spcAft>
                 <a:buNone/>
               </a:pPr>
-              <a:r>
-                <a:t/>
-              </a:r>
               <a:endParaRPr/>
             </a:p>
           </p:txBody>
@@ -5371,7 +5345,7 @@
             </a:xfrm>
             <a:prstGeom prst="diagStripe">
               <a:avLst>
-                <a:gd fmla="val 50000" name="adj"/>
+                <a:gd name="adj" fmla="val 50000"/>
               </a:avLst>
             </a:prstGeom>
             <a:solidFill>
@@ -5382,12 +5356,12 @@
             </a:ln>
           </p:spPr>
           <p:txBody>
-            <a:bodyPr anchorCtr="0" anchor="ctr" bIns="91425" lIns="91425" spcFirstLastPara="1" rIns="91425" wrap="square" tIns="91425">
+            <a:bodyPr spcFirstLastPara="1" wrap="square" lIns="91425" tIns="91425" rIns="91425" bIns="91425" anchor="ctr" anchorCtr="0">
               <a:noAutofit/>
             </a:bodyPr>
             <a:lstStyle/>
             <a:p>
-              <a:pPr indent="0" lvl="0" marL="0" rtl="0" algn="l">
+              <a:pPr marL="0" lvl="0" indent="0" algn="l" rtl="0">
                 <a:spcBef>
                   <a:spcPts val="0"/>
                 </a:spcBef>
@@ -5396,9 +5370,6 @@
                 </a:spcAft>
                 <a:buNone/>
               </a:pPr>
-              <a:r>
-                <a:t/>
-              </a:r>
               <a:endParaRPr/>
             </a:p>
           </p:txBody>
@@ -5407,7 +5378,9 @@
       <p:sp>
         <p:nvSpPr>
           <p:cNvPr id="52" name="Google Shape;52;p5"/>
-          <p:cNvSpPr txBox="1"/>
+          <p:cNvSpPr txBox="1">
+            <a:spLocks noGrp="1"/>
+          </p:cNvSpPr>
           <p:nvPr>
             <p:ph type="title"/>
           </p:nvPr>
@@ -5422,7 +5395,7 @@
           </a:prstGeom>
         </p:spPr>
         <p:txBody>
-          <a:bodyPr anchorCtr="0" anchor="t" bIns="91425" lIns="91425" spcFirstLastPara="1" rIns="91425" wrap="square" tIns="91425">
+          <a:bodyPr spcFirstLastPara="1" wrap="square" lIns="91425" tIns="91425" rIns="91425" bIns="91425" anchor="t" anchorCtr="0">
             <a:normAutofit/>
           </a:bodyPr>
           <a:lstStyle>
@@ -5526,15 +5499,19 @@
               <a:defRPr sz="2400"/>
             </a:lvl9pPr>
           </a:lstStyle>
-          <a:p/>
+          <a:p>
+            <a:endParaRPr/>
+          </a:p>
         </p:txBody>
       </p:sp>
       <p:sp>
         <p:nvSpPr>
           <p:cNvPr id="53" name="Google Shape;53;p5"/>
-          <p:cNvSpPr txBox="1"/>
+          <p:cNvSpPr txBox="1">
+            <a:spLocks noGrp="1"/>
+          </p:cNvSpPr>
           <p:nvPr>
-            <p:ph idx="1" type="body"/>
+            <p:ph type="body" idx="1"/>
           </p:nvPr>
         </p:nvSpPr>
         <p:spPr>
@@ -5547,11 +5524,11 @@
           </a:prstGeom>
         </p:spPr>
         <p:txBody>
-          <a:bodyPr anchorCtr="0" anchor="t" bIns="91425" lIns="91425" spcFirstLastPara="1" rIns="91425" wrap="square" tIns="91425">
+          <a:bodyPr spcFirstLastPara="1" wrap="square" lIns="91425" tIns="91425" rIns="91425" bIns="91425" anchor="t" anchorCtr="0">
             <a:normAutofit/>
           </a:bodyPr>
           <a:lstStyle>
-            <a:lvl1pPr indent="-311150" lvl="0" marL="457200">
+            <a:lvl1pPr marL="457200" lvl="0" indent="-311150">
               <a:spcBef>
                 <a:spcPts val="0"/>
               </a:spcBef>
@@ -5562,7 +5539,7 @@
               <a:buChar char="●"/>
               <a:defRPr/>
             </a:lvl1pPr>
-            <a:lvl2pPr indent="-298450" lvl="1" marL="914400">
+            <a:lvl2pPr marL="914400" lvl="1" indent="-298450">
               <a:spcBef>
                 <a:spcPts val="0"/>
               </a:spcBef>
@@ -5573,7 +5550,7 @@
               <a:buChar char="○"/>
               <a:defRPr/>
             </a:lvl2pPr>
-            <a:lvl3pPr indent="-298450" lvl="2" marL="1371600">
+            <a:lvl3pPr marL="1371600" lvl="2" indent="-298450">
               <a:spcBef>
                 <a:spcPts val="0"/>
               </a:spcBef>
@@ -5584,7 +5561,7 @@
               <a:buChar char="■"/>
               <a:defRPr/>
             </a:lvl3pPr>
-            <a:lvl4pPr indent="-298450" lvl="3" marL="1828800">
+            <a:lvl4pPr marL="1828800" lvl="3" indent="-298450">
               <a:spcBef>
                 <a:spcPts val="0"/>
               </a:spcBef>
@@ -5595,7 +5572,7 @@
               <a:buChar char="●"/>
               <a:defRPr/>
             </a:lvl4pPr>
-            <a:lvl5pPr indent="-298450" lvl="4" marL="2286000">
+            <a:lvl5pPr marL="2286000" lvl="4" indent="-298450">
               <a:spcBef>
                 <a:spcPts val="0"/>
               </a:spcBef>
@@ -5606,7 +5583,7 @@
               <a:buChar char="○"/>
               <a:defRPr/>
             </a:lvl5pPr>
-            <a:lvl6pPr indent="-298450" lvl="5" marL="2743200">
+            <a:lvl6pPr marL="2743200" lvl="5" indent="-298450">
               <a:spcBef>
                 <a:spcPts val="0"/>
               </a:spcBef>
@@ -5617,7 +5594,7 @@
               <a:buChar char="■"/>
               <a:defRPr/>
             </a:lvl6pPr>
-            <a:lvl7pPr indent="-298450" lvl="6" marL="3200400">
+            <a:lvl7pPr marL="3200400" lvl="6" indent="-298450">
               <a:spcBef>
                 <a:spcPts val="0"/>
               </a:spcBef>
@@ -5628,7 +5605,7 @@
               <a:buChar char="●"/>
               <a:defRPr/>
             </a:lvl7pPr>
-            <a:lvl8pPr indent="-298450" lvl="7" marL="3657600">
+            <a:lvl8pPr marL="3657600" lvl="7" indent="-298450">
               <a:spcBef>
                 <a:spcPts val="0"/>
               </a:spcBef>
@@ -5639,7 +5616,7 @@
               <a:buChar char="○"/>
               <a:defRPr/>
             </a:lvl8pPr>
-            <a:lvl9pPr indent="-298450" lvl="8" marL="4114800">
+            <a:lvl9pPr marL="4114800" lvl="8" indent="-298450">
               <a:spcBef>
                 <a:spcPts val="0"/>
               </a:spcBef>
@@ -5651,15 +5628,19 @@
               <a:defRPr/>
             </a:lvl9pPr>
           </a:lstStyle>
-          <a:p/>
+          <a:p>
+            <a:endParaRPr/>
+          </a:p>
         </p:txBody>
       </p:sp>
       <p:sp>
         <p:nvSpPr>
           <p:cNvPr id="54" name="Google Shape;54;p5"/>
-          <p:cNvSpPr txBox="1"/>
+          <p:cNvSpPr txBox="1">
+            <a:spLocks noGrp="1"/>
+          </p:cNvSpPr>
           <p:nvPr>
-            <p:ph idx="2" type="body"/>
+            <p:ph type="body" idx="2"/>
           </p:nvPr>
         </p:nvSpPr>
         <p:spPr>
@@ -5672,11 +5653,11 @@
           </a:prstGeom>
         </p:spPr>
         <p:txBody>
-          <a:bodyPr anchorCtr="0" anchor="t" bIns="91425" lIns="91425" spcFirstLastPara="1" rIns="91425" wrap="square" tIns="91425">
+          <a:bodyPr spcFirstLastPara="1" wrap="square" lIns="91425" tIns="91425" rIns="91425" bIns="91425" anchor="t" anchorCtr="0">
             <a:normAutofit/>
           </a:bodyPr>
           <a:lstStyle>
-            <a:lvl1pPr indent="-311150" lvl="0" marL="457200">
+            <a:lvl1pPr marL="457200" lvl="0" indent="-311150">
               <a:spcBef>
                 <a:spcPts val="0"/>
               </a:spcBef>
@@ -5687,7 +5668,7 @@
               <a:buChar char="●"/>
               <a:defRPr/>
             </a:lvl1pPr>
-            <a:lvl2pPr indent="-298450" lvl="1" marL="914400">
+            <a:lvl2pPr marL="914400" lvl="1" indent="-298450">
               <a:spcBef>
                 <a:spcPts val="0"/>
               </a:spcBef>
@@ -5698,7 +5679,7 @@
               <a:buChar char="○"/>
               <a:defRPr/>
             </a:lvl2pPr>
-            <a:lvl3pPr indent="-298450" lvl="2" marL="1371600">
+            <a:lvl3pPr marL="1371600" lvl="2" indent="-298450">
               <a:spcBef>
                 <a:spcPts val="0"/>
               </a:spcBef>
@@ -5709,7 +5690,7 @@
               <a:buChar char="■"/>
               <a:defRPr/>
             </a:lvl3pPr>
-            <a:lvl4pPr indent="-298450" lvl="3" marL="1828800">
+            <a:lvl4pPr marL="1828800" lvl="3" indent="-298450">
               <a:spcBef>
                 <a:spcPts val="0"/>
               </a:spcBef>
@@ -5720,7 +5701,7 @@
               <a:buChar char="●"/>
               <a:defRPr/>
             </a:lvl4pPr>
-            <a:lvl5pPr indent="-298450" lvl="4" marL="2286000">
+            <a:lvl5pPr marL="2286000" lvl="4" indent="-298450">
               <a:spcBef>
                 <a:spcPts val="0"/>
               </a:spcBef>
@@ -5731,7 +5712,7 @@
               <a:buChar char="○"/>
               <a:defRPr/>
             </a:lvl5pPr>
-            <a:lvl6pPr indent="-298450" lvl="5" marL="2743200">
+            <a:lvl6pPr marL="2743200" lvl="5" indent="-298450">
               <a:spcBef>
                 <a:spcPts val="0"/>
               </a:spcBef>
@@ -5742,7 +5723,7 @@
               <a:buChar char="■"/>
               <a:defRPr/>
             </a:lvl6pPr>
-            <a:lvl7pPr indent="-298450" lvl="6" marL="3200400">
+            <a:lvl7pPr marL="3200400" lvl="6" indent="-298450">
               <a:spcBef>
                 <a:spcPts val="0"/>
               </a:spcBef>
@@ -5753,7 +5734,7 @@
               <a:buChar char="●"/>
               <a:defRPr/>
             </a:lvl7pPr>
-            <a:lvl8pPr indent="-298450" lvl="7" marL="3657600">
+            <a:lvl8pPr marL="3657600" lvl="7" indent="-298450">
               <a:spcBef>
                 <a:spcPts val="0"/>
               </a:spcBef>
@@ -5764,7 +5745,7 @@
               <a:buChar char="○"/>
               <a:defRPr/>
             </a:lvl8pPr>
-            <a:lvl9pPr indent="-298450" lvl="8" marL="4114800">
+            <a:lvl9pPr marL="4114800" lvl="8" indent="-298450">
               <a:spcBef>
                 <a:spcPts val="0"/>
               </a:spcBef>
@@ -5776,15 +5757,19 @@
               <a:defRPr/>
             </a:lvl9pPr>
           </a:lstStyle>
-          <a:p/>
+          <a:p>
+            <a:endParaRPr/>
+          </a:p>
         </p:txBody>
       </p:sp>
       <p:sp>
         <p:nvSpPr>
           <p:cNvPr id="55" name="Google Shape;55;p5"/>
-          <p:cNvSpPr txBox="1"/>
+          <p:cNvSpPr txBox="1">
+            <a:spLocks noGrp="1"/>
+          </p:cNvSpPr>
           <p:nvPr>
-            <p:ph idx="12" type="sldNum"/>
+            <p:ph type="sldNum" idx="12"/>
           </p:nvPr>
         </p:nvSpPr>
         <p:spPr>
@@ -5797,7 +5782,7 @@
           </a:prstGeom>
         </p:spPr>
         <p:txBody>
-          <a:bodyPr anchorCtr="0" anchor="ctr" bIns="91425" lIns="91425" spcFirstLastPara="1" rIns="91425" wrap="square" tIns="91425">
+          <a:bodyPr spcFirstLastPara="1" wrap="square" lIns="91425" tIns="91425" rIns="91425" bIns="91425" anchor="ctr" anchorCtr="0">
             <a:normAutofit/>
           </a:bodyPr>
           <a:lstStyle>
@@ -5839,7 +5824,7 @@
             </a:lvl9pPr>
           </a:lstStyle>
           <a:p>
-            <a:pPr indent="0" lvl="0" marL="0" rtl="0" algn="r">
+            <a:pPr marL="0" lvl="0" indent="0" algn="r" rtl="0">
               <a:spcBef>
                 <a:spcPts val="0"/>
               </a:spcBef>
@@ -5865,11 +5850,11 @@
 </file>
 
 <file path=ppt/slideLayouts/slideLayout5.xml><?xml version="1.0" encoding="utf-8"?>
-<p:sldLayout xmlns:a="http://schemas.openxmlformats.org/drawingml/2006/main" xmlns:r="http://schemas.openxmlformats.org/officeDocument/2006/relationships" xmlns:mc="http://schemas.openxmlformats.org/markup-compatibility/2006" xmlns:mv="urn:schemas-microsoft-com:mac:vml" xmlns:p="http://schemas.openxmlformats.org/presentationml/2006/main" xmlns:c="http://schemas.openxmlformats.org/drawingml/2006/chart" xmlns:dgm="http://schemas.openxmlformats.org/drawingml/2006/diagram" xmlns:o="urn:schemas-microsoft-com:office:office" xmlns:v="urn:schemas-microsoft-com:vml" xmlns:pvml="urn:schemas-microsoft-com:office:powerpoint" xmlns:com="http://schemas.openxmlformats.org/drawingml/2006/compatibility" xmlns:p14="http://schemas.microsoft.com/office/powerpoint/2010/main" xmlns:p15="http://schemas.microsoft.com/office/powerpoint/2012/main" xmlns:ahyp="http://schemas.microsoft.com/office/drawing/2018/hyperlinkcolor" matchingName="Title only" type="titleOnly">
+<p:sldLayout xmlns:a="http://schemas.openxmlformats.org/drawingml/2006/main" xmlns:r="http://schemas.openxmlformats.org/officeDocument/2006/relationships" xmlns:p="http://schemas.openxmlformats.org/presentationml/2006/main" matchingName="Title only" type="titleOnly">
   <p:cSld name="TITLE_ONLY">
     <p:spTree>
       <p:nvGrpSpPr>
-        <p:cNvPr id="56" name="Shape 56"/>
+        <p:cNvPr id="1" name="Shape 56"/>
         <p:cNvGrpSpPr/>
         <p:nvPr/>
       </p:nvGrpSpPr>
@@ -5908,7 +5893,7 @@
             </a:xfrm>
             <a:prstGeom prst="diagStripe">
               <a:avLst>
-                <a:gd fmla="val 50000" name="adj"/>
+                <a:gd name="adj" fmla="val 50000"/>
               </a:avLst>
             </a:prstGeom>
             <a:solidFill>
@@ -5919,12 +5904,12 @@
             </a:ln>
           </p:spPr>
           <p:txBody>
-            <a:bodyPr anchorCtr="0" anchor="ctr" bIns="91425" lIns="91425" spcFirstLastPara="1" rIns="91425" wrap="square" tIns="91425">
+            <a:bodyPr spcFirstLastPara="1" wrap="square" lIns="91425" tIns="91425" rIns="91425" bIns="91425" anchor="ctr" anchorCtr="0">
               <a:noAutofit/>
             </a:bodyPr>
             <a:lstStyle/>
             <a:p>
-              <a:pPr indent="0" lvl="0" marL="0" rtl="0" algn="l">
+              <a:pPr marL="0" lvl="0" indent="0" algn="l" rtl="0">
                 <a:spcBef>
                   <a:spcPts val="0"/>
                 </a:spcBef>
@@ -5933,9 +5918,6 @@
                 </a:spcAft>
                 <a:buNone/>
               </a:pPr>
-              <a:r>
-                <a:t/>
-              </a:r>
               <a:endParaRPr/>
             </a:p>
           </p:txBody>
@@ -5953,7 +5935,7 @@
             </a:xfrm>
             <a:prstGeom prst="diagStripe">
               <a:avLst>
-                <a:gd fmla="val 50000" name="adj"/>
+                <a:gd name="adj" fmla="val 50000"/>
               </a:avLst>
             </a:prstGeom>
             <a:solidFill>
@@ -5964,12 +5946,12 @@
             </a:ln>
           </p:spPr>
           <p:txBody>
-            <a:bodyPr anchorCtr="0" anchor="ctr" bIns="91425" lIns="91425" spcFirstLastPara="1" rIns="91425" wrap="square" tIns="91425">
+            <a:bodyPr spcFirstLastPara="1" wrap="square" lIns="91425" tIns="91425" rIns="91425" bIns="91425" anchor="ctr" anchorCtr="0">
               <a:noAutofit/>
             </a:bodyPr>
             <a:lstStyle/>
             <a:p>
-              <a:pPr indent="0" lvl="0" marL="0" rtl="0" algn="l">
+              <a:pPr marL="0" lvl="0" indent="0" algn="l" rtl="0">
                 <a:spcBef>
                   <a:spcPts val="0"/>
                 </a:spcBef>
@@ -5978,9 +5960,6 @@
                 </a:spcAft>
                 <a:buNone/>
               </a:pPr>
-              <a:r>
-                <a:t/>
-              </a:r>
               <a:endParaRPr/>
             </a:p>
           </p:txBody>
@@ -5989,7 +5968,9 @@
       <p:sp>
         <p:nvSpPr>
           <p:cNvPr id="60" name="Google Shape;60;p6"/>
-          <p:cNvSpPr txBox="1"/>
+          <p:cNvSpPr txBox="1">
+            <a:spLocks noGrp="1"/>
+          </p:cNvSpPr>
           <p:nvPr>
             <p:ph type="title"/>
           </p:nvPr>
@@ -6004,7 +5985,7 @@
           </a:prstGeom>
         </p:spPr>
         <p:txBody>
-          <a:bodyPr anchorCtr="0" anchor="t" bIns="91425" lIns="91425" spcFirstLastPara="1" rIns="91425" wrap="square" tIns="91425">
+          <a:bodyPr spcFirstLastPara="1" wrap="square" lIns="91425" tIns="91425" rIns="91425" bIns="91425" anchor="t" anchorCtr="0">
             <a:normAutofit/>
           </a:bodyPr>
           <a:lstStyle>
@@ -6108,15 +6089,19 @@
               <a:defRPr sz="2400"/>
             </a:lvl9pPr>
           </a:lstStyle>
-          <a:p/>
+          <a:p>
+            <a:endParaRPr/>
+          </a:p>
         </p:txBody>
       </p:sp>
       <p:sp>
         <p:nvSpPr>
           <p:cNvPr id="61" name="Google Shape;61;p6"/>
-          <p:cNvSpPr txBox="1"/>
+          <p:cNvSpPr txBox="1">
+            <a:spLocks noGrp="1"/>
+          </p:cNvSpPr>
           <p:nvPr>
-            <p:ph idx="12" type="sldNum"/>
+            <p:ph type="sldNum" idx="12"/>
           </p:nvPr>
         </p:nvSpPr>
         <p:spPr>
@@ -6129,7 +6114,7 @@
           </a:prstGeom>
         </p:spPr>
         <p:txBody>
-          <a:bodyPr anchorCtr="0" anchor="ctr" bIns="91425" lIns="91425" spcFirstLastPara="1" rIns="91425" wrap="square" tIns="91425">
+          <a:bodyPr spcFirstLastPara="1" wrap="square" lIns="91425" tIns="91425" rIns="91425" bIns="91425" anchor="ctr" anchorCtr="0">
             <a:normAutofit/>
           </a:bodyPr>
           <a:lstStyle>
@@ -6171,7 +6156,7 @@
             </a:lvl9pPr>
           </a:lstStyle>
           <a:p>
-            <a:pPr indent="0" lvl="0" marL="0" rtl="0" algn="r">
+            <a:pPr marL="0" lvl="0" indent="0" algn="r" rtl="0">
               <a:spcBef>
                 <a:spcPts val="0"/>
               </a:spcBef>
@@ -6197,11 +6182,11 @@
 </file>
 
 <file path=ppt/slideLayouts/slideLayout6.xml><?xml version="1.0" encoding="utf-8"?>
-<p:sldLayout xmlns:a="http://schemas.openxmlformats.org/drawingml/2006/main" xmlns:r="http://schemas.openxmlformats.org/officeDocument/2006/relationships" xmlns:mc="http://schemas.openxmlformats.org/markup-compatibility/2006" xmlns:mv="urn:schemas-microsoft-com:mac:vml" xmlns:p="http://schemas.openxmlformats.org/presentationml/2006/main" xmlns:c="http://schemas.openxmlformats.org/drawingml/2006/chart" xmlns:dgm="http://schemas.openxmlformats.org/drawingml/2006/diagram" xmlns:o="urn:schemas-microsoft-com:office:office" xmlns:v="urn:schemas-microsoft-com:vml" xmlns:pvml="urn:schemas-microsoft-com:office:powerpoint" xmlns:com="http://schemas.openxmlformats.org/drawingml/2006/compatibility" xmlns:p14="http://schemas.microsoft.com/office/powerpoint/2010/main" xmlns:p15="http://schemas.microsoft.com/office/powerpoint/2012/main" xmlns:ahyp="http://schemas.microsoft.com/office/drawing/2018/hyperlinkcolor" matchingName="One column text">
+<p:sldLayout xmlns:a="http://schemas.openxmlformats.org/drawingml/2006/main" xmlns:r="http://schemas.openxmlformats.org/officeDocument/2006/relationships" xmlns:p="http://schemas.openxmlformats.org/presentationml/2006/main" matchingName="One column text">
   <p:cSld name="ONE_COLUMN_TEXT">
     <p:spTree>
       <p:nvGrpSpPr>
-        <p:cNvPr id="62" name="Shape 62"/>
+        <p:cNvPr id="1" name="Shape 62"/>
         <p:cNvGrpSpPr/>
         <p:nvPr/>
       </p:nvGrpSpPr>
@@ -6240,7 +6225,7 @@
             </a:xfrm>
             <a:prstGeom prst="diagStripe">
               <a:avLst>
-                <a:gd fmla="val 50000" name="adj"/>
+                <a:gd name="adj" fmla="val 50000"/>
               </a:avLst>
             </a:prstGeom>
             <a:solidFill>
@@ -6251,12 +6236,12 @@
             </a:ln>
           </p:spPr>
           <p:txBody>
-            <a:bodyPr anchorCtr="0" anchor="ctr" bIns="91425" lIns="91425" spcFirstLastPara="1" rIns="91425" wrap="square" tIns="91425">
+            <a:bodyPr spcFirstLastPara="1" wrap="square" lIns="91425" tIns="91425" rIns="91425" bIns="91425" anchor="ctr" anchorCtr="0">
               <a:noAutofit/>
             </a:bodyPr>
             <a:lstStyle/>
             <a:p>
-              <a:pPr indent="0" lvl="0" marL="0" rtl="0" algn="l">
+              <a:pPr marL="0" lvl="0" indent="0" algn="l" rtl="0">
                 <a:spcBef>
                   <a:spcPts val="0"/>
                 </a:spcBef>
@@ -6265,9 +6250,6 @@
                 </a:spcAft>
                 <a:buNone/>
               </a:pPr>
-              <a:r>
-                <a:t/>
-              </a:r>
               <a:endParaRPr/>
             </a:p>
           </p:txBody>
@@ -6285,7 +6267,7 @@
             </a:xfrm>
             <a:prstGeom prst="diagStripe">
               <a:avLst>
-                <a:gd fmla="val 50000" name="adj"/>
+                <a:gd name="adj" fmla="val 50000"/>
               </a:avLst>
             </a:prstGeom>
             <a:solidFill>
@@ -6296,12 +6278,12 @@
             </a:ln>
           </p:spPr>
           <p:txBody>
-            <a:bodyPr anchorCtr="0" anchor="ctr" bIns="91425" lIns="91425" spcFirstLastPara="1" rIns="91425" wrap="square" tIns="91425">
+            <a:bodyPr spcFirstLastPara="1" wrap="square" lIns="91425" tIns="91425" rIns="91425" bIns="91425" anchor="ctr" anchorCtr="0">
               <a:noAutofit/>
             </a:bodyPr>
             <a:lstStyle/>
             <a:p>
-              <a:pPr indent="0" lvl="0" marL="0" rtl="0" algn="l">
+              <a:pPr marL="0" lvl="0" indent="0" algn="l" rtl="0">
                 <a:spcBef>
                   <a:spcPts val="0"/>
                 </a:spcBef>
@@ -6310,9 +6292,6 @@
                 </a:spcAft>
                 <a:buNone/>
               </a:pPr>
-              <a:r>
-                <a:t/>
-              </a:r>
               <a:endParaRPr/>
             </a:p>
           </p:txBody>
@@ -6321,7 +6300,9 @@
       <p:sp>
         <p:nvSpPr>
           <p:cNvPr id="66" name="Google Shape;66;p7"/>
-          <p:cNvSpPr txBox="1"/>
+          <p:cNvSpPr txBox="1">
+            <a:spLocks noGrp="1"/>
+          </p:cNvSpPr>
           <p:nvPr>
             <p:ph type="title"/>
           </p:nvPr>
@@ -6336,7 +6317,7 @@
           </a:prstGeom>
         </p:spPr>
         <p:txBody>
-          <a:bodyPr anchorCtr="0" anchor="t" bIns="91425" lIns="91425" spcFirstLastPara="1" rIns="91425" wrap="square" tIns="91425">
+          <a:bodyPr spcFirstLastPara="1" wrap="square" lIns="91425" tIns="91425" rIns="91425" bIns="91425" anchor="t" anchorCtr="0">
             <a:normAutofit/>
           </a:bodyPr>
           <a:lstStyle>
@@ -6440,15 +6421,19 @@
               <a:defRPr sz="2400"/>
             </a:lvl9pPr>
           </a:lstStyle>
-          <a:p/>
+          <a:p>
+            <a:endParaRPr/>
+          </a:p>
         </p:txBody>
       </p:sp>
       <p:sp>
         <p:nvSpPr>
           <p:cNvPr id="67" name="Google Shape;67;p7"/>
-          <p:cNvSpPr txBox="1"/>
+          <p:cNvSpPr txBox="1">
+            <a:spLocks noGrp="1"/>
+          </p:cNvSpPr>
           <p:nvPr>
-            <p:ph idx="1" type="body"/>
+            <p:ph type="body" idx="1"/>
           </p:nvPr>
         </p:nvSpPr>
         <p:spPr>
@@ -6461,11 +6446,11 @@
           </a:prstGeom>
         </p:spPr>
         <p:txBody>
-          <a:bodyPr anchorCtr="0" anchor="t" bIns="91425" lIns="91425" spcFirstLastPara="1" rIns="91425" wrap="square" tIns="91425">
+          <a:bodyPr spcFirstLastPara="1" wrap="square" lIns="91425" tIns="91425" rIns="91425" bIns="91425" anchor="t" anchorCtr="0">
             <a:normAutofit/>
           </a:bodyPr>
           <a:lstStyle>
-            <a:lvl1pPr indent="-311150" lvl="0" marL="457200">
+            <a:lvl1pPr marL="457200" lvl="0" indent="-311150">
               <a:spcBef>
                 <a:spcPts val="0"/>
               </a:spcBef>
@@ -6476,7 +6461,7 @@
               <a:buChar char="●"/>
               <a:defRPr/>
             </a:lvl1pPr>
-            <a:lvl2pPr indent="-298450" lvl="1" marL="914400">
+            <a:lvl2pPr marL="914400" lvl="1" indent="-298450">
               <a:spcBef>
                 <a:spcPts val="0"/>
               </a:spcBef>
@@ -6487,7 +6472,7 @@
               <a:buChar char="○"/>
               <a:defRPr/>
             </a:lvl2pPr>
-            <a:lvl3pPr indent="-298450" lvl="2" marL="1371600">
+            <a:lvl3pPr marL="1371600" lvl="2" indent="-298450">
               <a:spcBef>
                 <a:spcPts val="0"/>
               </a:spcBef>
@@ -6498,7 +6483,7 @@
               <a:buChar char="■"/>
               <a:defRPr/>
             </a:lvl3pPr>
-            <a:lvl4pPr indent="-298450" lvl="3" marL="1828800">
+            <a:lvl4pPr marL="1828800" lvl="3" indent="-298450">
               <a:spcBef>
                 <a:spcPts val="0"/>
               </a:spcBef>
@@ -6509,7 +6494,7 @@
               <a:buChar char="●"/>
               <a:defRPr/>
             </a:lvl4pPr>
-            <a:lvl5pPr indent="-298450" lvl="4" marL="2286000">
+            <a:lvl5pPr marL="2286000" lvl="4" indent="-298450">
               <a:spcBef>
                 <a:spcPts val="0"/>
               </a:spcBef>
@@ -6520,7 +6505,7 @@
               <a:buChar char="○"/>
               <a:defRPr/>
             </a:lvl5pPr>
-            <a:lvl6pPr indent="-298450" lvl="5" marL="2743200">
+            <a:lvl6pPr marL="2743200" lvl="5" indent="-298450">
               <a:spcBef>
                 <a:spcPts val="0"/>
               </a:spcBef>
@@ -6531,7 +6516,7 @@
               <a:buChar char="■"/>
               <a:defRPr/>
             </a:lvl6pPr>
-            <a:lvl7pPr indent="-298450" lvl="6" marL="3200400">
+            <a:lvl7pPr marL="3200400" lvl="6" indent="-298450">
               <a:spcBef>
                 <a:spcPts val="0"/>
               </a:spcBef>
@@ -6542,7 +6527,7 @@
               <a:buChar char="●"/>
               <a:defRPr/>
             </a:lvl7pPr>
-            <a:lvl8pPr indent="-298450" lvl="7" marL="3657600">
+            <a:lvl8pPr marL="3657600" lvl="7" indent="-298450">
               <a:spcBef>
                 <a:spcPts val="0"/>
               </a:spcBef>
@@ -6553,7 +6538,7 @@
               <a:buChar char="○"/>
               <a:defRPr/>
             </a:lvl8pPr>
-            <a:lvl9pPr indent="-298450" lvl="8" marL="4114800">
+            <a:lvl9pPr marL="4114800" lvl="8" indent="-298450">
               <a:spcBef>
                 <a:spcPts val="0"/>
               </a:spcBef>
@@ -6565,15 +6550,19 @@
               <a:defRPr/>
             </a:lvl9pPr>
           </a:lstStyle>
-          <a:p/>
+          <a:p>
+            <a:endParaRPr/>
+          </a:p>
         </p:txBody>
       </p:sp>
       <p:sp>
         <p:nvSpPr>
           <p:cNvPr id="68" name="Google Shape;68;p7"/>
-          <p:cNvSpPr txBox="1"/>
+          <p:cNvSpPr txBox="1">
+            <a:spLocks noGrp="1"/>
+          </p:cNvSpPr>
           <p:nvPr>
-            <p:ph idx="12" type="sldNum"/>
+            <p:ph type="sldNum" idx="12"/>
           </p:nvPr>
         </p:nvSpPr>
         <p:spPr>
@@ -6586,7 +6575,7 @@
           </a:prstGeom>
         </p:spPr>
         <p:txBody>
-          <a:bodyPr anchorCtr="0" anchor="ctr" bIns="91425" lIns="91425" spcFirstLastPara="1" rIns="91425" wrap="square" tIns="91425">
+          <a:bodyPr spcFirstLastPara="1" wrap="square" lIns="91425" tIns="91425" rIns="91425" bIns="91425" anchor="ctr" anchorCtr="0">
             <a:normAutofit/>
           </a:bodyPr>
           <a:lstStyle>
@@ -6628,7 +6617,7 @@
             </a:lvl9pPr>
           </a:lstStyle>
           <a:p>
-            <a:pPr indent="0" lvl="0" marL="0" rtl="0" algn="r">
+            <a:pPr marL="0" lvl="0" indent="0" algn="r" rtl="0">
               <a:spcBef>
                 <a:spcPts val="0"/>
               </a:spcBef>
@@ -6654,11 +6643,11 @@
 </file>
 
 <file path=ppt/slideLayouts/slideLayout7.xml><?xml version="1.0" encoding="utf-8"?>
-<p:sldLayout xmlns:a="http://schemas.openxmlformats.org/drawingml/2006/main" xmlns:r="http://schemas.openxmlformats.org/officeDocument/2006/relationships" xmlns:mc="http://schemas.openxmlformats.org/markup-compatibility/2006" xmlns:mv="urn:schemas-microsoft-com:mac:vml" xmlns:p="http://schemas.openxmlformats.org/presentationml/2006/main" xmlns:c="http://schemas.openxmlformats.org/drawingml/2006/chart" xmlns:dgm="http://schemas.openxmlformats.org/drawingml/2006/diagram" xmlns:o="urn:schemas-microsoft-com:office:office" xmlns:v="urn:schemas-microsoft-com:vml" xmlns:pvml="urn:schemas-microsoft-com:office:powerpoint" xmlns:com="http://schemas.openxmlformats.org/drawingml/2006/compatibility" xmlns:p14="http://schemas.microsoft.com/office/powerpoint/2010/main" xmlns:p15="http://schemas.microsoft.com/office/powerpoint/2012/main" xmlns:ahyp="http://schemas.microsoft.com/office/drawing/2018/hyperlinkcolor" matchingName="Main point">
+<p:sldLayout xmlns:a="http://schemas.openxmlformats.org/drawingml/2006/main" xmlns:r="http://schemas.openxmlformats.org/officeDocument/2006/relationships" xmlns:p="http://schemas.openxmlformats.org/presentationml/2006/main" matchingName="Main point">
   <p:cSld name="MAIN_POINT">
     <p:spTree>
       <p:nvGrpSpPr>
-        <p:cNvPr id="69" name="Shape 69"/>
+        <p:cNvPr id="1" name="Shape 69"/>
         <p:cNvGrpSpPr/>
         <p:nvPr/>
       </p:nvGrpSpPr>
@@ -6697,7 +6686,7 @@
             </a:xfrm>
             <a:prstGeom prst="diagStripe">
               <a:avLst>
-                <a:gd fmla="val 49469" name="adj"/>
+                <a:gd name="adj" fmla="val 49469"/>
               </a:avLst>
             </a:prstGeom>
             <a:solidFill>
@@ -6710,12 +6699,12 @@
             </a:ln>
           </p:spPr>
           <p:txBody>
-            <a:bodyPr anchorCtr="0" anchor="ctr" bIns="91425" lIns="91425" spcFirstLastPara="1" rIns="91425" wrap="square" tIns="91425">
+            <a:bodyPr spcFirstLastPara="1" wrap="square" lIns="91425" tIns="91425" rIns="91425" bIns="91425" anchor="ctr" anchorCtr="0">
               <a:noAutofit/>
             </a:bodyPr>
             <a:lstStyle/>
             <a:p>
-              <a:pPr indent="0" lvl="0" marL="0" rtl="0" algn="l">
+              <a:pPr marL="0" lvl="0" indent="0" algn="l" rtl="0">
                 <a:spcBef>
                   <a:spcPts val="0"/>
                 </a:spcBef>
@@ -6724,9 +6713,6 @@
                 </a:spcAft>
                 <a:buNone/>
               </a:pPr>
-              <a:r>
-                <a:t/>
-              </a:r>
               <a:endParaRPr/>
             </a:p>
           </p:txBody>
@@ -6744,7 +6730,7 @@
             </a:xfrm>
             <a:prstGeom prst="diagStripe">
               <a:avLst>
-                <a:gd fmla="val 0" name="adj"/>
+                <a:gd name="adj" fmla="val 0"/>
               </a:avLst>
             </a:prstGeom>
             <a:solidFill>
@@ -6757,12 +6743,12 @@
             </a:ln>
           </p:spPr>
           <p:txBody>
-            <a:bodyPr anchorCtr="0" anchor="ctr" bIns="91425" lIns="91425" spcFirstLastPara="1" rIns="91425" wrap="square" tIns="91425">
+            <a:bodyPr spcFirstLastPara="1" wrap="square" lIns="91425" tIns="91425" rIns="91425" bIns="91425" anchor="ctr" anchorCtr="0">
               <a:noAutofit/>
             </a:bodyPr>
             <a:lstStyle/>
             <a:p>
-              <a:pPr indent="0" lvl="0" marL="0" rtl="0" algn="l">
+              <a:pPr marL="0" lvl="0" indent="0" algn="l" rtl="0">
                 <a:spcBef>
                   <a:spcPts val="0"/>
                 </a:spcBef>
@@ -6771,9 +6757,6 @@
                 </a:spcAft>
                 <a:buNone/>
               </a:pPr>
-              <a:r>
-                <a:t/>
-              </a:r>
               <a:endParaRPr/>
             </a:p>
           </p:txBody>
@@ -6791,7 +6774,7 @@
             </a:xfrm>
             <a:prstGeom prst="diagStripe">
               <a:avLst>
-                <a:gd fmla="val 50000" name="adj"/>
+                <a:gd name="adj" fmla="val 50000"/>
               </a:avLst>
             </a:prstGeom>
             <a:solidFill>
@@ -6804,12 +6787,12 @@
             </a:ln>
           </p:spPr>
           <p:txBody>
-            <a:bodyPr anchorCtr="0" anchor="ctr" bIns="91425" lIns="91425" spcFirstLastPara="1" rIns="91425" wrap="square" tIns="91425">
+            <a:bodyPr spcFirstLastPara="1" wrap="square" lIns="91425" tIns="91425" rIns="91425" bIns="91425" anchor="ctr" anchorCtr="0">
               <a:noAutofit/>
             </a:bodyPr>
             <a:lstStyle/>
             <a:p>
-              <a:pPr indent="0" lvl="0" marL="0" rtl="0" algn="l">
+              <a:pPr marL="0" lvl="0" indent="0" algn="l" rtl="0">
                 <a:spcBef>
                   <a:spcPts val="0"/>
                 </a:spcBef>
@@ -6818,9 +6801,6 @@
                 </a:spcAft>
                 <a:buNone/>
               </a:pPr>
-              <a:r>
-                <a:t/>
-              </a:r>
               <a:endParaRPr/>
             </a:p>
           </p:txBody>
@@ -6838,7 +6818,7 @@
             </a:xfrm>
             <a:prstGeom prst="diagStripe">
               <a:avLst>
-                <a:gd fmla="val 50000" name="adj"/>
+                <a:gd name="adj" fmla="val 50000"/>
               </a:avLst>
             </a:prstGeom>
             <a:solidFill>
@@ -6851,12 +6831,12 @@
             </a:ln>
           </p:spPr>
           <p:txBody>
-            <a:bodyPr anchorCtr="0" anchor="ctr" bIns="91425" lIns="91425" spcFirstLastPara="1" rIns="91425" wrap="square" tIns="91425">
+            <a:bodyPr spcFirstLastPara="1" wrap="square" lIns="91425" tIns="91425" rIns="91425" bIns="91425" anchor="ctr" anchorCtr="0">
               <a:noAutofit/>
             </a:bodyPr>
             <a:lstStyle/>
             <a:p>
-              <a:pPr indent="0" lvl="0" marL="0" rtl="0" algn="l">
+              <a:pPr marL="0" lvl="0" indent="0" algn="l" rtl="0">
                 <a:spcBef>
                   <a:spcPts val="0"/>
                 </a:spcBef>
@@ -6865,9 +6845,6 @@
                 </a:spcAft>
                 <a:buNone/>
               </a:pPr>
-              <a:r>
-                <a:t/>
-              </a:r>
               <a:endParaRPr/>
             </a:p>
           </p:txBody>
@@ -6885,7 +6862,7 @@
             </a:xfrm>
             <a:prstGeom prst="diagStripe">
               <a:avLst>
-                <a:gd fmla="val 50000" name="adj"/>
+                <a:gd name="adj" fmla="val 50000"/>
               </a:avLst>
             </a:prstGeom>
             <a:solidFill>
@@ -6898,12 +6875,12 @@
             </a:ln>
           </p:spPr>
           <p:txBody>
-            <a:bodyPr anchorCtr="0" anchor="ctr" bIns="91425" lIns="91425" spcFirstLastPara="1" rIns="91425" wrap="square" tIns="91425">
+            <a:bodyPr spcFirstLastPara="1" wrap="square" lIns="91425" tIns="91425" rIns="91425" bIns="91425" anchor="ctr" anchorCtr="0">
               <a:noAutofit/>
             </a:bodyPr>
             <a:lstStyle/>
             <a:p>
-              <a:pPr indent="0" lvl="0" marL="0" rtl="0" algn="l">
+              <a:pPr marL="0" lvl="0" indent="0" algn="l" rtl="0">
                 <a:spcBef>
                   <a:spcPts val="0"/>
                 </a:spcBef>
@@ -6912,9 +6889,6 @@
                 </a:spcAft>
                 <a:buNone/>
               </a:pPr>
-              <a:r>
-                <a:t/>
-              </a:r>
               <a:endParaRPr/>
             </a:p>
           </p:txBody>
@@ -6932,7 +6906,7 @@
             </a:xfrm>
             <a:prstGeom prst="diagStripe">
               <a:avLst>
-                <a:gd fmla="val 50000" name="adj"/>
+                <a:gd name="adj" fmla="val 50000"/>
               </a:avLst>
             </a:prstGeom>
             <a:solidFill>
@@ -6945,12 +6919,12 @@
             </a:ln>
           </p:spPr>
           <p:txBody>
-            <a:bodyPr anchorCtr="0" anchor="ctr" bIns="91425" lIns="91425" spcFirstLastPara="1" rIns="91425" wrap="square" tIns="91425">
+            <a:bodyPr spcFirstLastPara="1" wrap="square" lIns="91425" tIns="91425" rIns="91425" bIns="91425" anchor="ctr" anchorCtr="0">
               <a:noAutofit/>
             </a:bodyPr>
             <a:lstStyle/>
             <a:p>
-              <a:pPr indent="0" lvl="0" marL="0" rtl="0" algn="l">
+              <a:pPr marL="0" lvl="0" indent="0" algn="l" rtl="0">
                 <a:spcBef>
                   <a:spcPts val="0"/>
                 </a:spcBef>
@@ -6959,9 +6933,6 @@
                 </a:spcAft>
                 <a:buNone/>
               </a:pPr>
-              <a:r>
-                <a:t/>
-              </a:r>
               <a:endParaRPr/>
             </a:p>
           </p:txBody>
@@ -6979,7 +6950,7 @@
             </a:xfrm>
             <a:prstGeom prst="diagStripe">
               <a:avLst>
-                <a:gd fmla="val 50000" name="adj"/>
+                <a:gd name="adj" fmla="val 50000"/>
               </a:avLst>
             </a:prstGeom>
             <a:solidFill>
@@ -6992,12 +6963,12 @@
             </a:ln>
           </p:spPr>
           <p:txBody>
-            <a:bodyPr anchorCtr="0" anchor="ctr" bIns="91425" lIns="91425" spcFirstLastPara="1" rIns="91425" wrap="square" tIns="91425">
+            <a:bodyPr spcFirstLastPara="1" wrap="square" lIns="91425" tIns="91425" rIns="91425" bIns="91425" anchor="ctr" anchorCtr="0">
               <a:noAutofit/>
             </a:bodyPr>
             <a:lstStyle/>
             <a:p>
-              <a:pPr indent="0" lvl="0" marL="0" rtl="0" algn="l">
+              <a:pPr marL="0" lvl="0" indent="0" algn="l" rtl="0">
                 <a:spcBef>
                   <a:spcPts val="0"/>
                 </a:spcBef>
@@ -7006,9 +6977,6 @@
                 </a:spcAft>
                 <a:buNone/>
               </a:pPr>
-              <a:r>
-                <a:t/>
-              </a:r>
               <a:endParaRPr/>
             </a:p>
           </p:txBody>
@@ -7026,7 +6994,7 @@
             </a:xfrm>
             <a:prstGeom prst="diagStripe">
               <a:avLst>
-                <a:gd fmla="val 50000" name="adj"/>
+                <a:gd name="adj" fmla="val 50000"/>
               </a:avLst>
             </a:prstGeom>
             <a:solidFill>
@@ -7037,12 +7005,12 @@
             </a:ln>
           </p:spPr>
           <p:txBody>
-            <a:bodyPr anchorCtr="0" anchor="ctr" bIns="91425" lIns="91425" spcFirstLastPara="1" rIns="91425" wrap="square" tIns="91425">
+            <a:bodyPr spcFirstLastPara="1" wrap="square" lIns="91425" tIns="91425" rIns="91425" bIns="91425" anchor="ctr" anchorCtr="0">
               <a:noAutofit/>
             </a:bodyPr>
             <a:lstStyle/>
             <a:p>
-              <a:pPr indent="0" lvl="0" marL="0" rtl="0" algn="l">
+              <a:pPr marL="0" lvl="0" indent="0" algn="l" rtl="0">
                 <a:spcBef>
                   <a:spcPts val="0"/>
                 </a:spcBef>
@@ -7051,9 +7019,6 @@
                 </a:spcAft>
                 <a:buNone/>
               </a:pPr>
-              <a:r>
-                <a:t/>
-              </a:r>
               <a:endParaRPr/>
             </a:p>
           </p:txBody>
@@ -7071,7 +7036,7 @@
             </a:xfrm>
             <a:prstGeom prst="diagStripe">
               <a:avLst>
-                <a:gd fmla="val 50000" name="adj"/>
+                <a:gd name="adj" fmla="val 50000"/>
               </a:avLst>
             </a:prstGeom>
             <a:solidFill>
@@ -7084,12 +7049,12 @@
             </a:ln>
           </p:spPr>
           <p:txBody>
-            <a:bodyPr anchorCtr="0" anchor="ctr" bIns="91425" lIns="91425" spcFirstLastPara="1" rIns="91425" wrap="square" tIns="91425">
+            <a:bodyPr spcFirstLastPara="1" wrap="square" lIns="91425" tIns="91425" rIns="91425" bIns="91425" anchor="ctr" anchorCtr="0">
               <a:noAutofit/>
             </a:bodyPr>
             <a:lstStyle/>
             <a:p>
-              <a:pPr indent="0" lvl="0" marL="0" rtl="0" algn="l">
+              <a:pPr marL="0" lvl="0" indent="0" algn="l" rtl="0">
                 <a:spcBef>
                   <a:spcPts val="0"/>
                 </a:spcBef>
@@ -7098,9 +7063,6 @@
                 </a:spcAft>
                 <a:buNone/>
               </a:pPr>
-              <a:r>
-                <a:t/>
-              </a:r>
               <a:endParaRPr/>
             </a:p>
           </p:txBody>
@@ -7118,7 +7080,7 @@
             </a:xfrm>
             <a:prstGeom prst="diagStripe">
               <a:avLst>
-                <a:gd fmla="val 50000" name="adj"/>
+                <a:gd name="adj" fmla="val 50000"/>
               </a:avLst>
             </a:prstGeom>
             <a:solidFill>
@@ -7131,12 +7093,12 @@
             </a:ln>
           </p:spPr>
           <p:txBody>
-            <a:bodyPr anchorCtr="0" anchor="ctr" bIns="91425" lIns="91425" spcFirstLastPara="1" rIns="91425" wrap="square" tIns="91425">
+            <a:bodyPr spcFirstLastPara="1" wrap="square" lIns="91425" tIns="91425" rIns="91425" bIns="91425" anchor="ctr" anchorCtr="0">
               <a:noAutofit/>
             </a:bodyPr>
             <a:lstStyle/>
             <a:p>
-              <a:pPr indent="0" lvl="0" marL="0" rtl="0" algn="l">
+              <a:pPr marL="0" lvl="0" indent="0" algn="l" rtl="0">
                 <a:spcBef>
                   <a:spcPts val="0"/>
                 </a:spcBef>
@@ -7145,9 +7107,6 @@
                 </a:spcAft>
                 <a:buNone/>
               </a:pPr>
-              <a:r>
-                <a:t/>
-              </a:r>
               <a:endParaRPr/>
             </a:p>
           </p:txBody>
@@ -7165,7 +7124,7 @@
             </a:xfrm>
             <a:prstGeom prst="diagStripe">
               <a:avLst>
-                <a:gd fmla="val 50000" name="adj"/>
+                <a:gd name="adj" fmla="val 50000"/>
               </a:avLst>
             </a:prstGeom>
             <a:solidFill>
@@ -7178,12 +7137,12 @@
             </a:ln>
           </p:spPr>
           <p:txBody>
-            <a:bodyPr anchorCtr="0" anchor="ctr" bIns="91425" lIns="91425" spcFirstLastPara="1" rIns="91425" wrap="square" tIns="91425">
+            <a:bodyPr spcFirstLastPara="1" wrap="square" lIns="91425" tIns="91425" rIns="91425" bIns="91425" anchor="ctr" anchorCtr="0">
               <a:noAutofit/>
             </a:bodyPr>
             <a:lstStyle/>
             <a:p>
-              <a:pPr indent="0" lvl="0" marL="0" rtl="0" algn="l">
+              <a:pPr marL="0" lvl="0" indent="0" algn="l" rtl="0">
                 <a:spcBef>
                   <a:spcPts val="0"/>
                 </a:spcBef>
@@ -7192,9 +7151,6 @@
                 </a:spcAft>
                 <a:buNone/>
               </a:pPr>
-              <a:r>
-                <a:t/>
-              </a:r>
               <a:endParaRPr/>
             </a:p>
           </p:txBody>
@@ -7212,7 +7168,7 @@
             </a:xfrm>
             <a:prstGeom prst="diagStripe">
               <a:avLst>
-                <a:gd fmla="val 50000" name="adj"/>
+                <a:gd name="adj" fmla="val 50000"/>
               </a:avLst>
             </a:prstGeom>
             <a:solidFill>
@@ -7225,12 +7181,12 @@
             </a:ln>
           </p:spPr>
           <p:txBody>
-            <a:bodyPr anchorCtr="0" anchor="ctr" bIns="91425" lIns="91425" spcFirstLastPara="1" rIns="91425" wrap="square" tIns="91425">
+            <a:bodyPr spcFirstLastPara="1" wrap="square" lIns="91425" tIns="91425" rIns="91425" bIns="91425" anchor="ctr" anchorCtr="0">
               <a:noAutofit/>
             </a:bodyPr>
             <a:lstStyle/>
             <a:p>
-              <a:pPr indent="0" lvl="0" marL="0" rtl="0" algn="l">
+              <a:pPr marL="0" lvl="0" indent="0" algn="l" rtl="0">
                 <a:spcBef>
                   <a:spcPts val="0"/>
                 </a:spcBef>
@@ -7239,9 +7195,6 @@
                 </a:spcAft>
                 <a:buNone/>
               </a:pPr>
-              <a:r>
-                <a:t/>
-              </a:r>
               <a:endParaRPr/>
             </a:p>
           </p:txBody>
@@ -7259,7 +7212,7 @@
             </a:xfrm>
             <a:prstGeom prst="diagStripe">
               <a:avLst>
-                <a:gd fmla="val 50000" name="adj"/>
+                <a:gd name="adj" fmla="val 50000"/>
               </a:avLst>
             </a:prstGeom>
             <a:solidFill>
@@ -7272,12 +7225,12 @@
             </a:ln>
           </p:spPr>
           <p:txBody>
-            <a:bodyPr anchorCtr="0" anchor="ctr" bIns="91425" lIns="91425" spcFirstLastPara="1" rIns="91425" wrap="square" tIns="91425">
+            <a:bodyPr spcFirstLastPara="1" wrap="square" lIns="91425" tIns="91425" rIns="91425" bIns="91425" anchor="ctr" anchorCtr="0">
               <a:noAutofit/>
             </a:bodyPr>
             <a:lstStyle/>
             <a:p>
-              <a:pPr indent="0" lvl="0" marL="0" rtl="0" algn="l">
+              <a:pPr marL="0" lvl="0" indent="0" algn="l" rtl="0">
                 <a:spcBef>
                   <a:spcPts val="0"/>
                 </a:spcBef>
@@ -7286,9 +7239,6 @@
                 </a:spcAft>
                 <a:buNone/>
               </a:pPr>
-              <a:r>
-                <a:t/>
-              </a:r>
               <a:endParaRPr/>
             </a:p>
           </p:txBody>
@@ -7306,7 +7256,7 @@
             </a:xfrm>
             <a:prstGeom prst="diagStripe">
               <a:avLst>
-                <a:gd fmla="val 50000" name="adj"/>
+                <a:gd name="adj" fmla="val 50000"/>
               </a:avLst>
             </a:prstGeom>
             <a:solidFill>
@@ -7317,12 +7267,12 @@
             </a:ln>
           </p:spPr>
           <p:txBody>
-            <a:bodyPr anchorCtr="0" anchor="ctr" bIns="91425" lIns="91425" spcFirstLastPara="1" rIns="91425" wrap="square" tIns="91425">
+            <a:bodyPr spcFirstLastPara="1" wrap="square" lIns="91425" tIns="91425" rIns="91425" bIns="91425" anchor="ctr" anchorCtr="0">
               <a:noAutofit/>
             </a:bodyPr>
             <a:lstStyle/>
             <a:p>
-              <a:pPr indent="0" lvl="0" marL="0" rtl="0" algn="l">
+              <a:pPr marL="0" lvl="0" indent="0" algn="l" rtl="0">
                 <a:spcBef>
                   <a:spcPts val="0"/>
                 </a:spcBef>
@@ -7331,9 +7281,6 @@
                 </a:spcAft>
                 <a:buNone/>
               </a:pPr>
-              <a:r>
-                <a:t/>
-              </a:r>
               <a:endParaRPr/>
             </a:p>
           </p:txBody>
@@ -7351,7 +7298,7 @@
             </a:xfrm>
             <a:prstGeom prst="diagStripe">
               <a:avLst>
-                <a:gd fmla="val 50000" name="adj"/>
+                <a:gd name="adj" fmla="val 50000"/>
               </a:avLst>
             </a:prstGeom>
             <a:solidFill>
@@ -7364,12 +7311,12 @@
             </a:ln>
           </p:spPr>
           <p:txBody>
-            <a:bodyPr anchorCtr="0" anchor="ctr" bIns="91425" lIns="91425" spcFirstLastPara="1" rIns="91425" wrap="square" tIns="91425">
+            <a:bodyPr spcFirstLastPara="1" wrap="square" lIns="91425" tIns="91425" rIns="91425" bIns="91425" anchor="ctr" anchorCtr="0">
               <a:noAutofit/>
             </a:bodyPr>
             <a:lstStyle/>
             <a:p>
-              <a:pPr indent="0" lvl="0" marL="0" rtl="0" algn="l">
+              <a:pPr marL="0" lvl="0" indent="0" algn="l" rtl="0">
                 <a:spcBef>
                   <a:spcPts val="0"/>
                 </a:spcBef>
@@ -7378,9 +7325,6 @@
                 </a:spcAft>
                 <a:buNone/>
               </a:pPr>
-              <a:r>
-                <a:t/>
-              </a:r>
               <a:endParaRPr/>
             </a:p>
           </p:txBody>
@@ -7398,7 +7342,7 @@
             </a:xfrm>
             <a:prstGeom prst="diagStripe">
               <a:avLst>
-                <a:gd fmla="val 50000" name="adj"/>
+                <a:gd name="adj" fmla="val 50000"/>
               </a:avLst>
             </a:prstGeom>
             <a:solidFill>
@@ -7411,12 +7355,12 @@
             </a:ln>
           </p:spPr>
           <p:txBody>
-            <a:bodyPr anchorCtr="0" anchor="ctr" bIns="91425" lIns="91425" spcFirstLastPara="1" rIns="91425" wrap="square" tIns="91425">
+            <a:bodyPr spcFirstLastPara="1" wrap="square" lIns="91425" tIns="91425" rIns="91425" bIns="91425" anchor="ctr" anchorCtr="0">
               <a:noAutofit/>
             </a:bodyPr>
             <a:lstStyle/>
             <a:p>
-              <a:pPr indent="0" lvl="0" marL="0" rtl="0" algn="l">
+              <a:pPr marL="0" lvl="0" indent="0" algn="l" rtl="0">
                 <a:spcBef>
                   <a:spcPts val="0"/>
                 </a:spcBef>
@@ -7425,9 +7369,6 @@
                 </a:spcAft>
                 <a:buNone/>
               </a:pPr>
-              <a:r>
-                <a:t/>
-              </a:r>
               <a:endParaRPr/>
             </a:p>
           </p:txBody>
@@ -7445,7 +7386,7 @@
             </a:xfrm>
             <a:prstGeom prst="diagStripe">
               <a:avLst>
-                <a:gd fmla="val 50000" name="adj"/>
+                <a:gd name="adj" fmla="val 50000"/>
               </a:avLst>
             </a:prstGeom>
             <a:solidFill>
@@ -7458,12 +7399,12 @@
             </a:ln>
           </p:spPr>
           <p:txBody>
-            <a:bodyPr anchorCtr="0" anchor="ctr" bIns="91425" lIns="91425" spcFirstLastPara="1" rIns="91425" wrap="square" tIns="91425">
+            <a:bodyPr spcFirstLastPara="1" wrap="square" lIns="91425" tIns="91425" rIns="91425" bIns="91425" anchor="ctr" anchorCtr="0">
               <a:noAutofit/>
             </a:bodyPr>
             <a:lstStyle/>
             <a:p>
-              <a:pPr indent="0" lvl="0" marL="0" rtl="0" algn="l">
+              <a:pPr marL="0" lvl="0" indent="0" algn="l" rtl="0">
                 <a:spcBef>
                   <a:spcPts val="0"/>
                 </a:spcBef>
@@ -7472,9 +7413,6 @@
                 </a:spcAft>
                 <a:buNone/>
               </a:pPr>
-              <a:r>
-                <a:t/>
-              </a:r>
               <a:endParaRPr/>
             </a:p>
           </p:txBody>
@@ -7492,7 +7430,7 @@
             </a:xfrm>
             <a:prstGeom prst="diagStripe">
               <a:avLst>
-                <a:gd fmla="val 50000" name="adj"/>
+                <a:gd name="adj" fmla="val 50000"/>
               </a:avLst>
             </a:prstGeom>
             <a:solidFill>
@@ -7505,12 +7443,12 @@
             </a:ln>
           </p:spPr>
           <p:txBody>
-            <a:bodyPr anchorCtr="0" anchor="ctr" bIns="91425" lIns="91425" spcFirstLastPara="1" rIns="91425" wrap="square" tIns="91425">
+            <a:bodyPr spcFirstLastPara="1" wrap="square" lIns="91425" tIns="91425" rIns="91425" bIns="91425" anchor="ctr" anchorCtr="0">
               <a:noAutofit/>
             </a:bodyPr>
             <a:lstStyle/>
             <a:p>
-              <a:pPr indent="0" lvl="0" marL="0" rtl="0" algn="l">
+              <a:pPr marL="0" lvl="0" indent="0" algn="l" rtl="0">
                 <a:spcBef>
                   <a:spcPts val="0"/>
                 </a:spcBef>
@@ -7519,9 +7457,6 @@
                 </a:spcAft>
                 <a:buNone/>
               </a:pPr>
-              <a:r>
-                <a:t/>
-              </a:r>
               <a:endParaRPr/>
             </a:p>
           </p:txBody>
@@ -7530,7 +7465,9 @@
       <p:sp>
         <p:nvSpPr>
           <p:cNvPr id="89" name="Google Shape;89;p8"/>
-          <p:cNvSpPr txBox="1"/>
+          <p:cNvSpPr txBox="1">
+            <a:spLocks noGrp="1"/>
+          </p:cNvSpPr>
           <p:nvPr>
             <p:ph type="title"/>
           </p:nvPr>
@@ -7545,7 +7482,7 @@
           </a:prstGeom>
         </p:spPr>
         <p:txBody>
-          <a:bodyPr anchorCtr="0" anchor="ctr" bIns="91425" lIns="91425" spcFirstLastPara="1" rIns="91425" wrap="square" tIns="91425">
+          <a:bodyPr spcFirstLastPara="1" wrap="square" lIns="91425" tIns="91425" rIns="91425" bIns="91425" anchor="ctr" anchorCtr="0">
             <a:normAutofit/>
           </a:bodyPr>
           <a:lstStyle>
@@ -7649,15 +7586,19 @@
               <a:defRPr/>
             </a:lvl9pPr>
           </a:lstStyle>
-          <a:p/>
+          <a:p>
+            <a:endParaRPr/>
+          </a:p>
         </p:txBody>
       </p:sp>
       <p:sp>
         <p:nvSpPr>
           <p:cNvPr id="90" name="Google Shape;90;p8"/>
-          <p:cNvSpPr txBox="1"/>
+          <p:cNvSpPr txBox="1">
+            <a:spLocks noGrp="1"/>
+          </p:cNvSpPr>
           <p:nvPr>
-            <p:ph idx="12" type="sldNum"/>
+            <p:ph type="sldNum" idx="12"/>
           </p:nvPr>
         </p:nvSpPr>
         <p:spPr>
@@ -7670,7 +7611,7 @@
           </a:prstGeom>
         </p:spPr>
         <p:txBody>
-          <a:bodyPr anchorCtr="0" anchor="ctr" bIns="91425" lIns="91425" spcFirstLastPara="1" rIns="91425" wrap="square" tIns="91425">
+          <a:bodyPr spcFirstLastPara="1" wrap="square" lIns="91425" tIns="91425" rIns="91425" bIns="91425" anchor="ctr" anchorCtr="0">
             <a:normAutofit/>
           </a:bodyPr>
           <a:lstStyle>
@@ -7712,7 +7653,7 @@
             </a:lvl9pPr>
           </a:lstStyle>
           <a:p>
-            <a:pPr indent="0" lvl="0" marL="0" rtl="0" algn="r">
+            <a:pPr marL="0" lvl="0" indent="0" algn="r" rtl="0">
               <a:spcBef>
                 <a:spcPts val="0"/>
               </a:spcBef>
@@ -7738,11 +7679,11 @@
 </file>
 
 <file path=ppt/slideLayouts/slideLayout8.xml><?xml version="1.0" encoding="utf-8"?>
-<p:sldLayout xmlns:a="http://schemas.openxmlformats.org/drawingml/2006/main" xmlns:r="http://schemas.openxmlformats.org/officeDocument/2006/relationships" xmlns:mc="http://schemas.openxmlformats.org/markup-compatibility/2006" xmlns:mv="urn:schemas-microsoft-com:mac:vml" xmlns:p="http://schemas.openxmlformats.org/presentationml/2006/main" xmlns:c="http://schemas.openxmlformats.org/drawingml/2006/chart" xmlns:dgm="http://schemas.openxmlformats.org/drawingml/2006/diagram" xmlns:o="urn:schemas-microsoft-com:office:office" xmlns:v="urn:schemas-microsoft-com:vml" xmlns:pvml="urn:schemas-microsoft-com:office:powerpoint" xmlns:com="http://schemas.openxmlformats.org/drawingml/2006/compatibility" xmlns:p14="http://schemas.microsoft.com/office/powerpoint/2010/main" xmlns:p15="http://schemas.microsoft.com/office/powerpoint/2012/main" xmlns:ahyp="http://schemas.microsoft.com/office/drawing/2018/hyperlinkcolor" matchingName="Section title and description">
+<p:sldLayout xmlns:a="http://schemas.openxmlformats.org/drawingml/2006/main" xmlns:r="http://schemas.openxmlformats.org/officeDocument/2006/relationships" xmlns:p="http://schemas.openxmlformats.org/presentationml/2006/main" matchingName="Section title and description">
   <p:cSld name="SECTION_TITLE_AND_DESCRIPTION">
     <p:spTree>
       <p:nvGrpSpPr>
-        <p:cNvPr id="91" name="Shape 91"/>
+        <p:cNvPr id="1" name="Shape 91"/>
         <p:cNvGrpSpPr/>
         <p:nvPr/>
       </p:nvGrpSpPr>
@@ -7781,7 +7722,7 @@
             </a:xfrm>
             <a:prstGeom prst="diagStripe">
               <a:avLst>
-                <a:gd fmla="val 50000" name="adj"/>
+                <a:gd name="adj" fmla="val 50000"/>
               </a:avLst>
             </a:prstGeom>
             <a:solidFill>
@@ -7792,12 +7733,12 @@
             </a:ln>
           </p:spPr>
           <p:txBody>
-            <a:bodyPr anchorCtr="0" anchor="ctr" bIns="91425" lIns="91425" spcFirstLastPara="1" rIns="91425" wrap="square" tIns="91425">
+            <a:bodyPr spcFirstLastPara="1" wrap="square" lIns="91425" tIns="91425" rIns="91425" bIns="91425" anchor="ctr" anchorCtr="0">
               <a:noAutofit/>
             </a:bodyPr>
             <a:lstStyle/>
             <a:p>
-              <a:pPr indent="0" lvl="0" marL="0" rtl="0" algn="l">
+              <a:pPr marL="0" lvl="0" indent="0" algn="l" rtl="0">
                 <a:spcBef>
                   <a:spcPts val="0"/>
                 </a:spcBef>
@@ -7806,9 +7747,6 @@
                 </a:spcAft>
                 <a:buNone/>
               </a:pPr>
-              <a:r>
-                <a:t/>
-              </a:r>
               <a:endParaRPr/>
             </a:p>
           </p:txBody>
@@ -7826,7 +7764,7 @@
             </a:xfrm>
             <a:prstGeom prst="diagStripe">
               <a:avLst>
-                <a:gd fmla="val 50000" name="adj"/>
+                <a:gd name="adj" fmla="val 50000"/>
               </a:avLst>
             </a:prstGeom>
             <a:solidFill>
@@ -7837,12 +7775,12 @@
             </a:ln>
           </p:spPr>
           <p:txBody>
-            <a:bodyPr anchorCtr="0" anchor="ctr" bIns="91425" lIns="91425" spcFirstLastPara="1" rIns="91425" wrap="square" tIns="91425">
+            <a:bodyPr spcFirstLastPara="1" wrap="square" lIns="91425" tIns="91425" rIns="91425" bIns="91425" anchor="ctr" anchorCtr="0">
               <a:noAutofit/>
             </a:bodyPr>
             <a:lstStyle/>
             <a:p>
-              <a:pPr indent="0" lvl="0" marL="0" rtl="0" algn="l">
+              <a:pPr marL="0" lvl="0" indent="0" algn="l" rtl="0">
                 <a:spcBef>
                   <a:spcPts val="0"/>
                 </a:spcBef>
@@ -7851,9 +7789,6 @@
                 </a:spcAft>
                 <a:buNone/>
               </a:pPr>
-              <a:r>
-                <a:t/>
-              </a:r>
               <a:endParaRPr/>
             </a:p>
           </p:txBody>
@@ -7862,7 +7797,9 @@
       <p:sp>
         <p:nvSpPr>
           <p:cNvPr id="95" name="Google Shape;95;p9"/>
-          <p:cNvSpPr txBox="1"/>
+          <p:cNvSpPr txBox="1">
+            <a:spLocks noGrp="1"/>
+          </p:cNvSpPr>
           <p:nvPr>
             <p:ph type="title"/>
           </p:nvPr>
@@ -7877,7 +7814,7 @@
           </a:prstGeom>
         </p:spPr>
         <p:txBody>
-          <a:bodyPr anchorCtr="0" anchor="t" bIns="91425" lIns="91425" spcFirstLastPara="1" rIns="91425" wrap="square" tIns="91425">
+          <a:bodyPr spcFirstLastPara="1" wrap="square" lIns="91425" tIns="91425" rIns="91425" bIns="91425" anchor="t" anchorCtr="0">
             <a:normAutofit/>
           </a:bodyPr>
           <a:lstStyle>
@@ -7981,15 +7918,19 @@
               <a:defRPr sz="2400"/>
             </a:lvl9pPr>
           </a:lstStyle>
-          <a:p/>
+          <a:p>
+            <a:endParaRPr/>
+          </a:p>
         </p:txBody>
       </p:sp>
       <p:sp>
         <p:nvSpPr>
           <p:cNvPr id="96" name="Google Shape;96;p9"/>
-          <p:cNvSpPr txBox="1"/>
+          <p:cNvSpPr txBox="1">
+            <a:spLocks noGrp="1"/>
+          </p:cNvSpPr>
           <p:nvPr>
-            <p:ph idx="1" type="subTitle"/>
+            <p:ph type="subTitle" idx="1"/>
           </p:nvPr>
         </p:nvSpPr>
         <p:spPr>
@@ -8002,7 +7943,7 @@
           </a:prstGeom>
         </p:spPr>
         <p:txBody>
-          <a:bodyPr anchorCtr="0" anchor="t" bIns="91425" lIns="91425" spcFirstLastPara="1" rIns="91425" wrap="square" tIns="91425">
+          <a:bodyPr spcFirstLastPara="1" wrap="square" lIns="91425" tIns="91425" rIns="91425" bIns="91425" anchor="t" anchorCtr="0">
             <a:normAutofit/>
           </a:bodyPr>
           <a:lstStyle>
@@ -8133,15 +8074,19 @@
               <a:defRPr sz="1300"/>
             </a:lvl9pPr>
           </a:lstStyle>
-          <a:p/>
+          <a:p>
+            <a:endParaRPr/>
+          </a:p>
         </p:txBody>
       </p:sp>
       <p:sp>
         <p:nvSpPr>
           <p:cNvPr id="97" name="Google Shape;97;p9"/>
-          <p:cNvSpPr txBox="1"/>
+          <p:cNvSpPr txBox="1">
+            <a:spLocks noGrp="1"/>
+          </p:cNvSpPr>
           <p:nvPr>
-            <p:ph idx="2" type="body"/>
+            <p:ph type="body" idx="2"/>
           </p:nvPr>
         </p:nvSpPr>
         <p:spPr>
@@ -8154,11 +8099,11 @@
           </a:prstGeom>
         </p:spPr>
         <p:txBody>
-          <a:bodyPr anchorCtr="0" anchor="t" bIns="91425" lIns="91425" spcFirstLastPara="1" rIns="91425" wrap="square" tIns="91425">
+          <a:bodyPr spcFirstLastPara="1" wrap="square" lIns="91425" tIns="91425" rIns="91425" bIns="91425" anchor="t" anchorCtr="0">
             <a:normAutofit/>
           </a:bodyPr>
           <a:lstStyle>
-            <a:lvl1pPr indent="-311150" lvl="0" marL="457200">
+            <a:lvl1pPr marL="457200" lvl="0" indent="-311150">
               <a:spcBef>
                 <a:spcPts val="0"/>
               </a:spcBef>
@@ -8169,7 +8114,7 @@
               <a:buChar char="●"/>
               <a:defRPr/>
             </a:lvl1pPr>
-            <a:lvl2pPr indent="-298450" lvl="1" marL="914400">
+            <a:lvl2pPr marL="914400" lvl="1" indent="-298450">
               <a:spcBef>
                 <a:spcPts val="0"/>
               </a:spcBef>
@@ -8180,7 +8125,7 @@
               <a:buChar char="○"/>
               <a:defRPr/>
             </a:lvl2pPr>
-            <a:lvl3pPr indent="-298450" lvl="2" marL="1371600">
+            <a:lvl3pPr marL="1371600" lvl="2" indent="-298450">
               <a:spcBef>
                 <a:spcPts val="0"/>
               </a:spcBef>
@@ -8191,7 +8136,7 @@
               <a:buChar char="■"/>
               <a:defRPr/>
             </a:lvl3pPr>
-            <a:lvl4pPr indent="-298450" lvl="3" marL="1828800">
+            <a:lvl4pPr marL="1828800" lvl="3" indent="-298450">
               <a:spcBef>
                 <a:spcPts val="0"/>
               </a:spcBef>
@@ -8202,7 +8147,7 @@
               <a:buChar char="●"/>
               <a:defRPr/>
             </a:lvl4pPr>
-            <a:lvl5pPr indent="-298450" lvl="4" marL="2286000">
+            <a:lvl5pPr marL="2286000" lvl="4" indent="-298450">
               <a:spcBef>
                 <a:spcPts val="0"/>
               </a:spcBef>
@@ -8213,7 +8158,7 @@
               <a:buChar char="○"/>
               <a:defRPr/>
             </a:lvl5pPr>
-            <a:lvl6pPr indent="-298450" lvl="5" marL="2743200">
+            <a:lvl6pPr marL="2743200" lvl="5" indent="-298450">
               <a:spcBef>
                 <a:spcPts val="0"/>
               </a:spcBef>
@@ -8224,7 +8169,7 @@
               <a:buChar char="■"/>
               <a:defRPr/>
             </a:lvl6pPr>
-            <a:lvl7pPr indent="-298450" lvl="6" marL="3200400">
+            <a:lvl7pPr marL="3200400" lvl="6" indent="-298450">
               <a:spcBef>
                 <a:spcPts val="0"/>
               </a:spcBef>
@@ -8235,7 +8180,7 @@
               <a:buChar char="●"/>
               <a:defRPr/>
             </a:lvl7pPr>
-            <a:lvl8pPr indent="-298450" lvl="7" marL="3657600">
+            <a:lvl8pPr marL="3657600" lvl="7" indent="-298450">
               <a:spcBef>
                 <a:spcPts val="0"/>
               </a:spcBef>
@@ -8246,7 +8191,7 @@
               <a:buChar char="○"/>
               <a:defRPr/>
             </a:lvl8pPr>
-            <a:lvl9pPr indent="-298450" lvl="8" marL="4114800">
+            <a:lvl9pPr marL="4114800" lvl="8" indent="-298450">
               <a:spcBef>
                 <a:spcPts val="0"/>
               </a:spcBef>
@@ -8258,15 +8203,19 @@
               <a:defRPr/>
             </a:lvl9pPr>
           </a:lstStyle>
-          <a:p/>
+          <a:p>
+            <a:endParaRPr/>
+          </a:p>
         </p:txBody>
       </p:sp>
       <p:sp>
         <p:nvSpPr>
           <p:cNvPr id="98" name="Google Shape;98;p9"/>
-          <p:cNvSpPr txBox="1"/>
+          <p:cNvSpPr txBox="1">
+            <a:spLocks noGrp="1"/>
+          </p:cNvSpPr>
           <p:nvPr>
-            <p:ph idx="12" type="sldNum"/>
+            <p:ph type="sldNum" idx="12"/>
           </p:nvPr>
         </p:nvSpPr>
         <p:spPr>
@@ -8279,7 +8228,7 @@
           </a:prstGeom>
         </p:spPr>
         <p:txBody>
-          <a:bodyPr anchorCtr="0" anchor="ctr" bIns="91425" lIns="91425" spcFirstLastPara="1" rIns="91425" wrap="square" tIns="91425">
+          <a:bodyPr spcFirstLastPara="1" wrap="square" lIns="91425" tIns="91425" rIns="91425" bIns="91425" anchor="ctr" anchorCtr="0">
             <a:normAutofit/>
           </a:bodyPr>
           <a:lstStyle>
@@ -8321,7 +8270,7 @@
             </a:lvl9pPr>
           </a:lstStyle>
           <a:p>
-            <a:pPr indent="0" lvl="0" marL="0" rtl="0" algn="r">
+            <a:pPr marL="0" lvl="0" indent="0" algn="r" rtl="0">
               <a:spcBef>
                 <a:spcPts val="0"/>
               </a:spcBef>
@@ -8347,11 +8296,11 @@
 </file>
 
 <file path=ppt/slideLayouts/slideLayout9.xml><?xml version="1.0" encoding="utf-8"?>
-<p:sldLayout xmlns:a="http://schemas.openxmlformats.org/drawingml/2006/main" xmlns:r="http://schemas.openxmlformats.org/officeDocument/2006/relationships" xmlns:mc="http://schemas.openxmlformats.org/markup-compatibility/2006" xmlns:mv="urn:schemas-microsoft-com:mac:vml" xmlns:p="http://schemas.openxmlformats.org/presentationml/2006/main" xmlns:c="http://schemas.openxmlformats.org/drawingml/2006/chart" xmlns:dgm="http://schemas.openxmlformats.org/drawingml/2006/diagram" xmlns:o="urn:schemas-microsoft-com:office:office" xmlns:v="urn:schemas-microsoft-com:vml" xmlns:pvml="urn:schemas-microsoft-com:office:powerpoint" xmlns:com="http://schemas.openxmlformats.org/drawingml/2006/compatibility" xmlns:p14="http://schemas.microsoft.com/office/powerpoint/2010/main" xmlns:p15="http://schemas.microsoft.com/office/powerpoint/2012/main" xmlns:ahyp="http://schemas.microsoft.com/office/drawing/2018/hyperlinkcolor" matchingName="Caption">
+<p:sldLayout xmlns:a="http://schemas.openxmlformats.org/drawingml/2006/main" xmlns:r="http://schemas.openxmlformats.org/officeDocument/2006/relationships" xmlns:p="http://schemas.openxmlformats.org/presentationml/2006/main" matchingName="Caption">
   <p:cSld name="CAPTION_ONLY">
     <p:spTree>
       <p:nvGrpSpPr>
-        <p:cNvPr id="99" name="Shape 99"/>
+        <p:cNvPr id="1" name="Shape 99"/>
         <p:cNvGrpSpPr/>
         <p:nvPr/>
       </p:nvGrpSpPr>
@@ -8390,7 +8339,7 @@
             </a:xfrm>
             <a:prstGeom prst="diagStripe">
               <a:avLst>
-                <a:gd fmla="val 50000" name="adj"/>
+                <a:gd name="adj" fmla="val 50000"/>
               </a:avLst>
             </a:prstGeom>
             <a:solidFill>
@@ -8403,12 +8352,12 @@
             </a:ln>
           </p:spPr>
           <p:txBody>
-            <a:bodyPr anchorCtr="0" anchor="ctr" bIns="91425" lIns="91425" spcFirstLastPara="1" rIns="91425" wrap="square" tIns="91425">
+            <a:bodyPr spcFirstLastPara="1" wrap="square" lIns="91425" tIns="91425" rIns="91425" bIns="91425" anchor="ctr" anchorCtr="0">
               <a:noAutofit/>
             </a:bodyPr>
             <a:lstStyle/>
             <a:p>
-              <a:pPr indent="0" lvl="0" marL="0" rtl="0" algn="l">
+              <a:pPr marL="0" lvl="0" indent="0" algn="l" rtl="0">
                 <a:spcBef>
                   <a:spcPts val="0"/>
                 </a:spcBef>
@@ -8417,9 +8366,6 @@
                 </a:spcAft>
                 <a:buNone/>
               </a:pPr>
-              <a:r>
-                <a:t/>
-              </a:r>
               <a:endParaRPr/>
             </a:p>
           </p:txBody>
@@ -8437,7 +8383,7 @@
             </a:xfrm>
             <a:prstGeom prst="diagStripe">
               <a:avLst>
-                <a:gd fmla="val 50000" name="adj"/>
+                <a:gd name="adj" fmla="val 50000"/>
               </a:avLst>
             </a:prstGeom>
             <a:solidFill>
@@ -8450,12 +8396,12 @@
             </a:ln>
           </p:spPr>
           <p:txBody>
-            <a:bodyPr anchorCtr="0" anchor="ctr" bIns="91425" lIns="91425" spcFirstLastPara="1" rIns="91425" wrap="square" tIns="91425">
+            <a:bodyPr spcFirstLastPara="1" wrap="square" lIns="91425" tIns="91425" rIns="91425" bIns="91425" anchor="ctr" anchorCtr="0">
               <a:noAutofit/>
             </a:bodyPr>
             <a:lstStyle/>
             <a:p>
-              <a:pPr indent="0" lvl="0" marL="0" rtl="0" algn="l">
+              <a:pPr marL="0" lvl="0" indent="0" algn="l" rtl="0">
                 <a:spcBef>
                   <a:spcPts val="0"/>
                 </a:spcBef>
@@ -8464,9 +8410,6 @@
                 </a:spcAft>
                 <a:buNone/>
               </a:pPr>
-              <a:r>
-                <a:t/>
-              </a:r>
               <a:endParaRPr/>
             </a:p>
           </p:txBody>
@@ -8475,9 +8418,11 @@
       <p:sp>
         <p:nvSpPr>
           <p:cNvPr id="103" name="Google Shape;103;p10"/>
-          <p:cNvSpPr txBox="1"/>
+          <p:cNvSpPr txBox="1">
+            <a:spLocks noGrp="1"/>
+          </p:cNvSpPr>
           <p:nvPr>
-            <p:ph idx="1" type="body"/>
+            <p:ph type="body" idx="1"/>
           </p:nvPr>
         </p:nvSpPr>
         <p:spPr>
@@ -8490,11 +8435,11 @@
           </a:prstGeom>
         </p:spPr>
         <p:txBody>
-          <a:bodyPr anchorCtr="0" anchor="ctr" bIns="91425" lIns="91425" spcFirstLastPara="1" rIns="91425" wrap="square" tIns="91425">
+          <a:bodyPr spcFirstLastPara="1" wrap="square" lIns="91425" tIns="91425" rIns="91425" bIns="91425" anchor="ctr" anchorCtr="0">
             <a:normAutofit/>
           </a:bodyPr>
           <a:lstStyle>
-            <a:lvl1pPr indent="-228600" lvl="0" marL="457200">
+            <a:lvl1pPr marL="457200" lvl="0" indent="-228600">
               <a:lnSpc>
                 <a:spcPct val="100000"/>
               </a:lnSpc>
@@ -8509,15 +8454,19 @@
               <a:defRPr/>
             </a:lvl1pPr>
           </a:lstStyle>
-          <a:p/>
+          <a:p>
+            <a:endParaRPr/>
+          </a:p>
         </p:txBody>
       </p:sp>
       <p:sp>
         <p:nvSpPr>
           <p:cNvPr id="104" name="Google Shape;104;p10"/>
-          <p:cNvSpPr txBox="1"/>
+          <p:cNvSpPr txBox="1">
+            <a:spLocks noGrp="1"/>
+          </p:cNvSpPr>
           <p:nvPr>
-            <p:ph idx="12" type="sldNum"/>
+            <p:ph type="sldNum" idx="12"/>
           </p:nvPr>
         </p:nvSpPr>
         <p:spPr>
@@ -8530,7 +8479,7 @@
           </a:prstGeom>
         </p:spPr>
         <p:txBody>
-          <a:bodyPr anchorCtr="0" anchor="ctr" bIns="91425" lIns="91425" spcFirstLastPara="1" rIns="91425" wrap="square" tIns="91425">
+          <a:bodyPr spcFirstLastPara="1" wrap="square" lIns="91425" tIns="91425" rIns="91425" bIns="91425" anchor="ctr" anchorCtr="0">
             <a:normAutofit/>
           </a:bodyPr>
           <a:lstStyle>
@@ -8572,7 +8521,7 @@
             </a:lvl9pPr>
           </a:lstStyle>
           <a:p>
-            <a:pPr indent="0" lvl="0" marL="0" rtl="0" algn="r">
+            <a:pPr marL="0" lvl="0" indent="0" algn="r" rtl="0">
               <a:spcBef>
                 <a:spcPts val="0"/>
               </a:spcBef>
@@ -8598,18 +8547,19 @@
 </file>
 
 <file path=ppt/slideMasters/slideMaster1.xml><?xml version="1.0" encoding="utf-8"?>
-<p:sldMaster xmlns:a="http://schemas.openxmlformats.org/drawingml/2006/main" xmlns:r="http://schemas.openxmlformats.org/officeDocument/2006/relationships" xmlns:mc="http://schemas.openxmlformats.org/markup-compatibility/2006" xmlns:mv="urn:schemas-microsoft-com:mac:vml" xmlns:p="http://schemas.openxmlformats.org/presentationml/2006/main" xmlns:c="http://schemas.openxmlformats.org/drawingml/2006/chart" xmlns:dgm="http://schemas.openxmlformats.org/drawingml/2006/diagram" xmlns:o="urn:schemas-microsoft-com:office:office" xmlns:v="urn:schemas-microsoft-com:vml" xmlns:pvml="urn:schemas-microsoft-com:office:powerpoint" xmlns:com="http://schemas.openxmlformats.org/drawingml/2006/compatibility" xmlns:p14="http://schemas.microsoft.com/office/powerpoint/2010/main" xmlns:p15="http://schemas.microsoft.com/office/powerpoint/2012/main" xmlns:ahyp="http://schemas.microsoft.com/office/drawing/2018/hyperlinkcolor">
+<p:sldMaster xmlns:a="http://schemas.openxmlformats.org/drawingml/2006/main" xmlns:r="http://schemas.openxmlformats.org/officeDocument/2006/relationships" xmlns:p="http://schemas.openxmlformats.org/presentationml/2006/main">
   <p:cSld name="focus">
     <p:bg>
       <p:bgPr>
         <a:solidFill>
           <a:schemeClr val="dk1"/>
         </a:solidFill>
+        <a:effectLst/>
       </p:bgPr>
     </p:bg>
     <p:spTree>
       <p:nvGrpSpPr>
-        <p:cNvPr id="5" name="Shape 5"/>
+        <p:cNvPr id="1" name="Shape 5"/>
         <p:cNvGrpSpPr/>
         <p:nvPr/>
       </p:nvGrpSpPr>
@@ -8624,7 +8574,9 @@
       <p:sp>
         <p:nvSpPr>
           <p:cNvPr id="6" name="Google Shape;6;p1"/>
-          <p:cNvSpPr txBox="1"/>
+          <p:cNvSpPr txBox="1">
+            <a:spLocks noGrp="1"/>
+          </p:cNvSpPr>
           <p:nvPr>
             <p:ph type="title"/>
           </p:nvPr>
@@ -8643,7 +8595,7 @@
           </a:ln>
         </p:spPr>
         <p:txBody>
-          <a:bodyPr anchorCtr="0" anchor="t" bIns="91425" lIns="91425" spcFirstLastPara="1" rIns="91425" wrap="square" tIns="91425">
+          <a:bodyPr spcFirstLastPara="1" wrap="square" lIns="91425" tIns="91425" rIns="91425" bIns="91425" anchor="t" anchorCtr="0">
             <a:normAutofit/>
           </a:bodyPr>
           <a:lstStyle>
@@ -8855,15 +8807,19 @@
               </a:defRPr>
             </a:lvl9pPr>
           </a:lstStyle>
-          <a:p/>
+          <a:p>
+            <a:endParaRPr/>
+          </a:p>
         </p:txBody>
       </p:sp>
       <p:sp>
         <p:nvSpPr>
           <p:cNvPr id="7" name="Google Shape;7;p1"/>
-          <p:cNvSpPr txBox="1"/>
+          <p:cNvSpPr txBox="1">
+            <a:spLocks noGrp="1"/>
+          </p:cNvSpPr>
           <p:nvPr>
-            <p:ph idx="1" type="body"/>
+            <p:ph type="body" idx="1"/>
           </p:nvPr>
         </p:nvSpPr>
         <p:spPr>
@@ -8880,11 +8836,11 @@
           </a:ln>
         </p:spPr>
         <p:txBody>
-          <a:bodyPr anchorCtr="0" anchor="t" bIns="91425" lIns="91425" spcFirstLastPara="1" rIns="91425" wrap="square" tIns="91425">
+          <a:bodyPr spcFirstLastPara="1" wrap="square" lIns="91425" tIns="91425" rIns="91425" bIns="91425" anchor="t" anchorCtr="0">
             <a:normAutofit/>
           </a:bodyPr>
           <a:lstStyle>
-            <a:lvl1pPr indent="-311150" lvl="0" marL="457200">
+            <a:lvl1pPr marL="457200" lvl="0" indent="-311150">
               <a:lnSpc>
                 <a:spcPct val="115000"/>
               </a:lnSpc>
@@ -8910,7 +8866,7 @@
                 <a:sym typeface="Lato"/>
               </a:defRPr>
             </a:lvl1pPr>
-            <a:lvl2pPr indent="-298450" lvl="1" marL="914400">
+            <a:lvl2pPr marL="914400" lvl="1" indent="-298450">
               <a:lnSpc>
                 <a:spcPct val="115000"/>
               </a:lnSpc>
@@ -8936,7 +8892,7 @@
                 <a:sym typeface="Lato"/>
               </a:defRPr>
             </a:lvl2pPr>
-            <a:lvl3pPr indent="-298450" lvl="2" marL="1371600">
+            <a:lvl3pPr marL="1371600" lvl="2" indent="-298450">
               <a:lnSpc>
                 <a:spcPct val="115000"/>
               </a:lnSpc>
@@ -8962,7 +8918,7 @@
                 <a:sym typeface="Lato"/>
               </a:defRPr>
             </a:lvl3pPr>
-            <a:lvl4pPr indent="-298450" lvl="3" marL="1828800">
+            <a:lvl4pPr marL="1828800" lvl="3" indent="-298450">
               <a:lnSpc>
                 <a:spcPct val="115000"/>
               </a:lnSpc>
@@ -8988,7 +8944,7 @@
                 <a:sym typeface="Lato"/>
               </a:defRPr>
             </a:lvl4pPr>
-            <a:lvl5pPr indent="-298450" lvl="4" marL="2286000">
+            <a:lvl5pPr marL="2286000" lvl="4" indent="-298450">
               <a:lnSpc>
                 <a:spcPct val="115000"/>
               </a:lnSpc>
@@ -9014,7 +8970,7 @@
                 <a:sym typeface="Lato"/>
               </a:defRPr>
             </a:lvl5pPr>
-            <a:lvl6pPr indent="-298450" lvl="5" marL="2743200">
+            <a:lvl6pPr marL="2743200" lvl="5" indent="-298450">
               <a:lnSpc>
                 <a:spcPct val="115000"/>
               </a:lnSpc>
@@ -9040,7 +8996,7 @@
                 <a:sym typeface="Lato"/>
               </a:defRPr>
             </a:lvl6pPr>
-            <a:lvl7pPr indent="-298450" lvl="6" marL="3200400">
+            <a:lvl7pPr marL="3200400" lvl="6" indent="-298450">
               <a:lnSpc>
                 <a:spcPct val="115000"/>
               </a:lnSpc>
@@ -9066,7 +9022,7 @@
                 <a:sym typeface="Lato"/>
               </a:defRPr>
             </a:lvl7pPr>
-            <a:lvl8pPr indent="-298450" lvl="7" marL="3657600">
+            <a:lvl8pPr marL="3657600" lvl="7" indent="-298450">
               <a:lnSpc>
                 <a:spcPct val="115000"/>
               </a:lnSpc>
@@ -9092,7 +9048,7 @@
                 <a:sym typeface="Lato"/>
               </a:defRPr>
             </a:lvl8pPr>
-            <a:lvl9pPr indent="-298450" lvl="8" marL="4114800">
+            <a:lvl9pPr marL="4114800" lvl="8" indent="-298450">
               <a:lnSpc>
                 <a:spcPct val="115000"/>
               </a:lnSpc>
@@ -9119,15 +9075,19 @@
               </a:defRPr>
             </a:lvl9pPr>
           </a:lstStyle>
-          <a:p/>
+          <a:p>
+            <a:endParaRPr/>
+          </a:p>
         </p:txBody>
       </p:sp>
       <p:sp>
         <p:nvSpPr>
           <p:cNvPr id="8" name="Google Shape;8;p1"/>
-          <p:cNvSpPr txBox="1"/>
+          <p:cNvSpPr txBox="1">
+            <a:spLocks noGrp="1"/>
+          </p:cNvSpPr>
           <p:nvPr>
-            <p:ph idx="12" type="sldNum"/>
+            <p:ph type="sldNum" idx="12"/>
           </p:nvPr>
         </p:nvSpPr>
         <p:spPr>
@@ -9144,7 +9104,7 @@
           </a:ln>
         </p:spPr>
         <p:txBody>
-          <a:bodyPr anchorCtr="0" anchor="ctr" bIns="91425" lIns="91425" spcFirstLastPara="1" rIns="91425" wrap="square" tIns="91425">
+          <a:bodyPr spcFirstLastPara="1" wrap="square" lIns="91425" tIns="91425" rIns="91425" bIns="91425" anchor="ctr" anchorCtr="0">
             <a:normAutofit/>
           </a:bodyPr>
           <a:lstStyle>
@@ -9258,7 +9218,7 @@
             </a:lvl9pPr>
           </a:lstStyle>
           <a:p>
-            <a:pPr indent="0" lvl="0" marL="0" rtl="0" algn="r">
+            <a:pPr marL="0" lvl="0" indent="0" algn="r" rtl="0">
               <a:spcBef>
                 <a:spcPts val="0"/>
               </a:spcBef>
@@ -9277,7 +9237,7 @@
       </p:sp>
     </p:spTree>
   </p:cSld>
-  <p:clrMap accent1="accent1" accent2="accent2" accent3="accent3" accent4="accent4" accent5="accent5" accent6="accent6" bg1="lt1" bg2="dk2" tx1="dk1" tx2="lt2" folHlink="folHlink" hlink="hlink"/>
+  <p:clrMap bg1="lt1" tx1="dk1" bg2="dk2" tx2="lt2" accent1="accent1" accent2="accent2" accent3="accent3" accent4="accent4" accent5="accent5" accent6="accent6" hlink="hlink" folHlink="folHlink"/>
   <p:sldLayoutIdLst>
     <p:sldLayoutId id="2147483648" r:id="rId1"/>
     <p:sldLayoutId id="2147483649" r:id="rId2"/>
@@ -9291,10 +9251,10 @@
     <p:sldLayoutId id="2147483657" r:id="rId10"/>
     <p:sldLayoutId id="2147483658" r:id="rId11"/>
   </p:sldLayoutIdLst>
-  <p:hf dt="0" ftr="0" hdr="0" sldNum="0"/>
+  <p:hf sldNum="0" hdr="0" ftr="0" dt="0"/>
   <p:txStyles>
     <p:titleStyle>
-      <a:defPPr lvl="0" marR="0" rtl="0" algn="l">
+      <a:defPPr marR="0" lvl="0" algn="l" rtl="0">
         <a:lnSpc>
           <a:spcPct val="100000"/>
         </a:lnSpc>
@@ -9305,7 +9265,7 @@
           <a:spcPts val="0"/>
         </a:spcAft>
       </a:defPPr>
-      <a:lvl1pPr lvl="0" marR="0" rtl="0" algn="l">
+      <a:lvl1pPr marR="0" lvl="0" algn="l" rtl="0">
         <a:lnSpc>
           <a:spcPct val="100000"/>
         </a:lnSpc>
@@ -9319,7 +9279,7 @@
           <a:srgbClr val="000000"/>
         </a:buClr>
         <a:buFont typeface="Arial"/>
-        <a:defRPr b="0" i="0" sz="1400" u="none" cap="none" strike="noStrike">
+        <a:defRPr sz="1400" b="0" i="0" u="none" strike="noStrike" cap="none">
           <a:solidFill>
             <a:srgbClr val="000000"/>
           </a:solidFill>
@@ -9329,7 +9289,7 @@
           <a:sym typeface="Arial"/>
         </a:defRPr>
       </a:lvl1pPr>
-      <a:lvl2pPr lvl="1" marR="0" rtl="0" algn="l">
+      <a:lvl2pPr marR="0" lvl="1" algn="l" rtl="0">
         <a:lnSpc>
           <a:spcPct val="100000"/>
         </a:lnSpc>
@@ -9343,7 +9303,7 @@
           <a:srgbClr val="000000"/>
         </a:buClr>
         <a:buFont typeface="Arial"/>
-        <a:defRPr b="0" i="0" sz="1400" u="none" cap="none" strike="noStrike">
+        <a:defRPr sz="1400" b="0" i="0" u="none" strike="noStrike" cap="none">
           <a:solidFill>
             <a:srgbClr val="000000"/>
           </a:solidFill>
@@ -9353,7 +9313,7 @@
           <a:sym typeface="Arial"/>
         </a:defRPr>
       </a:lvl2pPr>
-      <a:lvl3pPr lvl="2" marR="0" rtl="0" algn="l">
+      <a:lvl3pPr marR="0" lvl="2" algn="l" rtl="0">
         <a:lnSpc>
           <a:spcPct val="100000"/>
         </a:lnSpc>
@@ -9367,7 +9327,7 @@
           <a:srgbClr val="000000"/>
         </a:buClr>
         <a:buFont typeface="Arial"/>
-        <a:defRPr b="0" i="0" sz="1400" u="none" cap="none" strike="noStrike">
+        <a:defRPr sz="1400" b="0" i="0" u="none" strike="noStrike" cap="none">
           <a:solidFill>
             <a:srgbClr val="000000"/>
           </a:solidFill>
@@ -9377,7 +9337,7 @@
           <a:sym typeface="Arial"/>
         </a:defRPr>
       </a:lvl3pPr>
-      <a:lvl4pPr lvl="3" marR="0" rtl="0" algn="l">
+      <a:lvl4pPr marR="0" lvl="3" algn="l" rtl="0">
         <a:lnSpc>
           <a:spcPct val="100000"/>
         </a:lnSpc>
@@ -9391,7 +9351,7 @@
           <a:srgbClr val="000000"/>
         </a:buClr>
         <a:buFont typeface="Arial"/>
-        <a:defRPr b="0" i="0" sz="1400" u="none" cap="none" strike="noStrike">
+        <a:defRPr sz="1400" b="0" i="0" u="none" strike="noStrike" cap="none">
           <a:solidFill>
             <a:srgbClr val="000000"/>
           </a:solidFill>
@@ -9401,7 +9361,7 @@
           <a:sym typeface="Arial"/>
         </a:defRPr>
       </a:lvl4pPr>
-      <a:lvl5pPr lvl="4" marR="0" rtl="0" algn="l">
+      <a:lvl5pPr marR="0" lvl="4" algn="l" rtl="0">
         <a:lnSpc>
           <a:spcPct val="100000"/>
         </a:lnSpc>
@@ -9415,7 +9375,7 @@
           <a:srgbClr val="000000"/>
         </a:buClr>
         <a:buFont typeface="Arial"/>
-        <a:defRPr b="0" i="0" sz="1400" u="none" cap="none" strike="noStrike">
+        <a:defRPr sz="1400" b="0" i="0" u="none" strike="noStrike" cap="none">
           <a:solidFill>
             <a:srgbClr val="000000"/>
           </a:solidFill>
@@ -9425,7 +9385,7 @@
           <a:sym typeface="Arial"/>
         </a:defRPr>
       </a:lvl5pPr>
-      <a:lvl6pPr lvl="5" marR="0" rtl="0" algn="l">
+      <a:lvl6pPr marR="0" lvl="5" algn="l" rtl="0">
         <a:lnSpc>
           <a:spcPct val="100000"/>
         </a:lnSpc>
@@ -9439,7 +9399,7 @@
           <a:srgbClr val="000000"/>
         </a:buClr>
         <a:buFont typeface="Arial"/>
-        <a:defRPr b="0" i="0" sz="1400" u="none" cap="none" strike="noStrike">
+        <a:defRPr sz="1400" b="0" i="0" u="none" strike="noStrike" cap="none">
           <a:solidFill>
             <a:srgbClr val="000000"/>
           </a:solidFill>
@@ -9449,7 +9409,7 @@
           <a:sym typeface="Arial"/>
         </a:defRPr>
       </a:lvl6pPr>
-      <a:lvl7pPr lvl="6" marR="0" rtl="0" algn="l">
+      <a:lvl7pPr marR="0" lvl="6" algn="l" rtl="0">
         <a:lnSpc>
           <a:spcPct val="100000"/>
         </a:lnSpc>
@@ -9463,7 +9423,7 @@
           <a:srgbClr val="000000"/>
         </a:buClr>
         <a:buFont typeface="Arial"/>
-        <a:defRPr b="0" i="0" sz="1400" u="none" cap="none" strike="noStrike">
+        <a:defRPr sz="1400" b="0" i="0" u="none" strike="noStrike" cap="none">
           <a:solidFill>
             <a:srgbClr val="000000"/>
           </a:solidFill>
@@ -9473,7 +9433,7 @@
           <a:sym typeface="Arial"/>
         </a:defRPr>
       </a:lvl7pPr>
-      <a:lvl8pPr lvl="7" marR="0" rtl="0" algn="l">
+      <a:lvl8pPr marR="0" lvl="7" algn="l" rtl="0">
         <a:lnSpc>
           <a:spcPct val="100000"/>
         </a:lnSpc>
@@ -9487,7 +9447,7 @@
           <a:srgbClr val="000000"/>
         </a:buClr>
         <a:buFont typeface="Arial"/>
-        <a:defRPr b="0" i="0" sz="1400" u="none" cap="none" strike="noStrike">
+        <a:defRPr sz="1400" b="0" i="0" u="none" strike="noStrike" cap="none">
           <a:solidFill>
             <a:srgbClr val="000000"/>
           </a:solidFill>
@@ -9497,7 +9457,7 @@
           <a:sym typeface="Arial"/>
         </a:defRPr>
       </a:lvl8pPr>
-      <a:lvl9pPr lvl="8" marR="0" rtl="0" algn="l">
+      <a:lvl9pPr marR="0" lvl="8" algn="l" rtl="0">
         <a:lnSpc>
           <a:spcPct val="100000"/>
         </a:lnSpc>
@@ -9511,7 +9471,7 @@
           <a:srgbClr val="000000"/>
         </a:buClr>
         <a:buFont typeface="Arial"/>
-        <a:defRPr b="0" i="0" sz="1400" u="none" cap="none" strike="noStrike">
+        <a:defRPr sz="1400" b="0" i="0" u="none" strike="noStrike" cap="none">
           <a:solidFill>
             <a:srgbClr val="000000"/>
           </a:solidFill>
@@ -9523,7 +9483,7 @@
       </a:lvl9pPr>
     </p:titleStyle>
     <p:bodyStyle>
-      <a:defPPr lvl="0" marR="0" rtl="0" algn="l">
+      <a:defPPr marR="0" lvl="0" algn="l" rtl="0">
         <a:lnSpc>
           <a:spcPct val="100000"/>
         </a:lnSpc>
@@ -9534,7 +9494,7 @@
           <a:spcPts val="0"/>
         </a:spcAft>
       </a:defPPr>
-      <a:lvl1pPr lvl="0" marR="0" rtl="0" algn="l">
+      <a:lvl1pPr marR="0" lvl="0" algn="l" rtl="0">
         <a:lnSpc>
           <a:spcPct val="100000"/>
         </a:lnSpc>
@@ -9548,7 +9508,7 @@
           <a:srgbClr val="000000"/>
         </a:buClr>
         <a:buFont typeface="Arial"/>
-        <a:defRPr b="0" i="0" sz="1400" u="none" cap="none" strike="noStrike">
+        <a:defRPr sz="1400" b="0" i="0" u="none" strike="noStrike" cap="none">
           <a:solidFill>
             <a:srgbClr val="000000"/>
           </a:solidFill>
@@ -9558,7 +9518,7 @@
           <a:sym typeface="Arial"/>
         </a:defRPr>
       </a:lvl1pPr>
-      <a:lvl2pPr lvl="1" marR="0" rtl="0" algn="l">
+      <a:lvl2pPr marR="0" lvl="1" algn="l" rtl="0">
         <a:lnSpc>
           <a:spcPct val="100000"/>
         </a:lnSpc>
@@ -9572,7 +9532,7 @@
           <a:srgbClr val="000000"/>
         </a:buClr>
         <a:buFont typeface="Arial"/>
-        <a:defRPr b="0" i="0" sz="1400" u="none" cap="none" strike="noStrike">
+        <a:defRPr sz="1400" b="0" i="0" u="none" strike="noStrike" cap="none">
           <a:solidFill>
             <a:srgbClr val="000000"/>
           </a:solidFill>
@@ -9582,7 +9542,7 @@
           <a:sym typeface="Arial"/>
         </a:defRPr>
       </a:lvl2pPr>
-      <a:lvl3pPr lvl="2" marR="0" rtl="0" algn="l">
+      <a:lvl3pPr marR="0" lvl="2" algn="l" rtl="0">
         <a:lnSpc>
           <a:spcPct val="100000"/>
         </a:lnSpc>
@@ -9596,7 +9556,7 @@
           <a:srgbClr val="000000"/>
         </a:buClr>
         <a:buFont typeface="Arial"/>
-        <a:defRPr b="0" i="0" sz="1400" u="none" cap="none" strike="noStrike">
+        <a:defRPr sz="1400" b="0" i="0" u="none" strike="noStrike" cap="none">
           <a:solidFill>
             <a:srgbClr val="000000"/>
           </a:solidFill>
@@ -9606,7 +9566,7 @@
           <a:sym typeface="Arial"/>
         </a:defRPr>
       </a:lvl3pPr>
-      <a:lvl4pPr lvl="3" marR="0" rtl="0" algn="l">
+      <a:lvl4pPr marR="0" lvl="3" algn="l" rtl="0">
         <a:lnSpc>
           <a:spcPct val="100000"/>
         </a:lnSpc>
@@ -9620,7 +9580,7 @@
           <a:srgbClr val="000000"/>
         </a:buClr>
         <a:buFont typeface="Arial"/>
-        <a:defRPr b="0" i="0" sz="1400" u="none" cap="none" strike="noStrike">
+        <a:defRPr sz="1400" b="0" i="0" u="none" strike="noStrike" cap="none">
           <a:solidFill>
             <a:srgbClr val="000000"/>
           </a:solidFill>
@@ -9630,7 +9590,7 @@
           <a:sym typeface="Arial"/>
         </a:defRPr>
       </a:lvl4pPr>
-      <a:lvl5pPr lvl="4" marR="0" rtl="0" algn="l">
+      <a:lvl5pPr marR="0" lvl="4" algn="l" rtl="0">
         <a:lnSpc>
           <a:spcPct val="100000"/>
         </a:lnSpc>
@@ -9644,7 +9604,7 @@
           <a:srgbClr val="000000"/>
         </a:buClr>
         <a:buFont typeface="Arial"/>
-        <a:defRPr b="0" i="0" sz="1400" u="none" cap="none" strike="noStrike">
+        <a:defRPr sz="1400" b="0" i="0" u="none" strike="noStrike" cap="none">
           <a:solidFill>
             <a:srgbClr val="000000"/>
           </a:solidFill>
@@ -9654,7 +9614,7 @@
           <a:sym typeface="Arial"/>
         </a:defRPr>
       </a:lvl5pPr>
-      <a:lvl6pPr lvl="5" marR="0" rtl="0" algn="l">
+      <a:lvl6pPr marR="0" lvl="5" algn="l" rtl="0">
         <a:lnSpc>
           <a:spcPct val="100000"/>
         </a:lnSpc>
@@ -9668,7 +9628,7 @@
           <a:srgbClr val="000000"/>
         </a:buClr>
         <a:buFont typeface="Arial"/>
-        <a:defRPr b="0" i="0" sz="1400" u="none" cap="none" strike="noStrike">
+        <a:defRPr sz="1400" b="0" i="0" u="none" strike="noStrike" cap="none">
           <a:solidFill>
             <a:srgbClr val="000000"/>
           </a:solidFill>
@@ -9678,7 +9638,7 @@
           <a:sym typeface="Arial"/>
         </a:defRPr>
       </a:lvl6pPr>
-      <a:lvl7pPr lvl="6" marR="0" rtl="0" algn="l">
+      <a:lvl7pPr marR="0" lvl="6" algn="l" rtl="0">
         <a:lnSpc>
           <a:spcPct val="100000"/>
         </a:lnSpc>
@@ -9692,7 +9652,7 @@
           <a:srgbClr val="000000"/>
         </a:buClr>
         <a:buFont typeface="Arial"/>
-        <a:defRPr b="0" i="0" sz="1400" u="none" cap="none" strike="noStrike">
+        <a:defRPr sz="1400" b="0" i="0" u="none" strike="noStrike" cap="none">
           <a:solidFill>
             <a:srgbClr val="000000"/>
           </a:solidFill>
@@ -9702,7 +9662,7 @@
           <a:sym typeface="Arial"/>
         </a:defRPr>
       </a:lvl7pPr>
-      <a:lvl8pPr lvl="7" marR="0" rtl="0" algn="l">
+      <a:lvl8pPr marR="0" lvl="7" algn="l" rtl="0">
         <a:lnSpc>
           <a:spcPct val="100000"/>
         </a:lnSpc>
@@ -9716,7 +9676,7 @@
           <a:srgbClr val="000000"/>
         </a:buClr>
         <a:buFont typeface="Arial"/>
-        <a:defRPr b="0" i="0" sz="1400" u="none" cap="none" strike="noStrike">
+        <a:defRPr sz="1400" b="0" i="0" u="none" strike="noStrike" cap="none">
           <a:solidFill>
             <a:srgbClr val="000000"/>
           </a:solidFill>
@@ -9726,7 +9686,7 @@
           <a:sym typeface="Arial"/>
         </a:defRPr>
       </a:lvl8pPr>
-      <a:lvl9pPr lvl="8" marR="0" rtl="0" algn="l">
+      <a:lvl9pPr marR="0" lvl="8" algn="l" rtl="0">
         <a:lnSpc>
           <a:spcPct val="100000"/>
         </a:lnSpc>
@@ -9740,7 +9700,7 @@
           <a:srgbClr val="000000"/>
         </a:buClr>
         <a:buFont typeface="Arial"/>
-        <a:defRPr b="0" i="0" sz="1400" u="none" cap="none" strike="noStrike">
+        <a:defRPr sz="1400" b="0" i="0" u="none" strike="noStrike" cap="none">
           <a:solidFill>
             <a:srgbClr val="000000"/>
           </a:solidFill>
@@ -9752,7 +9712,7 @@
       </a:lvl9pPr>
     </p:bodyStyle>
     <p:otherStyle>
-      <a:defPPr lvl="0" marR="0" rtl="0" algn="l">
+      <a:defPPr marR="0" lvl="0" algn="l" rtl="0">
         <a:lnSpc>
           <a:spcPct val="100000"/>
         </a:lnSpc>
@@ -9763,7 +9723,7 @@
           <a:spcPts val="0"/>
         </a:spcAft>
       </a:defPPr>
-      <a:lvl1pPr lvl="0" marR="0" rtl="0" algn="l">
+      <a:lvl1pPr marR="0" lvl="0" algn="l" rtl="0">
         <a:lnSpc>
           <a:spcPct val="100000"/>
         </a:lnSpc>
@@ -9777,7 +9737,7 @@
           <a:srgbClr val="000000"/>
         </a:buClr>
         <a:buFont typeface="Arial"/>
-        <a:defRPr b="0" i="0" sz="1400" u="none" cap="none" strike="noStrike">
+        <a:defRPr sz="1400" b="0" i="0" u="none" strike="noStrike" cap="none">
           <a:solidFill>
             <a:srgbClr val="000000"/>
           </a:solidFill>
@@ -9787,7 +9747,7 @@
           <a:sym typeface="Arial"/>
         </a:defRPr>
       </a:lvl1pPr>
-      <a:lvl2pPr lvl="1" marR="0" rtl="0" algn="l">
+      <a:lvl2pPr marR="0" lvl="1" algn="l" rtl="0">
         <a:lnSpc>
           <a:spcPct val="100000"/>
         </a:lnSpc>
@@ -9801,7 +9761,7 @@
           <a:srgbClr val="000000"/>
         </a:buClr>
         <a:buFont typeface="Arial"/>
-        <a:defRPr b="0" i="0" sz="1400" u="none" cap="none" strike="noStrike">
+        <a:defRPr sz="1400" b="0" i="0" u="none" strike="noStrike" cap="none">
           <a:solidFill>
             <a:srgbClr val="000000"/>
           </a:solidFill>
@@ -9811,7 +9771,7 @@
           <a:sym typeface="Arial"/>
         </a:defRPr>
       </a:lvl2pPr>
-      <a:lvl3pPr lvl="2" marR="0" rtl="0" algn="l">
+      <a:lvl3pPr marR="0" lvl="2" algn="l" rtl="0">
         <a:lnSpc>
           <a:spcPct val="100000"/>
         </a:lnSpc>
@@ -9825,7 +9785,7 @@
           <a:srgbClr val="000000"/>
         </a:buClr>
         <a:buFont typeface="Arial"/>
-        <a:defRPr b="0" i="0" sz="1400" u="none" cap="none" strike="noStrike">
+        <a:defRPr sz="1400" b="0" i="0" u="none" strike="noStrike" cap="none">
           <a:solidFill>
             <a:srgbClr val="000000"/>
           </a:solidFill>
@@ -9835,7 +9795,7 @@
           <a:sym typeface="Arial"/>
         </a:defRPr>
       </a:lvl3pPr>
-      <a:lvl4pPr lvl="3" marR="0" rtl="0" algn="l">
+      <a:lvl4pPr marR="0" lvl="3" algn="l" rtl="0">
         <a:lnSpc>
           <a:spcPct val="100000"/>
         </a:lnSpc>
@@ -9849,7 +9809,7 @@
           <a:srgbClr val="000000"/>
         </a:buClr>
         <a:buFont typeface="Arial"/>
-        <a:defRPr b="0" i="0" sz="1400" u="none" cap="none" strike="noStrike">
+        <a:defRPr sz="1400" b="0" i="0" u="none" strike="noStrike" cap="none">
           <a:solidFill>
             <a:srgbClr val="000000"/>
           </a:solidFill>
@@ -9859,7 +9819,7 @@
           <a:sym typeface="Arial"/>
         </a:defRPr>
       </a:lvl4pPr>
-      <a:lvl5pPr lvl="4" marR="0" rtl="0" algn="l">
+      <a:lvl5pPr marR="0" lvl="4" algn="l" rtl="0">
         <a:lnSpc>
           <a:spcPct val="100000"/>
         </a:lnSpc>
@@ -9873,7 +9833,7 @@
           <a:srgbClr val="000000"/>
         </a:buClr>
         <a:buFont typeface="Arial"/>
-        <a:defRPr b="0" i="0" sz="1400" u="none" cap="none" strike="noStrike">
+        <a:defRPr sz="1400" b="0" i="0" u="none" strike="noStrike" cap="none">
           <a:solidFill>
             <a:srgbClr val="000000"/>
           </a:solidFill>
@@ -9883,7 +9843,7 @@
           <a:sym typeface="Arial"/>
         </a:defRPr>
       </a:lvl5pPr>
-      <a:lvl6pPr lvl="5" marR="0" rtl="0" algn="l">
+      <a:lvl6pPr marR="0" lvl="5" algn="l" rtl="0">
         <a:lnSpc>
           <a:spcPct val="100000"/>
         </a:lnSpc>
@@ -9897,7 +9857,7 @@
           <a:srgbClr val="000000"/>
         </a:buClr>
         <a:buFont typeface="Arial"/>
-        <a:defRPr b="0" i="0" sz="1400" u="none" cap="none" strike="noStrike">
+        <a:defRPr sz="1400" b="0" i="0" u="none" strike="noStrike" cap="none">
           <a:solidFill>
             <a:srgbClr val="000000"/>
           </a:solidFill>
@@ -9907,7 +9867,7 @@
           <a:sym typeface="Arial"/>
         </a:defRPr>
       </a:lvl6pPr>
-      <a:lvl7pPr lvl="6" marR="0" rtl="0" algn="l">
+      <a:lvl7pPr marR="0" lvl="6" algn="l" rtl="0">
         <a:lnSpc>
           <a:spcPct val="100000"/>
         </a:lnSpc>
@@ -9921,7 +9881,7 @@
           <a:srgbClr val="000000"/>
         </a:buClr>
         <a:buFont typeface="Arial"/>
-        <a:defRPr b="0" i="0" sz="1400" u="none" cap="none" strike="noStrike">
+        <a:defRPr sz="1400" b="0" i="0" u="none" strike="noStrike" cap="none">
           <a:solidFill>
             <a:srgbClr val="000000"/>
           </a:solidFill>
@@ -9931,7 +9891,7 @@
           <a:sym typeface="Arial"/>
         </a:defRPr>
       </a:lvl7pPr>
-      <a:lvl8pPr lvl="7" marR="0" rtl="0" algn="l">
+      <a:lvl8pPr marR="0" lvl="7" algn="l" rtl="0">
         <a:lnSpc>
           <a:spcPct val="100000"/>
         </a:lnSpc>
@@ -9945,7 +9905,7 @@
           <a:srgbClr val="000000"/>
         </a:buClr>
         <a:buFont typeface="Arial"/>
-        <a:defRPr b="0" i="0" sz="1400" u="none" cap="none" strike="noStrike">
+        <a:defRPr sz="1400" b="0" i="0" u="none" strike="noStrike" cap="none">
           <a:solidFill>
             <a:srgbClr val="000000"/>
           </a:solidFill>
@@ -9955,7 +9915,7 @@
           <a:sym typeface="Arial"/>
         </a:defRPr>
       </a:lvl8pPr>
-      <a:lvl9pPr lvl="8" marR="0" rtl="0" algn="l">
+      <a:lvl9pPr marR="0" lvl="8" algn="l" rtl="0">
         <a:lnSpc>
           <a:spcPct val="100000"/>
         </a:lnSpc>
@@ -9969,7 +9929,7 @@
           <a:srgbClr val="000000"/>
         </a:buClr>
         <a:buFont typeface="Arial"/>
-        <a:defRPr b="0" i="0" sz="1400" u="none" cap="none" strike="noStrike">
+        <a:defRPr sz="1400" b="0" i="0" u="none" strike="noStrike" cap="none">
           <a:solidFill>
             <a:srgbClr val="000000"/>
           </a:solidFill>
@@ -9985,11 +9945,11 @@
 </file>
 
 <file path=ppt/slides/slide1.xml><?xml version="1.0" encoding="utf-8"?>
-<p:sld xmlns:a="http://schemas.openxmlformats.org/drawingml/2006/main" xmlns:r="http://schemas.openxmlformats.org/officeDocument/2006/relationships" xmlns:mc="http://schemas.openxmlformats.org/markup-compatibility/2006" xmlns:mv="urn:schemas-microsoft-com:mac:vml" xmlns:p="http://schemas.openxmlformats.org/presentationml/2006/main" xmlns:c="http://schemas.openxmlformats.org/drawingml/2006/chart" xmlns:dgm="http://schemas.openxmlformats.org/drawingml/2006/diagram" xmlns:o="urn:schemas-microsoft-com:office:office" xmlns:v="urn:schemas-microsoft-com:vml" xmlns:pvml="urn:schemas-microsoft-com:office:powerpoint" xmlns:com="http://schemas.openxmlformats.org/drawingml/2006/compatibility" xmlns:p14="http://schemas.microsoft.com/office/powerpoint/2010/main" xmlns:p15="http://schemas.microsoft.com/office/powerpoint/2012/main" xmlns:ahyp="http://schemas.microsoft.com/office/drawing/2018/hyperlinkcolor">
+<p:sld xmlns:a="http://schemas.openxmlformats.org/drawingml/2006/main" xmlns:r="http://schemas.openxmlformats.org/officeDocument/2006/relationships" xmlns:p="http://schemas.openxmlformats.org/presentationml/2006/main">
   <p:cSld>
     <p:spTree>
       <p:nvGrpSpPr>
-        <p:cNvPr id="133" name="Shape 133"/>
+        <p:cNvPr id="1" name="Shape 133"/>
         <p:cNvGrpSpPr/>
         <p:nvPr/>
       </p:nvGrpSpPr>
@@ -10004,7 +9964,9 @@
       <p:sp>
         <p:nvSpPr>
           <p:cNvPr id="134" name="Google Shape;134;p13"/>
-          <p:cNvSpPr txBox="1"/>
+          <p:cNvSpPr txBox="1">
+            <a:spLocks noGrp="1"/>
+          </p:cNvSpPr>
           <p:nvPr>
             <p:ph type="ctrTitle"/>
           </p:nvPr>
@@ -10019,12 +9981,12 @@
           </a:prstGeom>
         </p:spPr>
         <p:txBody>
-          <a:bodyPr anchorCtr="0" anchor="t" bIns="91425" lIns="91425" spcFirstLastPara="1" rIns="91425" wrap="square" tIns="91425">
-            <a:normAutofit/>
+          <a:bodyPr spcFirstLastPara="1" wrap="square" lIns="91425" tIns="91425" rIns="91425" bIns="91425" anchor="t" anchorCtr="0">
+            <a:normAutofit fontScale="90000"/>
           </a:bodyPr>
           <a:lstStyle/>
           <a:p>
-            <a:pPr indent="0" lvl="0" marL="0" rtl="0" algn="l">
+            <a:pPr marL="0" lvl="0" indent="0" algn="l" rtl="0">
               <a:spcBef>
                 <a:spcPts val="0"/>
               </a:spcBef>
@@ -10044,9 +10006,11 @@
       <p:sp>
         <p:nvSpPr>
           <p:cNvPr id="135" name="Google Shape;135;p13"/>
-          <p:cNvSpPr txBox="1"/>
+          <p:cNvSpPr txBox="1">
+            <a:spLocks noGrp="1"/>
+          </p:cNvSpPr>
           <p:nvPr>
-            <p:ph idx="1" type="subTitle"/>
+            <p:ph type="subTitle" idx="1"/>
           </p:nvPr>
         </p:nvSpPr>
         <p:spPr>
@@ -10059,12 +10023,12 @@
           </a:prstGeom>
         </p:spPr>
         <p:txBody>
-          <a:bodyPr anchorCtr="0" anchor="t" bIns="91425" lIns="91425" spcFirstLastPara="1" rIns="91425" wrap="square" tIns="91425">
+          <a:bodyPr spcFirstLastPara="1" wrap="square" lIns="91425" tIns="91425" rIns="91425" bIns="91425" anchor="t" anchorCtr="0">
             <a:normAutofit/>
           </a:bodyPr>
           <a:lstStyle/>
           <a:p>
-            <a:pPr indent="0" lvl="0" marL="0" rtl="0" algn="l">
+            <a:pPr marL="0" lvl="0" indent="0" algn="l" rtl="0">
               <a:spcBef>
                 <a:spcPts val="0"/>
               </a:spcBef>
@@ -10075,15 +10039,7 @@
             </a:pPr>
             <a:r>
               <a:rPr lang="en"/>
-              <a:t>Team </a:t>
-            </a:r>
-            <a:r>
-              <a:rPr lang="en"/>
-              <a:t>Members</a:t>
-            </a:r>
-            <a:r>
-              <a:rPr lang="en"/>
-              <a:t> : Himnish Patel, Alexandru Cirlan and Matthew Veroutis</a:t>
+              <a:t>Team Members : Himnish Patel, Alexandru Cirlan and Matthew Veroutis</a:t>
             </a:r>
             <a:endParaRPr/>
           </a:p>
@@ -10098,11 +10054,11 @@
 </file>
 
 <file path=ppt/slides/slide10.xml><?xml version="1.0" encoding="utf-8"?>
-<p:sld xmlns:a="http://schemas.openxmlformats.org/drawingml/2006/main" xmlns:r="http://schemas.openxmlformats.org/officeDocument/2006/relationships" xmlns:mc="http://schemas.openxmlformats.org/markup-compatibility/2006" xmlns:mv="urn:schemas-microsoft-com:mac:vml" xmlns:p="http://schemas.openxmlformats.org/presentationml/2006/main" xmlns:c="http://schemas.openxmlformats.org/drawingml/2006/chart" xmlns:dgm="http://schemas.openxmlformats.org/drawingml/2006/diagram" xmlns:o="urn:schemas-microsoft-com:office:office" xmlns:v="urn:schemas-microsoft-com:vml" xmlns:pvml="urn:schemas-microsoft-com:office:powerpoint" xmlns:com="http://schemas.openxmlformats.org/drawingml/2006/compatibility" xmlns:p14="http://schemas.microsoft.com/office/powerpoint/2010/main" xmlns:p15="http://schemas.microsoft.com/office/powerpoint/2012/main" xmlns:ahyp="http://schemas.microsoft.com/office/drawing/2018/hyperlinkcolor">
+<p:sld xmlns:a="http://schemas.openxmlformats.org/drawingml/2006/main" xmlns:r="http://schemas.openxmlformats.org/officeDocument/2006/relationships" xmlns:p="http://schemas.openxmlformats.org/presentationml/2006/main">
   <p:cSld>
     <p:spTree>
       <p:nvGrpSpPr>
-        <p:cNvPr id="189" name="Shape 189"/>
+        <p:cNvPr id="1" name="Shape 189"/>
         <p:cNvGrpSpPr/>
         <p:nvPr/>
       </p:nvGrpSpPr>
@@ -10117,7 +10073,9 @@
       <p:sp>
         <p:nvSpPr>
           <p:cNvPr id="190" name="Google Shape;190;p22"/>
-          <p:cNvSpPr txBox="1"/>
+          <p:cNvSpPr txBox="1">
+            <a:spLocks noGrp="1"/>
+          </p:cNvSpPr>
           <p:nvPr>
             <p:ph type="title"/>
           </p:nvPr>
@@ -10132,12 +10090,12 @@
           </a:prstGeom>
         </p:spPr>
         <p:txBody>
-          <a:bodyPr anchorCtr="0" anchor="t" bIns="91425" lIns="91425" spcFirstLastPara="1" rIns="91425" wrap="square" tIns="91425">
+          <a:bodyPr spcFirstLastPara="1" wrap="square" lIns="91425" tIns="91425" rIns="91425" bIns="91425" anchor="t" anchorCtr="0">
             <a:normAutofit/>
           </a:bodyPr>
           <a:lstStyle/>
           <a:p>
-            <a:pPr indent="0" lvl="0" marL="0" rtl="0" algn="l">
+            <a:pPr marL="0" lvl="0" indent="0" algn="l" rtl="0">
               <a:spcBef>
                 <a:spcPts val="0"/>
               </a:spcBef>
@@ -10157,9 +10115,11 @@
       <p:sp>
         <p:nvSpPr>
           <p:cNvPr id="191" name="Google Shape;191;p22"/>
-          <p:cNvSpPr txBox="1"/>
+          <p:cNvSpPr txBox="1">
+            <a:spLocks noGrp="1"/>
+          </p:cNvSpPr>
           <p:nvPr>
-            <p:ph idx="1" type="body"/>
+            <p:ph type="body" idx="1"/>
           </p:nvPr>
         </p:nvSpPr>
         <p:spPr>
@@ -10172,12 +10132,12 @@
           </a:prstGeom>
         </p:spPr>
         <p:txBody>
-          <a:bodyPr anchorCtr="0" anchor="t" bIns="91425" lIns="91425" spcFirstLastPara="1" rIns="91425" wrap="square" tIns="91425">
+          <a:bodyPr spcFirstLastPara="1" wrap="square" lIns="91425" tIns="91425" rIns="91425" bIns="91425" anchor="t" anchorCtr="0">
             <a:normAutofit/>
           </a:bodyPr>
           <a:lstStyle/>
           <a:p>
-            <a:pPr indent="-311150" lvl="0" marL="457200" rtl="0" algn="l">
+            <a:pPr marL="457200" lvl="0" indent="-311150" algn="l" rtl="0">
               <a:spcBef>
                 <a:spcPts val="0"/>
               </a:spcBef>
@@ -10188,17 +10148,13 @@
               <a:buChar char="●"/>
             </a:pPr>
             <a:r>
-              <a:rPr lang="en"/>
-              <a:t>I</a:t>
+              <a:rPr lang="en" dirty="0"/>
+              <a:t>Identify Problems Before They Escalate</a:t>
             </a:r>
-            <a:r>
-              <a:rPr lang="en"/>
-              <a:t>dentify Problems Before They Escalate</a:t>
-            </a:r>
-            <a:endParaRPr/>
+            <a:endParaRPr dirty="0"/>
           </a:p>
           <a:p>
-            <a:pPr indent="-311150" lvl="0" marL="457200" rtl="0" algn="l">
+            <a:pPr marL="457200" lvl="0" indent="-311150" algn="l" rtl="0">
               <a:spcBef>
                 <a:spcPts val="0"/>
               </a:spcBef>
@@ -10209,13 +10165,13 @@
               <a:buChar char="●"/>
             </a:pPr>
             <a:r>
-              <a:rPr lang="en"/>
-              <a:t>Real-Time Alerts</a:t>
+              <a:rPr lang="en" dirty="0"/>
+              <a:t>Optimize Resource Usage</a:t>
             </a:r>
-            <a:endParaRPr/>
+            <a:endParaRPr dirty="0"/>
           </a:p>
           <a:p>
-            <a:pPr indent="-311150" lvl="0" marL="457200" rtl="0" algn="l">
+            <a:pPr marL="457200" lvl="0" indent="-311150" algn="l" rtl="0">
               <a:spcBef>
                 <a:spcPts val="0"/>
               </a:spcBef>
@@ -10226,13 +10182,13 @@
               <a:buChar char="●"/>
             </a:pPr>
             <a:r>
-              <a:rPr lang="en"/>
-              <a:t>Optimize Resource Usage</a:t>
+              <a:rPr lang="en" dirty="0"/>
+              <a:t>Improve Uptime ( avoiding system failure )</a:t>
             </a:r>
-            <a:endParaRPr/>
+            <a:endParaRPr dirty="0"/>
           </a:p>
           <a:p>
-            <a:pPr indent="-311150" lvl="0" marL="457200" rtl="0" algn="l">
+            <a:pPr marL="457200" lvl="0" indent="-311150" algn="l" rtl="0">
               <a:spcBef>
                 <a:spcPts val="0"/>
               </a:spcBef>
@@ -10243,13 +10199,13 @@
               <a:buChar char="●"/>
             </a:pPr>
             <a:r>
-              <a:rPr lang="en"/>
-              <a:t>Improve Uptime ( avoiding system failure )</a:t>
+              <a:rPr lang="en" dirty="0"/>
+              <a:t>Understand System Behavior (Gain visibility on how your system behaves under different circumstances)</a:t>
             </a:r>
-            <a:endParaRPr/>
+            <a:endParaRPr dirty="0"/>
           </a:p>
           <a:p>
-            <a:pPr indent="-311150" lvl="0" marL="457200" rtl="0" algn="l">
+            <a:pPr marL="457200" lvl="0" indent="-311150" algn="l" rtl="0">
               <a:spcBef>
                 <a:spcPts val="0"/>
               </a:spcBef>
@@ -10260,13 +10216,13 @@
               <a:buChar char="●"/>
             </a:pPr>
             <a:r>
-              <a:rPr lang="en"/>
-              <a:t>Understand System Behavior (Gain visibility on how your system behaves under different circumstances)</a:t>
+              <a:rPr lang="en" dirty="0"/>
+              <a:t>Single View for All Systems / Manage Everything in One Place</a:t>
             </a:r>
-            <a:endParaRPr/>
+            <a:endParaRPr dirty="0"/>
           </a:p>
           <a:p>
-            <a:pPr indent="-311150" lvl="0" marL="457200" rtl="0" algn="l">
+            <a:pPr marL="457200" lvl="0" indent="-311150" algn="l" rtl="0">
               <a:spcBef>
                 <a:spcPts val="0"/>
               </a:spcBef>
@@ -10277,13 +10233,13 @@
               <a:buChar char="●"/>
             </a:pPr>
             <a:r>
-              <a:rPr lang="en"/>
-              <a:t>Single View for All Systems / Manage Everything in One Place</a:t>
+              <a:rPr lang="en" dirty="0"/>
+              <a:t>Maximize Resource Efficiency ( Better allocate resources)</a:t>
             </a:r>
-            <a:endParaRPr/>
+            <a:endParaRPr dirty="0"/>
           </a:p>
           <a:p>
-            <a:pPr indent="-311150" lvl="0" marL="457200" rtl="0" algn="l">
+            <a:pPr marL="457200" lvl="0" indent="-311150" algn="l" rtl="0">
               <a:spcBef>
                 <a:spcPts val="0"/>
               </a:spcBef>
@@ -10294,35 +10250,10 @@
               <a:buChar char="●"/>
             </a:pPr>
             <a:r>
-              <a:rPr lang="en"/>
-              <a:t>Maximize Resource Efficiency ( Better allocate resources)</a:t>
+              <a:rPr lang="en" dirty="0"/>
+              <a:t>AND MOST IMPORTANTLY, IT'S FREEEEEE !!!</a:t>
             </a:r>
-            <a:endParaRPr/>
-          </a:p>
-          <a:p>
-            <a:pPr indent="-311150" lvl="0" marL="457200" rtl="0" algn="l">
-              <a:spcBef>
-                <a:spcPts val="0"/>
-              </a:spcBef>
-              <a:spcAft>
-                <a:spcPts val="0"/>
-              </a:spcAft>
-              <a:buSzPts val="1300"/>
-              <a:buChar char="●"/>
-            </a:pPr>
-            <a:r>
-              <a:rPr lang="en"/>
-              <a:t>AND MOST IMPORTANTLY, </a:t>
-            </a:r>
-            <a:r>
-              <a:rPr lang="en"/>
-              <a:t>IT'S</a:t>
-            </a:r>
-            <a:r>
-              <a:rPr lang="en"/>
-              <a:t> FREEEEEE !!!</a:t>
-            </a:r>
-            <a:endParaRPr/>
+            <a:endParaRPr dirty="0"/>
           </a:p>
         </p:txBody>
       </p:sp>
@@ -10335,11 +10266,11 @@
 </file>
 
 <file path=ppt/slides/slide11.xml><?xml version="1.0" encoding="utf-8"?>
-<p:sld xmlns:a="http://schemas.openxmlformats.org/drawingml/2006/main" xmlns:r="http://schemas.openxmlformats.org/officeDocument/2006/relationships" xmlns:mc="http://schemas.openxmlformats.org/markup-compatibility/2006" xmlns:mv="urn:schemas-microsoft-com:mac:vml" xmlns:p="http://schemas.openxmlformats.org/presentationml/2006/main" xmlns:c="http://schemas.openxmlformats.org/drawingml/2006/chart" xmlns:dgm="http://schemas.openxmlformats.org/drawingml/2006/diagram" xmlns:o="urn:schemas-microsoft-com:office:office" xmlns:v="urn:schemas-microsoft-com:vml" xmlns:pvml="urn:schemas-microsoft-com:office:powerpoint" xmlns:com="http://schemas.openxmlformats.org/drawingml/2006/compatibility" xmlns:p14="http://schemas.microsoft.com/office/powerpoint/2010/main" xmlns:p15="http://schemas.microsoft.com/office/powerpoint/2012/main" xmlns:ahyp="http://schemas.microsoft.com/office/drawing/2018/hyperlinkcolor">
+<p:sld xmlns:a="http://schemas.openxmlformats.org/drawingml/2006/main" xmlns:r="http://schemas.openxmlformats.org/officeDocument/2006/relationships" xmlns:p="http://schemas.openxmlformats.org/presentationml/2006/main">
   <p:cSld>
     <p:spTree>
       <p:nvGrpSpPr>
-        <p:cNvPr id="195" name="Shape 195"/>
+        <p:cNvPr id="1" name="Shape 195"/>
         <p:cNvGrpSpPr/>
         <p:nvPr/>
       </p:nvGrpSpPr>
@@ -10354,27 +10285,29 @@
       <p:sp>
         <p:nvSpPr>
           <p:cNvPr id="196" name="Google Shape;196;p23"/>
-          <p:cNvSpPr txBox="1"/>
+          <p:cNvSpPr txBox="1">
+            <a:spLocks noGrp="1"/>
+          </p:cNvSpPr>
           <p:nvPr>
             <p:ph type="title"/>
           </p:nvPr>
         </p:nvSpPr>
         <p:spPr>
           <a:xfrm>
-            <a:off x="3240600" y="2051100"/>
-            <a:ext cx="7038900" cy="914100"/>
+            <a:off x="2874172" y="2114700"/>
+            <a:ext cx="3395656" cy="914100"/>
           </a:xfrm>
           <a:prstGeom prst="rect">
             <a:avLst/>
           </a:prstGeom>
         </p:spPr>
         <p:txBody>
-          <a:bodyPr anchorCtr="0" anchor="t" bIns="91425" lIns="91425" spcFirstLastPara="1" rIns="91425" wrap="square" tIns="91425">
+          <a:bodyPr spcFirstLastPara="1" wrap="square" lIns="91425" tIns="91425" rIns="91425" bIns="91425" anchor="t" anchorCtr="0">
             <a:normAutofit/>
           </a:bodyPr>
           <a:lstStyle/>
           <a:p>
-            <a:pPr indent="0" lvl="0" marL="0" rtl="0" algn="l">
+            <a:pPr marL="0" lvl="0" indent="0" algn="l" rtl="0">
               <a:spcBef>
                 <a:spcPts val="0"/>
               </a:spcBef>
@@ -10384,49 +10317,10 @@
               <a:buNone/>
             </a:pPr>
             <a:r>
-              <a:rPr lang="en"/>
+              <a:rPr lang="en" sz="4000" dirty="0"/>
               <a:t>Thank You !</a:t>
             </a:r>
-            <a:endParaRPr/>
-          </a:p>
-        </p:txBody>
-      </p:sp>
-      <p:sp>
-        <p:nvSpPr>
-          <p:cNvPr id="197" name="Google Shape;197;p23"/>
-          <p:cNvSpPr txBox="1"/>
-          <p:nvPr>
-            <p:ph idx="1" type="body"/>
-          </p:nvPr>
-        </p:nvSpPr>
-        <p:spPr>
-          <a:xfrm>
-            <a:off x="1297500" y="1567550"/>
-            <a:ext cx="7038900" cy="2911200"/>
-          </a:xfrm>
-          <a:prstGeom prst="rect">
-            <a:avLst/>
-          </a:prstGeom>
-        </p:spPr>
-        <p:txBody>
-          <a:bodyPr anchorCtr="0" anchor="t" bIns="91425" lIns="91425" spcFirstLastPara="1" rIns="91425" wrap="square" tIns="91425">
-            <a:normAutofit/>
-          </a:bodyPr>
-          <a:lstStyle/>
-          <a:p>
-            <a:pPr indent="0" lvl="0" marL="0" rtl="0" algn="l">
-              <a:spcBef>
-                <a:spcPts val="0"/>
-              </a:spcBef>
-              <a:spcAft>
-                <a:spcPts val="1200"/>
-              </a:spcAft>
-              <a:buNone/>
-            </a:pPr>
-            <a:r>
-              <a:t/>
-            </a:r>
-            <a:endParaRPr/>
+            <a:endParaRPr sz="4000" dirty="0"/>
           </a:p>
         </p:txBody>
       </p:sp>
@@ -10439,11 +10333,11 @@
 </file>
 
 <file path=ppt/slides/slide2.xml><?xml version="1.0" encoding="utf-8"?>
-<p:sld xmlns:a="http://schemas.openxmlformats.org/drawingml/2006/main" xmlns:r="http://schemas.openxmlformats.org/officeDocument/2006/relationships" xmlns:mc="http://schemas.openxmlformats.org/markup-compatibility/2006" xmlns:mv="urn:schemas-microsoft-com:mac:vml" xmlns:p="http://schemas.openxmlformats.org/presentationml/2006/main" xmlns:c="http://schemas.openxmlformats.org/drawingml/2006/chart" xmlns:dgm="http://schemas.openxmlformats.org/drawingml/2006/diagram" xmlns:o="urn:schemas-microsoft-com:office:office" xmlns:v="urn:schemas-microsoft-com:vml" xmlns:pvml="urn:schemas-microsoft-com:office:powerpoint" xmlns:com="http://schemas.openxmlformats.org/drawingml/2006/compatibility" xmlns:p14="http://schemas.microsoft.com/office/powerpoint/2010/main" xmlns:p15="http://schemas.microsoft.com/office/powerpoint/2012/main" xmlns:ahyp="http://schemas.microsoft.com/office/drawing/2018/hyperlinkcolor">
+<p:sld xmlns:a="http://schemas.openxmlformats.org/drawingml/2006/main" xmlns:r="http://schemas.openxmlformats.org/officeDocument/2006/relationships" xmlns:p="http://schemas.openxmlformats.org/presentationml/2006/main">
   <p:cSld>
     <p:spTree>
       <p:nvGrpSpPr>
-        <p:cNvPr id="139" name="Shape 139"/>
+        <p:cNvPr id="1" name="Shape 139"/>
         <p:cNvGrpSpPr/>
         <p:nvPr/>
       </p:nvGrpSpPr>
@@ -10458,7 +10352,9 @@
       <p:sp>
         <p:nvSpPr>
           <p:cNvPr id="140" name="Google Shape;140;p14"/>
-          <p:cNvSpPr txBox="1"/>
+          <p:cNvSpPr txBox="1">
+            <a:spLocks noGrp="1"/>
+          </p:cNvSpPr>
           <p:nvPr>
             <p:ph type="title"/>
           </p:nvPr>
@@ -10473,12 +10369,12 @@
           </a:prstGeom>
         </p:spPr>
         <p:txBody>
-          <a:bodyPr anchorCtr="0" anchor="t" bIns="91425" lIns="91425" spcFirstLastPara="1" rIns="91425" wrap="square" tIns="91425">
+          <a:bodyPr spcFirstLastPara="1" wrap="square" lIns="91425" tIns="91425" rIns="91425" bIns="91425" anchor="t" anchorCtr="0">
             <a:normAutofit/>
           </a:bodyPr>
           <a:lstStyle/>
           <a:p>
-            <a:pPr indent="0" lvl="0" marL="0" rtl="0" algn="l">
+            <a:pPr marL="0" lvl="0" indent="0" algn="l" rtl="0">
               <a:spcBef>
                 <a:spcPts val="0"/>
               </a:spcBef>
@@ -10498,9 +10394,11 @@
       <p:sp>
         <p:nvSpPr>
           <p:cNvPr id="141" name="Google Shape;141;p14"/>
-          <p:cNvSpPr txBox="1"/>
+          <p:cNvSpPr txBox="1">
+            <a:spLocks noGrp="1"/>
+          </p:cNvSpPr>
           <p:nvPr>
-            <p:ph idx="1" type="body"/>
+            <p:ph type="body" idx="1"/>
           </p:nvPr>
         </p:nvSpPr>
         <p:spPr>
@@ -10511,23 +10409,23 @@
           <a:prstGeom prst="rect">
             <a:avLst/>
           </a:prstGeom>
-          <a:ln cap="flat" cmpd="sng" w="9525">
+          <a:ln w="9525" cap="flat" cmpd="sng">
             <a:solidFill>
               <a:schemeClr val="dk1"/>
             </a:solidFill>
             <a:prstDash val="solid"/>
             <a:round/>
-            <a:headEnd len="sm" w="sm" type="none"/>
-            <a:tailEnd len="sm" w="sm" type="none"/>
+            <a:headEnd type="none" w="sm" len="sm"/>
+            <a:tailEnd type="none" w="sm" len="sm"/>
           </a:ln>
         </p:spPr>
         <p:txBody>
-          <a:bodyPr anchorCtr="0" anchor="t" bIns="91425" lIns="91425" spcFirstLastPara="1" rIns="91425" wrap="square" tIns="91425">
+          <a:bodyPr spcFirstLastPara="1" wrap="square" lIns="91425" tIns="91425" rIns="91425" bIns="91425" anchor="t" anchorCtr="0">
             <a:noAutofit/>
           </a:bodyPr>
           <a:lstStyle/>
           <a:p>
-            <a:pPr indent="0" lvl="0" marL="0" rtl="0" algn="l">
+            <a:pPr marL="0" lvl="0" indent="0" algn="l" rtl="0">
               <a:lnSpc>
                 <a:spcPct val="95000"/>
               </a:lnSpc>
@@ -10540,7 +10438,7 @@
               <a:buNone/>
             </a:pPr>
             <a:r>
-              <a:rPr b="1" lang="en">
+              <a:rPr lang="en" b="1">
                 <a:latin typeface="Arial"/>
                 <a:ea typeface="Arial"/>
                 <a:cs typeface="Arial"/>
@@ -10565,7 +10463,7 @@
             </a:endParaRPr>
           </a:p>
           <a:p>
-            <a:pPr indent="0" lvl="0" marL="0" rtl="0" algn="l">
+            <a:pPr marL="0" lvl="0" indent="0" algn="l" rtl="0">
               <a:lnSpc>
                 <a:spcPct val="95000"/>
               </a:lnSpc>
@@ -10578,7 +10476,7 @@
               <a:buNone/>
             </a:pPr>
             <a:r>
-              <a:rPr b="1" lang="en">
+              <a:rPr lang="en" b="1">
                 <a:latin typeface="Arial"/>
                 <a:ea typeface="Arial"/>
                 <a:cs typeface="Arial"/>
@@ -10603,7 +10501,7 @@
             </a:endParaRPr>
           </a:p>
           <a:p>
-            <a:pPr indent="0" lvl="0" marL="0" rtl="0" algn="l">
+            <a:pPr marL="0" lvl="0" indent="0" algn="l" rtl="0">
               <a:lnSpc>
                 <a:spcPct val="95000"/>
               </a:lnSpc>
@@ -10616,7 +10514,7 @@
               <a:buNone/>
             </a:pPr>
             <a:r>
-              <a:rPr b="1" lang="en">
+              <a:rPr lang="en" b="1">
                 <a:latin typeface="Arial"/>
                 <a:ea typeface="Arial"/>
                 <a:cs typeface="Arial"/>
@@ -10641,7 +10539,7 @@
             </a:endParaRPr>
           </a:p>
           <a:p>
-            <a:pPr indent="0" lvl="0" marL="0" rtl="0" algn="l">
+            <a:pPr marL="0" lvl="0" indent="0" algn="l" rtl="0">
               <a:lnSpc>
                 <a:spcPct val="95000"/>
               </a:lnSpc>
@@ -10654,7 +10552,7 @@
               <a:buNone/>
             </a:pPr>
             <a:r>
-              <a:rPr b="1" lang="en">
+              <a:rPr lang="en" b="1">
                 <a:latin typeface="Arial"/>
                 <a:ea typeface="Arial"/>
                 <a:cs typeface="Arial"/>
@@ -10679,7 +10577,7 @@
             </a:endParaRPr>
           </a:p>
           <a:p>
-            <a:pPr indent="-311150" lvl="0" marL="457200" rtl="0" algn="l">
+            <a:pPr marL="457200" lvl="0" indent="-311150" algn="l" rtl="0">
               <a:spcBef>
                 <a:spcPts val="1200"/>
               </a:spcBef>
@@ -10710,7 +10608,7 @@
             </a:endParaRPr>
           </a:p>
           <a:p>
-            <a:pPr indent="-311150" lvl="0" marL="457200" rtl="0" algn="l">
+            <a:pPr marL="457200" lvl="0" indent="-311150" algn="l" rtl="0">
               <a:spcBef>
                 <a:spcPts val="0"/>
               </a:spcBef>
@@ -10741,7 +10639,7 @@
             </a:endParaRPr>
           </a:p>
           <a:p>
-            <a:pPr indent="0" lvl="0" marL="0" rtl="0" algn="l">
+            <a:pPr marL="0" lvl="0" indent="0" algn="l" rtl="0">
               <a:spcBef>
                 <a:spcPts val="1200"/>
               </a:spcBef>
@@ -10751,7 +10649,7 @@
               <a:buNone/>
             </a:pPr>
             <a:r>
-              <a:rPr b="1" lang="en">
+              <a:rPr lang="en" b="1">
                 <a:latin typeface="Arial"/>
                 <a:ea typeface="Arial"/>
                 <a:cs typeface="Arial"/>
@@ -10776,7 +10674,7 @@
             </a:endParaRPr>
           </a:p>
           <a:p>
-            <a:pPr indent="-311150" lvl="0" marL="457200" rtl="0" algn="l">
+            <a:pPr marL="457200" lvl="0" indent="-311150" algn="l" rtl="0">
               <a:spcBef>
                 <a:spcPts val="1200"/>
               </a:spcBef>
@@ -10807,7 +10705,7 @@
             </a:endParaRPr>
           </a:p>
           <a:p>
-            <a:pPr indent="-311150" lvl="0" marL="457200" rtl="0" algn="l">
+            <a:pPr marL="457200" lvl="0" indent="-311150" algn="l" rtl="0">
               <a:spcBef>
                 <a:spcPts val="0"/>
               </a:spcBef>
@@ -10838,7 +10736,7 @@
             </a:endParaRPr>
           </a:p>
           <a:p>
-            <a:pPr indent="0" lvl="0" marL="0" rtl="0" algn="l">
+            <a:pPr marL="0" lvl="0" indent="0" algn="l" rtl="0">
               <a:lnSpc>
                 <a:spcPct val="95000"/>
               </a:lnSpc>
@@ -10851,9 +10749,6 @@
               <a:buSzPts val="275"/>
               <a:buNone/>
             </a:pPr>
-            <a:r>
-              <a:t/>
-            </a:r>
             <a:endParaRPr>
               <a:highlight>
                 <a:srgbClr val="0D1117"/>
@@ -10875,11 +10770,11 @@
 </file>
 
 <file path=ppt/slides/slide3.xml><?xml version="1.0" encoding="utf-8"?>
-<p:sld xmlns:a="http://schemas.openxmlformats.org/drawingml/2006/main" xmlns:r="http://schemas.openxmlformats.org/officeDocument/2006/relationships" xmlns:mc="http://schemas.openxmlformats.org/markup-compatibility/2006" xmlns:mv="urn:schemas-microsoft-com:mac:vml" xmlns:p="http://schemas.openxmlformats.org/presentationml/2006/main" xmlns:c="http://schemas.openxmlformats.org/drawingml/2006/chart" xmlns:dgm="http://schemas.openxmlformats.org/drawingml/2006/diagram" xmlns:o="urn:schemas-microsoft-com:office:office" xmlns:v="urn:schemas-microsoft-com:vml" xmlns:pvml="urn:schemas-microsoft-com:office:powerpoint" xmlns:com="http://schemas.openxmlformats.org/drawingml/2006/compatibility" xmlns:p14="http://schemas.microsoft.com/office/powerpoint/2010/main" xmlns:p15="http://schemas.microsoft.com/office/powerpoint/2012/main" xmlns:ahyp="http://schemas.microsoft.com/office/drawing/2018/hyperlinkcolor">
+<p:sld xmlns:a="http://schemas.openxmlformats.org/drawingml/2006/main" xmlns:r="http://schemas.openxmlformats.org/officeDocument/2006/relationships" xmlns:p="http://schemas.openxmlformats.org/presentationml/2006/main">
   <p:cSld>
     <p:spTree>
       <p:nvGrpSpPr>
-        <p:cNvPr id="145" name="Shape 145"/>
+        <p:cNvPr id="1" name="Shape 145"/>
         <p:cNvGrpSpPr/>
         <p:nvPr/>
       </p:nvGrpSpPr>
@@ -10894,7 +10789,9 @@
       <p:sp>
         <p:nvSpPr>
           <p:cNvPr id="146" name="Google Shape;146;p15"/>
-          <p:cNvSpPr txBox="1"/>
+          <p:cNvSpPr txBox="1">
+            <a:spLocks noGrp="1"/>
+          </p:cNvSpPr>
           <p:nvPr>
             <p:ph type="title"/>
           </p:nvPr>
@@ -10909,12 +10806,12 @@
           </a:prstGeom>
         </p:spPr>
         <p:txBody>
-          <a:bodyPr anchorCtr="0" anchor="t" bIns="91425" lIns="91425" spcFirstLastPara="1" rIns="91425" wrap="square" tIns="91425">
+          <a:bodyPr spcFirstLastPara="1" wrap="square" lIns="91425" tIns="91425" rIns="91425" bIns="91425" anchor="t" anchorCtr="0">
             <a:normAutofit/>
           </a:bodyPr>
           <a:lstStyle/>
           <a:p>
-            <a:pPr indent="0" lvl="0" marL="0" rtl="0" algn="l">
+            <a:pPr marL="0" lvl="0" indent="0" algn="l" rtl="0">
               <a:spcBef>
                 <a:spcPts val="0"/>
               </a:spcBef>
@@ -10934,9 +10831,11 @@
       <p:sp>
         <p:nvSpPr>
           <p:cNvPr id="147" name="Google Shape;147;p15"/>
-          <p:cNvSpPr txBox="1"/>
+          <p:cNvSpPr txBox="1">
+            <a:spLocks noGrp="1"/>
+          </p:cNvSpPr>
           <p:nvPr>
-            <p:ph idx="1" type="body"/>
+            <p:ph type="body" idx="1"/>
           </p:nvPr>
         </p:nvSpPr>
         <p:spPr>
@@ -10949,12 +10848,12 @@
           </a:prstGeom>
         </p:spPr>
         <p:txBody>
-          <a:bodyPr anchorCtr="0" anchor="t" bIns="91425" lIns="91425" spcFirstLastPara="1" rIns="91425" wrap="square" tIns="91425">
+          <a:bodyPr spcFirstLastPara="1" wrap="square" lIns="91425" tIns="91425" rIns="91425" bIns="91425" anchor="t" anchorCtr="0">
             <a:noAutofit/>
           </a:bodyPr>
           <a:lstStyle/>
           <a:p>
-            <a:pPr indent="-304800" lvl="0" marL="457200" rtl="0" algn="l">
+            <a:pPr marL="457200" lvl="0" indent="-304800" algn="l" rtl="0">
               <a:spcBef>
                 <a:spcPts val="1200"/>
               </a:spcBef>
@@ -10966,7 +10865,7 @@
               <a:buAutoNum type="arabicParenR"/>
             </a:pPr>
             <a:r>
-              <a:rPr b="1" lang="en" sz="1200">
+              <a:rPr lang="en" sz="1200" b="1">
                 <a:latin typeface="Arial"/>
                 <a:ea typeface="Arial"/>
                 <a:cs typeface="Arial"/>
@@ -10974,7 +10873,7 @@
               </a:rPr>
               <a:t>CheckMk</a:t>
             </a:r>
-            <a:endParaRPr b="1" sz="1200">
+            <a:endParaRPr sz="1200" b="1">
               <a:latin typeface="Arial"/>
               <a:ea typeface="Arial"/>
               <a:cs typeface="Arial"/>
@@ -10982,7 +10881,7 @@
             </a:endParaRPr>
           </a:p>
           <a:p>
-            <a:pPr indent="0" lvl="0" marL="0" rtl="0" algn="l">
+            <a:pPr marL="0" lvl="0" indent="0" algn="l" rtl="0">
               <a:spcBef>
                 <a:spcPts val="1200"/>
               </a:spcBef>
@@ -10992,7 +10891,7 @@
               <a:buNone/>
             </a:pPr>
             <a:r>
-              <a:rPr b="1" lang="en" sz="1200">
+              <a:rPr lang="en" sz="1200" b="1">
                 <a:latin typeface="Arial"/>
                 <a:ea typeface="Arial"/>
                 <a:cs typeface="Arial"/>
@@ -11017,7 +10916,7 @@
             </a:endParaRPr>
           </a:p>
           <a:p>
-            <a:pPr indent="-304800" lvl="0" marL="457200" rtl="0" algn="l">
+            <a:pPr marL="457200" lvl="0" indent="-304800" algn="l" rtl="0">
               <a:spcBef>
                 <a:spcPts val="1200"/>
               </a:spcBef>
@@ -11048,7 +10947,7 @@
             </a:endParaRPr>
           </a:p>
           <a:p>
-            <a:pPr indent="-304800" lvl="0" marL="457200" rtl="0" algn="l">
+            <a:pPr marL="457200" lvl="0" indent="-304800" algn="l" rtl="0">
               <a:spcBef>
                 <a:spcPts val="0"/>
               </a:spcBef>
@@ -11079,7 +10978,7 @@
             </a:endParaRPr>
           </a:p>
           <a:p>
-            <a:pPr indent="-304800" lvl="0" marL="457200" rtl="0" algn="l">
+            <a:pPr marL="457200" lvl="0" indent="-304800" algn="l" rtl="0">
               <a:spcBef>
                 <a:spcPts val="0"/>
               </a:spcBef>
@@ -11110,7 +11009,7 @@
             </a:endParaRPr>
           </a:p>
           <a:p>
-            <a:pPr indent="0" lvl="0" marL="0" rtl="0" algn="l">
+            <a:pPr marL="0" lvl="0" indent="0" algn="l" rtl="0">
               <a:spcBef>
                 <a:spcPts val="1200"/>
               </a:spcBef>
@@ -11120,7 +11019,7 @@
               <a:buNone/>
             </a:pPr>
             <a:r>
-              <a:rPr b="1" lang="en" sz="1200">
+              <a:rPr lang="en" sz="1200" b="1">
                 <a:latin typeface="Arial"/>
                 <a:ea typeface="Arial"/>
                 <a:cs typeface="Arial"/>
@@ -11145,7 +11044,7 @@
             </a:endParaRPr>
           </a:p>
           <a:p>
-            <a:pPr indent="-304800" lvl="0" marL="457200" rtl="0" algn="l">
+            <a:pPr marL="457200" lvl="0" indent="-304800" algn="l" rtl="0">
               <a:spcBef>
                 <a:spcPts val="1200"/>
               </a:spcBef>
@@ -11176,7 +11075,7 @@
             </a:endParaRPr>
           </a:p>
           <a:p>
-            <a:pPr indent="0" lvl="0" marL="0" rtl="0" algn="l">
+            <a:pPr marL="0" lvl="0" indent="0" algn="l" rtl="0">
               <a:spcBef>
                 <a:spcPts val="1200"/>
               </a:spcBef>
@@ -11185,9 +11084,6 @@
               </a:spcAft>
               <a:buNone/>
             </a:pPr>
-            <a:r>
-              <a:t/>
-            </a:r>
             <a:endParaRPr sz="1200"/>
           </a:p>
         </p:txBody>
@@ -11212,12 +11108,12 @@
           </a:ln>
         </p:spPr>
         <p:txBody>
-          <a:bodyPr anchorCtr="0" anchor="t" bIns="91425" lIns="91425" spcFirstLastPara="1" rIns="91425" wrap="square" tIns="91425">
+          <a:bodyPr spcFirstLastPara="1" wrap="square" lIns="91425" tIns="91425" rIns="91425" bIns="91425" anchor="t" anchorCtr="0">
             <a:noAutofit/>
           </a:bodyPr>
           <a:lstStyle/>
           <a:p>
-            <a:pPr indent="0" lvl="0" marL="0" rtl="0" algn="l">
+            <a:pPr marL="0" lvl="0" indent="0" algn="l" rtl="0">
               <a:lnSpc>
                 <a:spcPct val="115000"/>
               </a:lnSpc>
@@ -11230,21 +11126,21 @@
               <a:buNone/>
             </a:pPr>
             <a:r>
-              <a:rPr b="1" lang="en" sz="1200">
+              <a:rPr lang="en" sz="1200" b="1">
                 <a:solidFill>
                   <a:schemeClr val="lt1"/>
                 </a:solidFill>
               </a:rPr>
               <a:t>2)    Zabbix</a:t>
             </a:r>
-            <a:endParaRPr b="1" sz="1200">
+            <a:endParaRPr sz="1200" b="1">
               <a:solidFill>
                 <a:schemeClr val="lt1"/>
               </a:solidFill>
             </a:endParaRPr>
           </a:p>
           <a:p>
-            <a:pPr indent="0" lvl="0" marL="0" rtl="0" algn="l">
+            <a:pPr marL="0" lvl="0" indent="0" algn="l" rtl="0">
               <a:lnSpc>
                 <a:spcPct val="115000"/>
               </a:lnSpc>
@@ -11257,7 +11153,7 @@
               <a:buNone/>
             </a:pPr>
             <a:r>
-              <a:rPr b="1" lang="en" sz="1200">
+              <a:rPr lang="en" sz="1200" b="1">
                 <a:solidFill>
                   <a:schemeClr val="lt1"/>
                 </a:solidFill>
@@ -11279,7 +11175,7 @@
             </a:endParaRPr>
           </a:p>
           <a:p>
-            <a:pPr indent="-304800" lvl="0" marL="457200" rtl="0" algn="l">
+            <a:pPr marL="457200" lvl="0" indent="-304800" algn="l" rtl="0">
               <a:lnSpc>
                 <a:spcPct val="115000"/>
               </a:lnSpc>
@@ -11310,7 +11206,7 @@
             </a:endParaRPr>
           </a:p>
           <a:p>
-            <a:pPr indent="-304800" lvl="0" marL="457200" rtl="0" algn="l">
+            <a:pPr marL="457200" lvl="0" indent="-304800" algn="l" rtl="0">
               <a:lnSpc>
                 <a:spcPct val="115000"/>
               </a:lnSpc>
@@ -11341,7 +11237,7 @@
             </a:endParaRPr>
           </a:p>
           <a:p>
-            <a:pPr indent="-304800" lvl="0" marL="457200" rtl="0" algn="l">
+            <a:pPr marL="457200" lvl="0" indent="-304800" algn="l" rtl="0">
               <a:lnSpc>
                 <a:spcPct val="115000"/>
               </a:lnSpc>
@@ -11372,7 +11268,7 @@
             </a:endParaRPr>
           </a:p>
           <a:p>
-            <a:pPr indent="0" lvl="0" marL="0" rtl="0" algn="l">
+            <a:pPr marL="0" lvl="0" indent="0" algn="l" rtl="0">
               <a:lnSpc>
                 <a:spcPct val="115000"/>
               </a:lnSpc>
@@ -11385,7 +11281,7 @@
               <a:buNone/>
             </a:pPr>
             <a:r>
-              <a:rPr b="1" lang="en" sz="1200">
+              <a:rPr lang="en" sz="1200" b="1">
                 <a:solidFill>
                   <a:schemeClr val="lt1"/>
                 </a:solidFill>
@@ -11407,7 +11303,7 @@
             </a:endParaRPr>
           </a:p>
           <a:p>
-            <a:pPr indent="-304800" lvl="0" marL="457200" rtl="0" algn="l">
+            <a:pPr marL="457200" lvl="0" indent="-304800" algn="l" rtl="0">
               <a:lnSpc>
                 <a:spcPct val="115000"/>
               </a:lnSpc>
@@ -11438,7 +11334,7 @@
             </a:endParaRPr>
           </a:p>
           <a:p>
-            <a:pPr indent="-304800" lvl="0" marL="457200" rtl="0" algn="l">
+            <a:pPr marL="457200" lvl="0" indent="-304800" algn="l" rtl="0">
               <a:lnSpc>
                 <a:spcPct val="115000"/>
               </a:lnSpc>
@@ -11469,7 +11365,7 @@
             </a:endParaRPr>
           </a:p>
           <a:p>
-            <a:pPr indent="0" lvl="0" marL="0" rtl="0" algn="l">
+            <a:pPr marL="0" lvl="0" indent="0" algn="l" rtl="0">
               <a:spcBef>
                 <a:spcPts val="1200"/>
               </a:spcBef>
@@ -11478,9 +11374,6 @@
               </a:spcAft>
               <a:buNone/>
             </a:pPr>
-            <a:r>
-              <a:t/>
-            </a:r>
             <a:endParaRPr sz="1200">
               <a:solidFill>
                 <a:schemeClr val="lt1"/>
@@ -11513,12 +11406,12 @@
           </a:ln>
         </p:spPr>
         <p:txBody>
-          <a:bodyPr anchorCtr="0" anchor="t" bIns="91425" lIns="91425" spcFirstLastPara="1" rIns="91425" wrap="square" tIns="91425">
+          <a:bodyPr spcFirstLastPara="1" wrap="square" lIns="91425" tIns="91425" rIns="91425" bIns="91425" anchor="t" anchorCtr="0">
             <a:noAutofit/>
           </a:bodyPr>
           <a:lstStyle/>
           <a:p>
-            <a:pPr indent="0" lvl="0" marL="0" rtl="0" algn="l">
+            <a:pPr marL="0" lvl="0" indent="0" algn="l" rtl="0">
               <a:lnSpc>
                 <a:spcPct val="115000"/>
               </a:lnSpc>
@@ -11531,21 +11424,21 @@
               <a:buNone/>
             </a:pPr>
             <a:r>
-              <a:rPr b="1" lang="en" sz="1200">
+              <a:rPr lang="en" sz="1200" b="1">
                 <a:solidFill>
                   <a:srgbClr val="F0F6FC"/>
                 </a:solidFill>
               </a:rPr>
               <a:t>3)   Prometheus + Grafana</a:t>
             </a:r>
-            <a:endParaRPr b="1" sz="1200">
+            <a:endParaRPr sz="1200" b="1">
               <a:solidFill>
                 <a:srgbClr val="F0F6FC"/>
               </a:solidFill>
             </a:endParaRPr>
           </a:p>
           <a:p>
-            <a:pPr indent="0" lvl="0" marL="0" rtl="0" algn="l">
+            <a:pPr marL="0" lvl="0" indent="0" algn="l" rtl="0">
               <a:lnSpc>
                 <a:spcPct val="115000"/>
               </a:lnSpc>
@@ -11558,7 +11451,7 @@
               <a:buNone/>
             </a:pPr>
             <a:r>
-              <a:rPr b="1" lang="en" sz="1200">
+              <a:rPr lang="en" sz="1200" b="1">
                 <a:solidFill>
                   <a:srgbClr val="F0F6FC"/>
                 </a:solidFill>
@@ -11580,7 +11473,7 @@
             </a:endParaRPr>
           </a:p>
           <a:p>
-            <a:pPr indent="-304800" lvl="0" marL="457200" rtl="0" algn="l">
+            <a:pPr marL="457200" lvl="0" indent="-304800" algn="l" rtl="0">
               <a:lnSpc>
                 <a:spcPct val="115000"/>
               </a:lnSpc>
@@ -11611,7 +11504,7 @@
             </a:endParaRPr>
           </a:p>
           <a:p>
-            <a:pPr indent="-304800" lvl="0" marL="457200" rtl="0" algn="l">
+            <a:pPr marL="457200" lvl="0" indent="-304800" algn="l" rtl="0">
               <a:lnSpc>
                 <a:spcPct val="115000"/>
               </a:lnSpc>
@@ -11642,7 +11535,7 @@
             </a:endParaRPr>
           </a:p>
           <a:p>
-            <a:pPr indent="0" lvl="0" marL="0" rtl="0" algn="l">
+            <a:pPr marL="0" lvl="0" indent="0" algn="l" rtl="0">
               <a:lnSpc>
                 <a:spcPct val="115000"/>
               </a:lnSpc>
@@ -11655,7 +11548,7 @@
               <a:buNone/>
             </a:pPr>
             <a:r>
-              <a:rPr b="1" lang="en" sz="1200">
+              <a:rPr lang="en" sz="1200" b="1">
                 <a:solidFill>
                   <a:srgbClr val="F0F6FC"/>
                 </a:solidFill>
@@ -11677,7 +11570,7 @@
             </a:endParaRPr>
           </a:p>
           <a:p>
-            <a:pPr indent="-304800" lvl="0" marL="457200" rtl="0" algn="l">
+            <a:pPr marL="457200" lvl="0" indent="-304800" algn="l" rtl="0">
               <a:lnSpc>
                 <a:spcPct val="115000"/>
               </a:lnSpc>
@@ -11708,7 +11601,7 @@
             </a:endParaRPr>
           </a:p>
           <a:p>
-            <a:pPr indent="-304800" lvl="0" marL="457200" rtl="0" algn="l">
+            <a:pPr marL="457200" lvl="0" indent="-304800" algn="l" rtl="0">
               <a:lnSpc>
                 <a:spcPct val="115000"/>
               </a:lnSpc>
@@ -11739,7 +11632,7 @@
             </a:endParaRPr>
           </a:p>
           <a:p>
-            <a:pPr indent="0" lvl="0" marL="0" rtl="0" algn="l">
+            <a:pPr marL="0" lvl="0" indent="0" algn="l" rtl="0">
               <a:spcBef>
                 <a:spcPts val="1200"/>
               </a:spcBef>
@@ -11748,9 +11641,6 @@
               </a:spcAft>
               <a:buNone/>
             </a:pPr>
-            <a:r>
-              <a:t/>
-            </a:r>
             <a:endParaRPr sz="1200">
               <a:solidFill>
                 <a:srgbClr val="F0F6FC"/>
@@ -11772,11 +11662,11 @@
 </file>
 
 <file path=ppt/slides/slide4.xml><?xml version="1.0" encoding="utf-8"?>
-<p:sld xmlns:a="http://schemas.openxmlformats.org/drawingml/2006/main" xmlns:r="http://schemas.openxmlformats.org/officeDocument/2006/relationships" xmlns:mc="http://schemas.openxmlformats.org/markup-compatibility/2006" xmlns:mv="urn:schemas-microsoft-com:mac:vml" xmlns:p="http://schemas.openxmlformats.org/presentationml/2006/main" xmlns:c="http://schemas.openxmlformats.org/drawingml/2006/chart" xmlns:dgm="http://schemas.openxmlformats.org/drawingml/2006/diagram" xmlns:o="urn:schemas-microsoft-com:office:office" xmlns:v="urn:schemas-microsoft-com:vml" xmlns:pvml="urn:schemas-microsoft-com:office:powerpoint" xmlns:com="http://schemas.openxmlformats.org/drawingml/2006/compatibility" xmlns:p14="http://schemas.microsoft.com/office/powerpoint/2010/main" xmlns:p15="http://schemas.microsoft.com/office/powerpoint/2012/main" xmlns:ahyp="http://schemas.microsoft.com/office/drawing/2018/hyperlinkcolor">
+<p:sld xmlns:a="http://schemas.openxmlformats.org/drawingml/2006/main" xmlns:r="http://schemas.openxmlformats.org/officeDocument/2006/relationships" xmlns:p="http://schemas.openxmlformats.org/presentationml/2006/main">
   <p:cSld>
     <p:spTree>
       <p:nvGrpSpPr>
-        <p:cNvPr id="153" name="Shape 153"/>
+        <p:cNvPr id="1" name="Shape 153"/>
         <p:cNvGrpSpPr/>
         <p:nvPr/>
       </p:nvGrpSpPr>
@@ -11791,7 +11681,9 @@
       <p:sp>
         <p:nvSpPr>
           <p:cNvPr id="154" name="Google Shape;154;p16"/>
-          <p:cNvSpPr txBox="1"/>
+          <p:cNvSpPr txBox="1">
+            <a:spLocks noGrp="1"/>
+          </p:cNvSpPr>
           <p:nvPr>
             <p:ph type="title"/>
           </p:nvPr>
@@ -11806,12 +11698,12 @@
           </a:prstGeom>
         </p:spPr>
         <p:txBody>
-          <a:bodyPr anchorCtr="0" anchor="t" bIns="91425" lIns="91425" spcFirstLastPara="1" rIns="91425" wrap="square" tIns="91425">
+          <a:bodyPr spcFirstLastPara="1" wrap="square" lIns="91425" tIns="91425" rIns="91425" bIns="91425" anchor="t" anchorCtr="0">
             <a:normAutofit/>
           </a:bodyPr>
           <a:lstStyle/>
           <a:p>
-            <a:pPr indent="0" lvl="0" marL="0" rtl="0" algn="l">
+            <a:pPr marL="0" lvl="0" indent="0" algn="l" rtl="0">
               <a:spcBef>
                 <a:spcPts val="0"/>
               </a:spcBef>
@@ -11821,52 +11713,60 @@
               <a:buNone/>
             </a:pPr>
             <a:r>
-              <a:rPr lang="en"/>
+              <a:rPr lang="en" dirty="0"/>
               <a:t>Project Demo </a:t>
             </a:r>
-            <a:endParaRPr/>
+            <a:endParaRPr dirty="0"/>
           </a:p>
         </p:txBody>
       </p:sp>
-      <p:sp>
-        <p:nvSpPr>
-          <p:cNvPr id="155" name="Google Shape;155;p16"/>
-          <p:cNvSpPr txBox="1"/>
-          <p:nvPr>
-            <p:ph idx="1" type="body"/>
-          </p:nvPr>
-        </p:nvSpPr>
-        <p:spPr>
+      <p:pic>
+        <p:nvPicPr>
+          <p:cNvPr id="1028" name="Picture 4">
+            <a:extLst>
+              <a:ext uri="{FF2B5EF4-FFF2-40B4-BE49-F238E27FC236}">
+                <a16:creationId xmlns:a16="http://schemas.microsoft.com/office/drawing/2014/main" id="{5039241B-376A-469A-AFDF-82985A0ECB25}"/>
+              </a:ext>
+            </a:extLst>
+          </p:cNvPr>
+          <p:cNvPicPr>
+            <a:picLocks noChangeAspect="1" noChangeArrowheads="1"/>
+          </p:cNvPicPr>
+          <p:nvPr/>
+        </p:nvPicPr>
+        <p:blipFill>
+          <a:blip r:embed="rId3">
+            <a:extLst>
+              <a:ext uri="{28A0092B-C50C-407E-A947-70E740481C1C}">
+                <a14:useLocalDpi xmlns:a14="http://schemas.microsoft.com/office/drawing/2010/main" val="0"/>
+              </a:ext>
+            </a:extLst>
+          </a:blip>
+          <a:srcRect/>
+          <a:stretch>
+            <a:fillRect/>
+          </a:stretch>
+        </p:blipFill>
+        <p:spPr bwMode="auto">
           <a:xfrm>
-            <a:off x="1297500" y="1567550"/>
-            <a:ext cx="7038900" cy="2911200"/>
+            <a:off x="648922" y="1505140"/>
+            <a:ext cx="7846155" cy="2133219"/>
           </a:xfrm>
           <a:prstGeom prst="rect">
             <a:avLst/>
           </a:prstGeom>
+          <a:noFill/>
+          <a:extLst>
+            <a:ext uri="{909E8E84-426E-40DD-AFC4-6F175D3DCCD1}">
+              <a14:hiddenFill xmlns:a14="http://schemas.microsoft.com/office/drawing/2010/main">
+                <a:solidFill>
+                  <a:srgbClr val="FFFFFF"/>
+                </a:solidFill>
+              </a14:hiddenFill>
+            </a:ext>
+          </a:extLst>
         </p:spPr>
-        <p:txBody>
-          <a:bodyPr anchorCtr="0" anchor="t" bIns="91425" lIns="91425" spcFirstLastPara="1" rIns="91425" wrap="square" tIns="91425">
-            <a:normAutofit/>
-          </a:bodyPr>
-          <a:lstStyle/>
-          <a:p>
-            <a:pPr indent="0" lvl="0" marL="0" rtl="0" algn="l">
-              <a:spcBef>
-                <a:spcPts val="0"/>
-              </a:spcBef>
-              <a:spcAft>
-                <a:spcPts val="1200"/>
-              </a:spcAft>
-              <a:buNone/>
-            </a:pPr>
-            <a:r>
-              <a:t/>
-            </a:r>
-            <a:endParaRPr/>
-          </a:p>
-        </p:txBody>
-      </p:sp>
+      </p:pic>
     </p:spTree>
   </p:cSld>
   <p:clrMapOvr>
@@ -11876,11 +11776,11 @@
 </file>
 
 <file path=ppt/slides/slide5.xml><?xml version="1.0" encoding="utf-8"?>
-<p:sld xmlns:a="http://schemas.openxmlformats.org/drawingml/2006/main" xmlns:r="http://schemas.openxmlformats.org/officeDocument/2006/relationships" xmlns:mc="http://schemas.openxmlformats.org/markup-compatibility/2006" xmlns:mv="urn:schemas-microsoft-com:mac:vml" xmlns:p="http://schemas.openxmlformats.org/presentationml/2006/main" xmlns:c="http://schemas.openxmlformats.org/drawingml/2006/chart" xmlns:dgm="http://schemas.openxmlformats.org/drawingml/2006/diagram" xmlns:o="urn:schemas-microsoft-com:office:office" xmlns:v="urn:schemas-microsoft-com:vml" xmlns:pvml="urn:schemas-microsoft-com:office:powerpoint" xmlns:com="http://schemas.openxmlformats.org/drawingml/2006/compatibility" xmlns:p14="http://schemas.microsoft.com/office/powerpoint/2010/main" xmlns:p15="http://schemas.microsoft.com/office/powerpoint/2012/main" xmlns:ahyp="http://schemas.microsoft.com/office/drawing/2018/hyperlinkcolor">
+<p:sld xmlns:a="http://schemas.openxmlformats.org/drawingml/2006/main" xmlns:r="http://schemas.openxmlformats.org/officeDocument/2006/relationships" xmlns:p="http://schemas.openxmlformats.org/presentationml/2006/main">
   <p:cSld>
     <p:spTree>
       <p:nvGrpSpPr>
-        <p:cNvPr id="159" name="Shape 159"/>
+        <p:cNvPr id="1" name="Shape 159"/>
         <p:cNvGrpSpPr/>
         <p:nvPr/>
       </p:nvGrpSpPr>
@@ -11895,7 +11795,9 @@
       <p:sp>
         <p:nvSpPr>
           <p:cNvPr id="160" name="Google Shape;160;p17"/>
-          <p:cNvSpPr txBox="1"/>
+          <p:cNvSpPr txBox="1">
+            <a:spLocks noGrp="1"/>
+          </p:cNvSpPr>
           <p:nvPr>
             <p:ph type="title"/>
           </p:nvPr>
@@ -11910,12 +11812,12 @@
           </a:prstGeom>
         </p:spPr>
         <p:txBody>
-          <a:bodyPr anchorCtr="0" anchor="t" bIns="91425" lIns="91425" spcFirstLastPara="1" rIns="91425" wrap="square" tIns="91425">
+          <a:bodyPr spcFirstLastPara="1" wrap="square" lIns="91425" tIns="91425" rIns="91425" bIns="91425" anchor="t" anchorCtr="0">
             <a:normAutofit/>
           </a:bodyPr>
           <a:lstStyle/>
           <a:p>
-            <a:pPr indent="0" lvl="0" marL="0" rtl="0" algn="l">
+            <a:pPr marL="0" lvl="0" indent="0" algn="l" rtl="0">
               <a:spcBef>
                 <a:spcPts val="0"/>
               </a:spcBef>
@@ -11935,9 +11837,11 @@
       <p:sp>
         <p:nvSpPr>
           <p:cNvPr id="161" name="Google Shape;161;p17"/>
-          <p:cNvSpPr txBox="1"/>
+          <p:cNvSpPr txBox="1">
+            <a:spLocks noGrp="1"/>
+          </p:cNvSpPr>
           <p:nvPr>
-            <p:ph idx="1" type="body"/>
+            <p:ph type="body" idx="1"/>
           </p:nvPr>
         </p:nvSpPr>
         <p:spPr>
@@ -11950,12 +11854,12 @@
           </a:prstGeom>
         </p:spPr>
         <p:txBody>
-          <a:bodyPr anchorCtr="0" anchor="t" bIns="91425" lIns="91425" spcFirstLastPara="1" rIns="91425" wrap="square" tIns="91425">
+          <a:bodyPr spcFirstLastPara="1" wrap="square" lIns="91425" tIns="91425" rIns="91425" bIns="91425" anchor="t" anchorCtr="0">
             <a:normAutofit/>
           </a:bodyPr>
           <a:lstStyle/>
           <a:p>
-            <a:pPr indent="0" lvl="0" marL="0" rtl="0" algn="l">
+            <a:pPr marL="0" lvl="0" indent="0" algn="l" rtl="0">
               <a:spcBef>
                 <a:spcPts val="0"/>
               </a:spcBef>
@@ -11976,7 +11880,7 @@
             <a:endParaRPr/>
           </a:p>
           <a:p>
-            <a:pPr indent="0" lvl="0" marL="0" rtl="0" algn="l">
+            <a:pPr marL="0" lvl="0" indent="0" algn="l" rtl="0">
               <a:spcBef>
                 <a:spcPts val="1200"/>
               </a:spcBef>
@@ -11985,13 +11889,57 @@
               </a:spcAft>
               <a:buNone/>
             </a:pPr>
-            <a:r>
-              <a:t/>
-            </a:r>
             <a:endParaRPr/>
           </a:p>
         </p:txBody>
       </p:sp>
+      <p:pic>
+        <p:nvPicPr>
+          <p:cNvPr id="2050" name="Picture 2" descr="Home - The GitHub Blog">
+            <a:extLst>
+              <a:ext uri="{FF2B5EF4-FFF2-40B4-BE49-F238E27FC236}">
+                <a16:creationId xmlns:a16="http://schemas.microsoft.com/office/drawing/2014/main" id="{90A2658F-2F75-A41E-17D5-84F333DC8AD8}"/>
+              </a:ext>
+            </a:extLst>
+          </p:cNvPr>
+          <p:cNvPicPr>
+            <a:picLocks noChangeAspect="1" noChangeArrowheads="1"/>
+          </p:cNvPicPr>
+          <p:nvPr/>
+        </p:nvPicPr>
+        <p:blipFill>
+          <a:blip r:embed="rId4">
+            <a:extLst>
+              <a:ext uri="{28A0092B-C50C-407E-A947-70E740481C1C}">
+                <a14:useLocalDpi xmlns:a14="http://schemas.microsoft.com/office/drawing/2010/main" val="0"/>
+              </a:ext>
+            </a:extLst>
+          </a:blip>
+          <a:srcRect/>
+          <a:stretch>
+            <a:fillRect/>
+          </a:stretch>
+        </p:blipFill>
+        <p:spPr bwMode="auto">
+          <a:xfrm>
+            <a:off x="2849959" y="2302617"/>
+            <a:ext cx="3444081" cy="2166533"/>
+          </a:xfrm>
+          <a:prstGeom prst="rect">
+            <a:avLst/>
+          </a:prstGeom>
+          <a:noFill/>
+          <a:extLst>
+            <a:ext uri="{909E8E84-426E-40DD-AFC4-6F175D3DCCD1}">
+              <a14:hiddenFill xmlns:a14="http://schemas.microsoft.com/office/drawing/2010/main">
+                <a:solidFill>
+                  <a:srgbClr val="FFFFFF"/>
+                </a:solidFill>
+              </a14:hiddenFill>
+            </a:ext>
+          </a:extLst>
+        </p:spPr>
+      </p:pic>
     </p:spTree>
   </p:cSld>
   <p:clrMapOvr>
@@ -12001,11 +11949,11 @@
 </file>
 
 <file path=ppt/slides/slide6.xml><?xml version="1.0" encoding="utf-8"?>
-<p:sld xmlns:a="http://schemas.openxmlformats.org/drawingml/2006/main" xmlns:r="http://schemas.openxmlformats.org/officeDocument/2006/relationships" xmlns:mc="http://schemas.openxmlformats.org/markup-compatibility/2006" xmlns:mv="urn:schemas-microsoft-com:mac:vml" xmlns:p="http://schemas.openxmlformats.org/presentationml/2006/main" xmlns:c="http://schemas.openxmlformats.org/drawingml/2006/chart" xmlns:dgm="http://schemas.openxmlformats.org/drawingml/2006/diagram" xmlns:o="urn:schemas-microsoft-com:office:office" xmlns:v="urn:schemas-microsoft-com:vml" xmlns:pvml="urn:schemas-microsoft-com:office:powerpoint" xmlns:com="http://schemas.openxmlformats.org/drawingml/2006/compatibility" xmlns:p14="http://schemas.microsoft.com/office/powerpoint/2010/main" xmlns:p15="http://schemas.microsoft.com/office/powerpoint/2012/main" xmlns:ahyp="http://schemas.microsoft.com/office/drawing/2018/hyperlinkcolor">
+<p:sld xmlns:a="http://schemas.openxmlformats.org/drawingml/2006/main" xmlns:r="http://schemas.openxmlformats.org/officeDocument/2006/relationships" xmlns:p="http://schemas.openxmlformats.org/presentationml/2006/main">
   <p:cSld>
     <p:spTree>
       <p:nvGrpSpPr>
-        <p:cNvPr id="165" name="Shape 165"/>
+        <p:cNvPr id="1" name="Shape 165"/>
         <p:cNvGrpSpPr/>
         <p:nvPr/>
       </p:nvGrpSpPr>
@@ -12020,7 +11968,9 @@
       <p:sp>
         <p:nvSpPr>
           <p:cNvPr id="166" name="Google Shape;166;p18"/>
-          <p:cNvSpPr txBox="1"/>
+          <p:cNvSpPr txBox="1">
+            <a:spLocks noGrp="1"/>
+          </p:cNvSpPr>
           <p:nvPr>
             <p:ph type="title"/>
           </p:nvPr>
@@ -12035,12 +11985,12 @@
           </a:prstGeom>
         </p:spPr>
         <p:txBody>
-          <a:bodyPr anchorCtr="0" anchor="t" bIns="91425" lIns="91425" spcFirstLastPara="1" rIns="91425" wrap="square" tIns="91425">
+          <a:bodyPr spcFirstLastPara="1" wrap="square" lIns="91425" tIns="91425" rIns="91425" bIns="91425" anchor="t" anchorCtr="0">
             <a:normAutofit fontScale="90000"/>
           </a:bodyPr>
           <a:lstStyle/>
           <a:p>
-            <a:pPr indent="0" lvl="0" marL="0" rtl="0" algn="l">
+            <a:pPr marL="0" lvl="0" indent="0" algn="l" rtl="0">
               <a:spcBef>
                 <a:spcPts val="0"/>
               </a:spcBef>
@@ -12056,7 +12006,7 @@
             <a:endParaRPr/>
           </a:p>
           <a:p>
-            <a:pPr indent="0" lvl="0" marL="0" rtl="0" algn="l">
+            <a:pPr marL="0" lvl="0" indent="0" algn="l" rtl="0">
               <a:spcBef>
                 <a:spcPts val="0"/>
               </a:spcBef>
@@ -12065,13 +12015,10 @@
               </a:spcAft>
               <a:buNone/>
             </a:pPr>
-            <a:r>
-              <a:t/>
-            </a:r>
             <a:endParaRPr/>
           </a:p>
           <a:p>
-            <a:pPr indent="0" lvl="0" marL="0" rtl="0" algn="l">
+            <a:pPr marL="0" lvl="0" indent="0" algn="l" rtl="0">
               <a:spcBef>
                 <a:spcPts val="0"/>
               </a:spcBef>
@@ -12080,9 +12027,6 @@
               </a:spcAft>
               <a:buNone/>
             </a:pPr>
-            <a:r>
-              <a:t/>
-            </a:r>
             <a:endParaRPr/>
           </a:p>
         </p:txBody>
@@ -12090,9 +12034,11 @@
       <p:sp>
         <p:nvSpPr>
           <p:cNvPr id="167" name="Google Shape;167;p18"/>
-          <p:cNvSpPr txBox="1"/>
+          <p:cNvSpPr txBox="1">
+            <a:spLocks noGrp="1"/>
+          </p:cNvSpPr>
           <p:nvPr>
-            <p:ph idx="1" type="body"/>
+            <p:ph type="body" idx="1"/>
           </p:nvPr>
         </p:nvSpPr>
         <p:spPr>
@@ -12105,12 +12051,12 @@
           </a:prstGeom>
         </p:spPr>
         <p:txBody>
-          <a:bodyPr anchorCtr="0" anchor="t" bIns="91425" lIns="91425" spcFirstLastPara="1" rIns="91425" wrap="square" tIns="91425">
+          <a:bodyPr spcFirstLastPara="1" wrap="square" lIns="91425" tIns="91425" rIns="91425" bIns="91425" anchor="t" anchorCtr="0">
             <a:normAutofit/>
           </a:bodyPr>
           <a:lstStyle/>
           <a:p>
-            <a:pPr indent="-311150" lvl="0" marL="457200" rtl="0" algn="l">
+            <a:pPr marL="457200" lvl="0" indent="-311150" algn="l" rtl="0">
               <a:lnSpc>
                 <a:spcPct val="125000"/>
               </a:lnSpc>
@@ -12124,7 +12070,52 @@
               <a:buChar char="●"/>
             </a:pPr>
             <a:r>
-              <a:rPr b="1" lang="en" sz="1650">
+              <a:rPr lang="en-CA" sz="1650" b="1" dirty="0">
+                <a:solidFill>
+                  <a:srgbClr val="F0F6FC"/>
+                </a:solidFill>
+                <a:highlight>
+                  <a:schemeClr val="dk1"/>
+                </a:highlight>
+                <a:latin typeface="Arial"/>
+                <a:ea typeface="Arial"/>
+                <a:cs typeface="Arial"/>
+                <a:sym typeface="Arial"/>
+              </a:rPr>
+              <a:t>Initial</a:t>
+            </a:r>
+            <a:r>
+              <a:rPr lang="en" sz="1650" b="1" dirty="0">
+                <a:solidFill>
+                  <a:srgbClr val="F0F6FC"/>
+                </a:solidFill>
+                <a:highlight>
+                  <a:schemeClr val="dk1"/>
+                </a:highlight>
+                <a:latin typeface="Arial"/>
+                <a:ea typeface="Arial"/>
+                <a:cs typeface="Arial"/>
+                <a:sym typeface="Arial"/>
+              </a:rPr>
+              <a:t> Plan:</a:t>
+            </a:r>
+          </a:p>
+          <a:p>
+            <a:pPr marL="457200" lvl="0" indent="-311150" algn="l" rtl="0">
+              <a:lnSpc>
+                <a:spcPct val="125000"/>
+              </a:lnSpc>
+              <a:spcBef>
+                <a:spcPts val="1400"/>
+              </a:spcBef>
+              <a:spcAft>
+                <a:spcPts val="0"/>
+              </a:spcAft>
+              <a:buSzPts val="1300"/>
+              <a:buChar char="●"/>
+            </a:pPr>
+            <a:r>
+              <a:rPr lang="en" sz="1650" b="1" dirty="0">
                 <a:solidFill>
                   <a:srgbClr val="F0F6FC"/>
                 </a:solidFill>
@@ -12138,7 +12129,7 @@
               </a:rPr>
               <a:t>Week 1: Tool Exploration and Analysis</a:t>
             </a:r>
-            <a:endParaRPr b="1" sz="1650">
+            <a:endParaRPr sz="1650" b="1" dirty="0">
               <a:solidFill>
                 <a:srgbClr val="F0F6FC"/>
               </a:solidFill>
@@ -12152,7 +12143,7 @@
             </a:endParaRPr>
           </a:p>
           <a:p>
-            <a:pPr indent="-311150" lvl="0" marL="457200" rtl="0" algn="l">
+            <a:pPr marL="457200" lvl="0" indent="-311150" algn="l" rtl="0">
               <a:lnSpc>
                 <a:spcPct val="125000"/>
               </a:lnSpc>
@@ -12166,7 +12157,7 @@
               <a:buChar char="●"/>
             </a:pPr>
             <a:r>
-              <a:rPr b="1" lang="en" sz="1650">
+              <a:rPr lang="en" sz="1650" b="1" dirty="0">
                 <a:solidFill>
                   <a:srgbClr val="F0F6FC"/>
                 </a:solidFill>
@@ -12180,7 +12171,7 @@
               </a:rPr>
               <a:t>Week 2: Tool Selection and VM Setup</a:t>
             </a:r>
-            <a:endParaRPr b="1" sz="1650">
+            <a:endParaRPr sz="1650" b="1" dirty="0">
               <a:solidFill>
                 <a:srgbClr val="F0F6FC"/>
               </a:solidFill>
@@ -12194,7 +12185,7 @@
             </a:endParaRPr>
           </a:p>
           <a:p>
-            <a:pPr indent="-311150" lvl="0" marL="457200" rtl="0" algn="l">
+            <a:pPr marL="457200" lvl="0" indent="-311150" algn="l" rtl="0">
               <a:lnSpc>
                 <a:spcPct val="125000"/>
               </a:lnSpc>
@@ -12208,7 +12199,7 @@
               <a:buChar char="●"/>
             </a:pPr>
             <a:r>
-              <a:rPr b="1" lang="en" sz="1650">
+              <a:rPr lang="en" sz="1650" b="1" dirty="0">
                 <a:solidFill>
                   <a:srgbClr val="F0F6FC"/>
                 </a:solidFill>
@@ -12222,7 +12213,7 @@
               </a:rPr>
               <a:t>Week 3: Automation and Finalization</a:t>
             </a:r>
-            <a:endParaRPr b="1" sz="1650">
+            <a:endParaRPr sz="1650" b="1" dirty="0">
               <a:solidFill>
                 <a:srgbClr val="F0F6FC"/>
               </a:solidFill>
@@ -12236,7 +12227,7 @@
             </a:endParaRPr>
           </a:p>
           <a:p>
-            <a:pPr indent="0" lvl="0" marL="457200" rtl="0" algn="l">
+            <a:pPr marL="457200" lvl="0" indent="0" algn="l" rtl="0">
               <a:spcBef>
                 <a:spcPts val="400"/>
               </a:spcBef>
@@ -12245,10 +12236,7 @@
               </a:spcAft>
               <a:buNone/>
             </a:pPr>
-            <a:r>
-              <a:t/>
-            </a:r>
-            <a:endParaRPr>
+            <a:endParaRPr dirty="0">
               <a:highlight>
                 <a:schemeClr val="dk1"/>
               </a:highlight>
@@ -12265,11 +12253,11 @@
 </file>
 
 <file path=ppt/slides/slide7.xml><?xml version="1.0" encoding="utf-8"?>
-<p:sld xmlns:a="http://schemas.openxmlformats.org/drawingml/2006/main" xmlns:r="http://schemas.openxmlformats.org/officeDocument/2006/relationships" xmlns:mc="http://schemas.openxmlformats.org/markup-compatibility/2006" xmlns:mv="urn:schemas-microsoft-com:mac:vml" xmlns:p="http://schemas.openxmlformats.org/presentationml/2006/main" xmlns:c="http://schemas.openxmlformats.org/drawingml/2006/chart" xmlns:dgm="http://schemas.openxmlformats.org/drawingml/2006/diagram" xmlns:o="urn:schemas-microsoft-com:office:office" xmlns:v="urn:schemas-microsoft-com:vml" xmlns:pvml="urn:schemas-microsoft-com:office:powerpoint" xmlns:com="http://schemas.openxmlformats.org/drawingml/2006/compatibility" xmlns:p14="http://schemas.microsoft.com/office/powerpoint/2010/main" xmlns:p15="http://schemas.microsoft.com/office/powerpoint/2012/main" xmlns:ahyp="http://schemas.microsoft.com/office/drawing/2018/hyperlinkcolor">
+<p:sld xmlns:a="http://schemas.openxmlformats.org/drawingml/2006/main" xmlns:r="http://schemas.openxmlformats.org/officeDocument/2006/relationships" xmlns:p="http://schemas.openxmlformats.org/presentationml/2006/main">
   <p:cSld>
     <p:spTree>
       <p:nvGrpSpPr>
-        <p:cNvPr id="171" name="Shape 171"/>
+        <p:cNvPr id="1" name="Shape 171"/>
         <p:cNvGrpSpPr/>
         <p:nvPr/>
       </p:nvGrpSpPr>
@@ -12284,7 +12272,9 @@
       <p:sp>
         <p:nvSpPr>
           <p:cNvPr id="172" name="Google Shape;172;p19"/>
-          <p:cNvSpPr txBox="1"/>
+          <p:cNvSpPr txBox="1">
+            <a:spLocks noGrp="1"/>
+          </p:cNvSpPr>
           <p:nvPr>
             <p:ph type="title"/>
           </p:nvPr>
@@ -12299,12 +12289,12 @@
           </a:prstGeom>
         </p:spPr>
         <p:txBody>
-          <a:bodyPr anchorCtr="0" anchor="t" bIns="91425" lIns="91425" spcFirstLastPara="1" rIns="91425" wrap="square" tIns="91425">
+          <a:bodyPr spcFirstLastPara="1" wrap="square" lIns="91425" tIns="91425" rIns="91425" bIns="91425" anchor="t" anchorCtr="0">
             <a:normAutofit/>
           </a:bodyPr>
           <a:lstStyle/>
           <a:p>
-            <a:pPr indent="0" lvl="0" marL="0" rtl="0" algn="l">
+            <a:pPr marL="0" lvl="0" indent="0" algn="l" rtl="0">
               <a:spcBef>
                 <a:spcPts val="0"/>
               </a:spcBef>
@@ -12324,14 +12314,16 @@
       <p:sp>
         <p:nvSpPr>
           <p:cNvPr id="173" name="Google Shape;173;p19"/>
-          <p:cNvSpPr txBox="1"/>
+          <p:cNvSpPr txBox="1">
+            <a:spLocks noGrp="1"/>
+          </p:cNvSpPr>
           <p:nvPr>
-            <p:ph idx="1" type="body"/>
+            <p:ph type="body" idx="1"/>
           </p:nvPr>
         </p:nvSpPr>
         <p:spPr>
           <a:xfrm>
-            <a:off x="1297500" y="1567550"/>
+            <a:off x="1297500" y="1440550"/>
             <a:ext cx="7038900" cy="2911200"/>
           </a:xfrm>
           <a:prstGeom prst="rect">
@@ -12339,12 +12331,12 @@
           </a:prstGeom>
         </p:spPr>
         <p:txBody>
-          <a:bodyPr anchorCtr="0" anchor="t" bIns="91425" lIns="91425" spcFirstLastPara="1" rIns="91425" wrap="square" tIns="91425">
+          <a:bodyPr spcFirstLastPara="1" wrap="square" lIns="91425" tIns="91425" rIns="91425" bIns="91425" anchor="t" anchorCtr="0">
             <a:normAutofit/>
           </a:bodyPr>
           <a:lstStyle/>
           <a:p>
-            <a:pPr indent="-311150" lvl="0" marL="457200" rtl="0" algn="l">
+            <a:pPr marL="457200" lvl="0" indent="-311150" algn="l" rtl="0">
               <a:spcBef>
                 <a:spcPts val="0"/>
               </a:spcBef>
@@ -12355,10 +12347,42 @@
               <a:buChar char="●"/>
             </a:pPr>
             <a:r>
-              <a:rPr lang="en"/>
+              <a:rPr lang="en" dirty="0"/>
               <a:t>“Insert Matthew’s rant about configuring bash files”</a:t>
             </a:r>
-            <a:endParaRPr/>
+          </a:p>
+          <a:p>
+            <a:pPr marL="457200" lvl="0" indent="-311150" algn="l" rtl="0">
+              <a:spcBef>
+                <a:spcPts val="0"/>
+              </a:spcBef>
+              <a:spcAft>
+                <a:spcPts val="0"/>
+              </a:spcAft>
+              <a:buSzPts val="1300"/>
+              <a:buChar char="●"/>
+            </a:pPr>
+            <a:r>
+              <a:rPr lang="en-CA" dirty="0"/>
+              <a:t>E</a:t>
+            </a:r>
+            <a:r>
+              <a:rPr lang="en" dirty="0"/>
+              <a:t>x:  using full command paths, cron has no acces to display by deafult</a:t>
+            </a:r>
+          </a:p>
+          <a:p>
+            <a:pPr marL="457200" lvl="0" indent="-311150" algn="l" rtl="0">
+              <a:spcBef>
+                <a:spcPts val="0"/>
+              </a:spcBef>
+              <a:spcAft>
+                <a:spcPts val="0"/>
+              </a:spcAft>
+              <a:buSzPts val="1300"/>
+              <a:buChar char="●"/>
+            </a:pPr>
+            <a:endParaRPr dirty="0"/>
           </a:p>
         </p:txBody>
       </p:sp>
@@ -12371,11 +12395,11 @@
 </file>
 
 <file path=ppt/slides/slide8.xml><?xml version="1.0" encoding="utf-8"?>
-<p:sld xmlns:a="http://schemas.openxmlformats.org/drawingml/2006/main" xmlns:r="http://schemas.openxmlformats.org/officeDocument/2006/relationships" xmlns:mc="http://schemas.openxmlformats.org/markup-compatibility/2006" xmlns:mv="urn:schemas-microsoft-com:mac:vml" xmlns:p="http://schemas.openxmlformats.org/presentationml/2006/main" xmlns:c="http://schemas.openxmlformats.org/drawingml/2006/chart" xmlns:dgm="http://schemas.openxmlformats.org/drawingml/2006/diagram" xmlns:o="urn:schemas-microsoft-com:office:office" xmlns:v="urn:schemas-microsoft-com:vml" xmlns:pvml="urn:schemas-microsoft-com:office:powerpoint" xmlns:com="http://schemas.openxmlformats.org/drawingml/2006/compatibility" xmlns:p14="http://schemas.microsoft.com/office/powerpoint/2010/main" xmlns:p15="http://schemas.microsoft.com/office/powerpoint/2012/main" xmlns:ahyp="http://schemas.microsoft.com/office/drawing/2018/hyperlinkcolor">
+<p:sld xmlns:a="http://schemas.openxmlformats.org/drawingml/2006/main" xmlns:r="http://schemas.openxmlformats.org/officeDocument/2006/relationships" xmlns:p="http://schemas.openxmlformats.org/presentationml/2006/main">
   <p:cSld>
     <p:spTree>
       <p:nvGrpSpPr>
-        <p:cNvPr id="177" name="Shape 177"/>
+        <p:cNvPr id="1" name="Shape 177"/>
         <p:cNvGrpSpPr/>
         <p:nvPr/>
       </p:nvGrpSpPr>
@@ -12390,7 +12414,9 @@
       <p:sp>
         <p:nvSpPr>
           <p:cNvPr id="178" name="Google Shape;178;p20"/>
-          <p:cNvSpPr txBox="1"/>
+          <p:cNvSpPr txBox="1">
+            <a:spLocks noGrp="1"/>
+          </p:cNvSpPr>
           <p:nvPr>
             <p:ph type="title"/>
           </p:nvPr>
@@ -12405,12 +12431,12 @@
           </a:prstGeom>
         </p:spPr>
         <p:txBody>
-          <a:bodyPr anchorCtr="0" anchor="t" bIns="91425" lIns="91425" spcFirstLastPara="1" rIns="91425" wrap="square" tIns="91425">
+          <a:bodyPr spcFirstLastPara="1" wrap="square" lIns="91425" tIns="91425" rIns="91425" bIns="91425" anchor="t" anchorCtr="0">
             <a:normAutofit/>
           </a:bodyPr>
           <a:lstStyle/>
           <a:p>
-            <a:pPr indent="0" lvl="0" marL="0" rtl="0" algn="l">
+            <a:pPr marL="0" lvl="0" indent="0" algn="l" rtl="0">
               <a:spcBef>
                 <a:spcPts val="0"/>
               </a:spcBef>
@@ -12421,11 +12447,7 @@
             </a:pPr>
             <a:r>
               <a:rPr lang="en"/>
-              <a:t>Major </a:t>
-            </a:r>
-            <a:r>
-              <a:rPr lang="en"/>
-              <a:t>Accomplishments</a:t>
+              <a:t>Major Accomplishments</a:t>
             </a:r>
             <a:endParaRPr/>
           </a:p>
@@ -12434,14 +12456,16 @@
       <p:sp>
         <p:nvSpPr>
           <p:cNvPr id="179" name="Google Shape;179;p20"/>
-          <p:cNvSpPr txBox="1"/>
+          <p:cNvSpPr txBox="1">
+            <a:spLocks noGrp="1"/>
+          </p:cNvSpPr>
           <p:nvPr>
-            <p:ph idx="1" type="body"/>
+            <p:ph type="body" idx="1"/>
           </p:nvPr>
         </p:nvSpPr>
         <p:spPr>
           <a:xfrm>
-            <a:off x="1297500" y="1567550"/>
+            <a:off x="1297500" y="1281800"/>
             <a:ext cx="7038900" cy="2911200"/>
           </a:xfrm>
           <a:prstGeom prst="rect">
@@ -12449,24 +12473,61 @@
           </a:prstGeom>
         </p:spPr>
         <p:txBody>
-          <a:bodyPr anchorCtr="0" anchor="t" bIns="91425" lIns="91425" spcFirstLastPara="1" rIns="91425" wrap="square" tIns="91425">
+          <a:bodyPr spcFirstLastPara="1" wrap="square" lIns="91425" tIns="91425" rIns="91425" bIns="91425" anchor="t" anchorCtr="0">
             <a:normAutofit/>
           </a:bodyPr>
           <a:lstStyle/>
           <a:p>
-            <a:pPr indent="0" lvl="0" marL="0" rtl="0" algn="l">
-              <a:spcBef>
-                <a:spcPts val="0"/>
-              </a:spcBef>
+            <a:pPr marL="285750" indent="-285750">
               <a:spcAft>
                 <a:spcPts val="1200"/>
               </a:spcAft>
-              <a:buNone/>
             </a:pPr>
             <a:r>
-              <a:t/>
+              <a:rPr lang="en-CA" dirty="0"/>
+              <a:t>Functioning automated script after much pain </a:t>
             </a:r>
-            <a:endParaRPr/>
+          </a:p>
+          <a:p>
+            <a:pPr marL="285750" indent="-285750">
+              <a:spcAft>
+                <a:spcPts val="1200"/>
+              </a:spcAft>
+            </a:pPr>
+            <a:r>
+              <a:rPr lang="en-CA" dirty="0"/>
+              <a:t>Successful setup of software </a:t>
+            </a:r>
+          </a:p>
+          <a:p>
+            <a:pPr marL="285750" indent="-285750">
+              <a:spcAft>
+                <a:spcPts val="1200"/>
+              </a:spcAft>
+            </a:pPr>
+            <a:r>
+              <a:rPr lang="en-CA" dirty="0"/>
+              <a:t>Configuring multiple VM’s to work together </a:t>
+            </a:r>
+          </a:p>
+          <a:p>
+            <a:pPr marL="285750" indent="-285750">
+              <a:spcAft>
+                <a:spcPts val="1200"/>
+              </a:spcAft>
+            </a:pPr>
+            <a:r>
+              <a:rPr lang="en-CA" dirty="0"/>
+              <a:t>Gained knowledge Linux and its tools </a:t>
+            </a:r>
+          </a:p>
+          <a:p>
+            <a:pPr marL="285750" indent="-285750">
+              <a:spcAft>
+                <a:spcPts val="1200"/>
+              </a:spcAft>
+            </a:pPr>
+            <a:endParaRPr dirty="0"/>
           </a:p>
         </p:txBody>
       </p:sp>
@@ -12479,11 +12540,11 @@
 </file>
 
 <file path=ppt/slides/slide9.xml><?xml version="1.0" encoding="utf-8"?>
-<p:sld xmlns:a="http://schemas.openxmlformats.org/drawingml/2006/main" xmlns:r="http://schemas.openxmlformats.org/officeDocument/2006/relationships" xmlns:mc="http://schemas.openxmlformats.org/markup-compatibility/2006" xmlns:mv="urn:schemas-microsoft-com:mac:vml" xmlns:p="http://schemas.openxmlformats.org/presentationml/2006/main" xmlns:c="http://schemas.openxmlformats.org/drawingml/2006/chart" xmlns:dgm="http://schemas.openxmlformats.org/drawingml/2006/diagram" xmlns:o="urn:schemas-microsoft-com:office:office" xmlns:v="urn:schemas-microsoft-com:vml" xmlns:pvml="urn:schemas-microsoft-com:office:powerpoint" xmlns:com="http://schemas.openxmlformats.org/drawingml/2006/compatibility" xmlns:p14="http://schemas.microsoft.com/office/powerpoint/2010/main" xmlns:p15="http://schemas.microsoft.com/office/powerpoint/2012/main" xmlns:ahyp="http://schemas.microsoft.com/office/drawing/2018/hyperlinkcolor">
+<p:sld xmlns:a="http://schemas.openxmlformats.org/drawingml/2006/main" xmlns:r="http://schemas.openxmlformats.org/officeDocument/2006/relationships" xmlns:p="http://schemas.openxmlformats.org/presentationml/2006/main">
   <p:cSld>
     <p:spTree>
       <p:nvGrpSpPr>
-        <p:cNvPr id="183" name="Shape 183"/>
+        <p:cNvPr id="1" name="Shape 183"/>
         <p:cNvGrpSpPr/>
         <p:nvPr/>
       </p:nvGrpSpPr>
@@ -12498,7 +12559,9 @@
       <p:sp>
         <p:nvSpPr>
           <p:cNvPr id="184" name="Google Shape;184;p21"/>
-          <p:cNvSpPr txBox="1"/>
+          <p:cNvSpPr txBox="1">
+            <a:spLocks noGrp="1"/>
+          </p:cNvSpPr>
           <p:nvPr>
             <p:ph type="title"/>
           </p:nvPr>
@@ -12513,12 +12576,12 @@
           </a:prstGeom>
         </p:spPr>
         <p:txBody>
-          <a:bodyPr anchorCtr="0" anchor="t" bIns="91425" lIns="91425" spcFirstLastPara="1" rIns="91425" wrap="square" tIns="91425">
+          <a:bodyPr spcFirstLastPara="1" wrap="square" lIns="91425" tIns="91425" rIns="91425" bIns="91425" anchor="t" anchorCtr="0">
             <a:normAutofit fontScale="90000"/>
           </a:bodyPr>
           <a:lstStyle/>
           <a:p>
-            <a:pPr indent="0" lvl="0" marL="0" rtl="0" algn="l">
+            <a:pPr marL="0" lvl="0" indent="0" algn="l" rtl="0">
               <a:spcBef>
                 <a:spcPts val="0"/>
               </a:spcBef>
@@ -12538,9 +12601,11 @@
       <p:sp>
         <p:nvSpPr>
           <p:cNvPr id="185" name="Google Shape;185;p21"/>
-          <p:cNvSpPr txBox="1"/>
+          <p:cNvSpPr txBox="1">
+            <a:spLocks noGrp="1"/>
+          </p:cNvSpPr>
           <p:nvPr>
-            <p:ph idx="1" type="body"/>
+            <p:ph type="body" idx="1"/>
           </p:nvPr>
         </p:nvSpPr>
         <p:spPr>
@@ -12553,24 +12618,61 @@
           </a:prstGeom>
         </p:spPr>
         <p:txBody>
-          <a:bodyPr anchorCtr="0" anchor="t" bIns="91425" lIns="91425" spcFirstLastPara="1" rIns="91425" wrap="square" tIns="91425">
+          <a:bodyPr spcFirstLastPara="1" wrap="square" lIns="91425" tIns="91425" rIns="91425" bIns="91425" anchor="t" anchorCtr="0">
             <a:normAutofit/>
           </a:bodyPr>
           <a:lstStyle/>
           <a:p>
-            <a:pPr indent="0" lvl="0" marL="0" rtl="0" algn="l">
-              <a:spcBef>
-                <a:spcPts val="0"/>
-              </a:spcBef>
+            <a:pPr marL="285750" indent="-285750">
               <a:spcAft>
                 <a:spcPts val="1200"/>
               </a:spcAft>
-              <a:buNone/>
             </a:pPr>
             <a:r>
-              <a:t/>
+              <a:rPr lang="en-CA" dirty="0"/>
+              <a:t>Develop a custom dashboard </a:t>
             </a:r>
-            <a:endParaRPr/>
+          </a:p>
+          <a:p>
+            <a:pPr marL="285750" indent="-285750">
+              <a:spcAft>
+                <a:spcPts val="1200"/>
+              </a:spcAft>
+            </a:pPr>
+            <a:r>
+              <a:rPr lang="en-CA" dirty="0"/>
+              <a:t>Send warning emails for failed login attempts</a:t>
+            </a:r>
+          </a:p>
+          <a:p>
+            <a:pPr marL="285750" indent="-285750">
+              <a:spcAft>
+                <a:spcPts val="1200"/>
+              </a:spcAft>
+            </a:pPr>
+            <a:r>
+              <a:rPr lang="en-CA" dirty="0"/>
+              <a:t>Send SMS warnings </a:t>
+            </a:r>
+          </a:p>
+          <a:p>
+            <a:pPr marL="285750" indent="-285750">
+              <a:spcAft>
+                <a:spcPts val="1200"/>
+              </a:spcAft>
+            </a:pPr>
+            <a:r>
+              <a:rPr lang="en-CA" dirty="0"/>
+              <a:t>Develop scripts that create system reports</a:t>
+            </a:r>
+          </a:p>
+          <a:p>
+            <a:pPr marL="285750" indent="-285750">
+              <a:spcAft>
+                <a:spcPts val="1200"/>
+              </a:spcAft>
+            </a:pPr>
+            <a:endParaRPr dirty="0"/>
           </a:p>
         </p:txBody>
       </p:sp>
@@ -12583,7 +12685,7 @@
 </file>
 
 <file path=ppt/theme/theme1.xml><?xml version="1.0" encoding="utf-8"?>
-<a:theme xmlns:a="http://schemas.openxmlformats.org/drawingml/2006/main" xmlns:r="http://schemas.openxmlformats.org/officeDocument/2006/relationships" name="Focus">
+<a:theme xmlns:a="http://schemas.openxmlformats.org/drawingml/2006/main" name="Focus">
   <a:themeElements>
     <a:clrScheme name="Focus">
       <a:dk1>
@@ -12858,11 +12960,13 @@
       </a:bgFillStyleLst>
     </a:fmtScheme>
   </a:themeElements>
+  <a:objectDefaults/>
+  <a:extraClrSchemeLst/>
 </a:theme>
 </file>
 
 <file path=ppt/theme/theme2.xml><?xml version="1.0" encoding="utf-8"?>
-<a:theme xmlns:a="http://schemas.openxmlformats.org/drawingml/2006/main" xmlns:r="http://schemas.openxmlformats.org/officeDocument/2006/relationships">
+<a:theme xmlns:a="http://schemas.openxmlformats.org/drawingml/2006/main">
   <a:themeElements>
     <a:clrScheme name="Default">
       <a:dk1>
@@ -13137,5 +13241,7 @@
       </a:bgFillStyleLst>
     </a:fmtScheme>
   </a:themeElements>
+  <a:objectDefaults/>
+  <a:extraClrSchemeLst/>
 </a:theme>
 </file>
--- a/System Monitoring and Managing (1).pptx
+++ b/System Monitoring and Managing (1).pptx
@@ -12382,6 +12382,22 @@
               <a:buSzPts val="1300"/>
               <a:buChar char="●"/>
             </a:pPr>
+            <a:r>
+              <a:rPr lang="en" dirty="0"/>
+              <a:t>Configuring zabbix was hard as it required to set up a database. It also required a lot of resources for it to work, which is overkill for our project</a:t>
+            </a:r>
+          </a:p>
+          <a:p>
+            <a:pPr marL="457200" lvl="0" indent="-311150" algn="l" rtl="0">
+              <a:spcBef>
+                <a:spcPts val="0"/>
+              </a:spcBef>
+              <a:spcAft>
+                <a:spcPts val="0"/>
+              </a:spcAft>
+              <a:buSzPts val="1300"/>
+              <a:buChar char="●"/>
+            </a:pPr>
             <a:endParaRPr dirty="0"/>
           </a:p>
         </p:txBody>
@@ -12519,6 +12535,17 @@
             <a:r>
               <a:rPr lang="en-CA" dirty="0"/>
               <a:t>Gained knowledge Linux and its tools </a:t>
+            </a:r>
+          </a:p>
+          <a:p>
+            <a:pPr marL="285750" indent="-285750">
+              <a:spcAft>
+                <a:spcPts val="1200"/>
+              </a:spcAft>
+            </a:pPr>
+            <a:r>
+              <a:rPr lang="en-CA" dirty="0"/>
+              <a:t>Gained a deeper understanding of bash files and how they work</a:t>
             </a:r>
           </a:p>
           <a:p>
